--- a/slides/9_Table API 和 Flink SQL.pptx
+++ b/slides/9_Table API 和 Flink SQL.pptx
@@ -296,7 +296,7 @@
           </a:bodyPr>
           <a:p>
             <a:pPr algn="r"/>
-            <a:fld id="{1989DB39-6797-434B-9000-A9E10DF85F91}" type="slidenum">
+            <a:fld id="{A11552B6-212D-4C2A-A081-A065E8E62901}" type="slidenum">
               <a:rPr b="0" lang="en-US" sz="1400" spc="-1" strike="noStrike">
                 <a:latin typeface="Times New Roman"/>
               </a:rPr>
@@ -344,7 +344,7 @@
         <p:spPr>
           <a:xfrm>
             <a:off x="993600" y="768240"/>
-            <a:ext cx="5117400" cy="3837960"/>
+            <a:ext cx="5117040" cy="3837600"/>
           </a:xfrm>
           <a:prstGeom prst="rect">
             <a:avLst/>
@@ -364,7 +364,7 @@
         <p:spPr>
           <a:xfrm>
             <a:off x="710640" y="4862160"/>
-            <a:ext cx="5683680" cy="4605480"/>
+            <a:ext cx="5683320" cy="4605120"/>
           </a:xfrm>
           <a:prstGeom prst="rect">
             <a:avLst/>
@@ -390,7 +390,7 @@
         <p:spPr>
           <a:xfrm>
             <a:off x="4024800" y="9722520"/>
-            <a:ext cx="3078360" cy="511200"/>
+            <a:ext cx="3078000" cy="510840"/>
           </a:xfrm>
           <a:prstGeom prst="rect">
             <a:avLst/>
@@ -416,7 +416,7 @@
                 <a:spcPct val="100000"/>
               </a:lnSpc>
             </a:pPr>
-            <a:fld id="{DA4BF152-AAF5-42F5-9526-5B52D1DC1140}" type="slidenum">
+            <a:fld id="{7419682E-128B-4327-94D5-B9B044C81A39}" type="slidenum">
               <a:rPr b="0" lang="en-US" sz="1300" spc="-1" strike="noStrike">
                 <a:solidFill>
                   <a:srgbClr val="000000"/>
@@ -467,7 +467,7 @@
         <p:spPr>
           <a:xfrm>
             <a:off x="1421280" y="1279440"/>
-            <a:ext cx="4262760" cy="3453840"/>
+            <a:ext cx="4262400" cy="3453480"/>
           </a:xfrm>
           <a:prstGeom prst="rect">
             <a:avLst/>
@@ -487,7 +487,7 @@
         <p:spPr>
           <a:xfrm>
             <a:off x="710640" y="4862160"/>
-            <a:ext cx="5683680" cy="4605480"/>
+            <a:ext cx="5683320" cy="4605120"/>
           </a:xfrm>
           <a:prstGeom prst="rect">
             <a:avLst/>
@@ -513,7 +513,7 @@
         <p:spPr>
           <a:xfrm>
             <a:off x="4024800" y="9722520"/>
-            <a:ext cx="3078360" cy="511200"/>
+            <a:ext cx="3078000" cy="510840"/>
           </a:xfrm>
           <a:prstGeom prst="rect">
             <a:avLst/>
@@ -539,7 +539,7 @@
                 <a:spcPct val="100000"/>
               </a:lnSpc>
             </a:pPr>
-            <a:fld id="{F543B750-DD45-4A89-B428-700741F60C6D}" type="slidenum">
+            <a:fld id="{C1477612-994D-4B5B-A6B9-B60BA0254E27}" type="slidenum">
               <a:rPr b="0" lang="en-US" sz="1300" spc="-1" strike="noStrike">
                 <a:solidFill>
                   <a:srgbClr val="000000"/>
@@ -3311,8 +3311,8 @@
         </p:nvSpPr>
         <p:spPr>
           <a:xfrm>
-            <a:off x="457200" y="274680"/>
-            <a:ext cx="8228880" cy="1142280"/>
+            <a:off x="457200" y="273600"/>
+            <a:ext cx="8228880" cy="1144440"/>
           </a:xfrm>
           <a:prstGeom prst="rect">
             <a:avLst/>
@@ -3349,7 +3349,7 @@
         <p:spPr>
           <a:xfrm>
             <a:off x="457200" y="1604520"/>
-            <a:ext cx="8229240" cy="3977280"/>
+            <a:ext cx="8228880" cy="3976920"/>
           </a:xfrm>
           <a:prstGeom prst="rect">
             <a:avLst/>
@@ -3360,7 +3360,7 @@
             <a:normAutofit/>
           </a:bodyPr>
           <a:p>
-            <a:pPr marL="432000" indent="-324000">
+            <a:pPr marL="432000" indent="-324000" algn="ctr">
               <a:spcBef>
                 <a:spcPts val="1417"/>
               </a:spcBef>
@@ -3372,17 +3372,17 @@
               <a:buChar char=""/>
             </a:pPr>
             <a:r>
-              <a:rPr b="0" lang="zh-CN" sz="3200" spc="-1" strike="noStrike">
+              <a:rPr b="0" lang="zh-CN" sz="1800" spc="-1" strike="noStrike">
                 <a:latin typeface="Arial"/>
               </a:rPr>
               <a:t>点击鼠标编辑大纲文字格式</a:t>
             </a:r>
-            <a:endParaRPr b="0" lang="en-US" sz="3200" spc="-1" strike="noStrike">
-              <a:latin typeface="Arial"/>
-            </a:endParaRPr>
-          </a:p>
-          <a:p>
-            <a:pPr lvl="1" marL="864000" indent="-324000">
+            <a:endParaRPr b="0" lang="en-US" sz="1800" spc="-1" strike="noStrike">
+              <a:latin typeface="Arial"/>
+            </a:endParaRPr>
+          </a:p>
+          <a:p>
+            <a:pPr lvl="1" marL="864000" indent="-324000" algn="ctr">
               <a:spcBef>
                 <a:spcPts val="1134"/>
               </a:spcBef>
@@ -3394,17 +3394,17 @@
               <a:buChar char=""/>
             </a:pPr>
             <a:r>
-              <a:rPr b="0" lang="zh-CN" sz="2800" spc="-1" strike="noStrike">
+              <a:rPr b="0" lang="zh-CN" sz="1800" spc="-1" strike="noStrike">
                 <a:latin typeface="Arial"/>
               </a:rPr>
               <a:t>第二个大纲级</a:t>
             </a:r>
-            <a:endParaRPr b="0" lang="en-US" sz="2800" spc="-1" strike="noStrike">
-              <a:latin typeface="Arial"/>
-            </a:endParaRPr>
-          </a:p>
-          <a:p>
-            <a:pPr lvl="2" marL="1296000" indent="-288000">
+            <a:endParaRPr b="0" lang="en-US" sz="1800" spc="-1" strike="noStrike">
+              <a:latin typeface="Arial"/>
+            </a:endParaRPr>
+          </a:p>
+          <a:p>
+            <a:pPr lvl="2" marL="1296000" indent="-288000" algn="ctr">
               <a:spcBef>
                 <a:spcPts val="850"/>
               </a:spcBef>
@@ -3416,17 +3416,17 @@
               <a:buChar char=""/>
             </a:pPr>
             <a:r>
-              <a:rPr b="0" lang="zh-CN" sz="2400" spc="-1" strike="noStrike">
+              <a:rPr b="0" lang="zh-CN" sz="1800" spc="-1" strike="noStrike">
                 <a:latin typeface="Arial"/>
               </a:rPr>
               <a:t>第三大纲级别</a:t>
             </a:r>
-            <a:endParaRPr b="0" lang="en-US" sz="2400" spc="-1" strike="noStrike">
-              <a:latin typeface="Arial"/>
-            </a:endParaRPr>
-          </a:p>
-          <a:p>
-            <a:pPr lvl="3" marL="1728000" indent="-216000">
+            <a:endParaRPr b="0" lang="en-US" sz="1800" spc="-1" strike="noStrike">
+              <a:latin typeface="Arial"/>
+            </a:endParaRPr>
+          </a:p>
+          <a:p>
+            <a:pPr lvl="3" marL="1728000" indent="-216000" algn="ctr">
               <a:spcBef>
                 <a:spcPts val="567"/>
               </a:spcBef>
@@ -3438,17 +3438,17 @@
               <a:buChar char=""/>
             </a:pPr>
             <a:r>
-              <a:rPr b="0" lang="zh-CN" sz="2000" spc="-1" strike="noStrike">
+              <a:rPr b="0" lang="zh-CN" sz="1800" spc="-1" strike="noStrike">
                 <a:latin typeface="Arial"/>
               </a:rPr>
               <a:t>第四大纲级别</a:t>
             </a:r>
-            <a:endParaRPr b="0" lang="en-US" sz="2000" spc="-1" strike="noStrike">
-              <a:latin typeface="Arial"/>
-            </a:endParaRPr>
-          </a:p>
-          <a:p>
-            <a:pPr lvl="4" marL="2160000" indent="-216000">
+            <a:endParaRPr b="0" lang="en-US" sz="1800" spc="-1" strike="noStrike">
+              <a:latin typeface="Arial"/>
+            </a:endParaRPr>
+          </a:p>
+          <a:p>
+            <a:pPr lvl="4" marL="2160000" indent="-216000" algn="ctr">
               <a:spcBef>
                 <a:spcPts val="283"/>
               </a:spcBef>
@@ -3460,17 +3460,17 @@
               <a:buChar char=""/>
             </a:pPr>
             <a:r>
-              <a:rPr b="0" lang="zh-CN" sz="2000" spc="-1" strike="noStrike">
+              <a:rPr b="0" lang="zh-CN" sz="1800" spc="-1" strike="noStrike">
                 <a:latin typeface="Arial"/>
               </a:rPr>
               <a:t>第五大纲级别</a:t>
             </a:r>
-            <a:endParaRPr b="0" lang="en-US" sz="2000" spc="-1" strike="noStrike">
-              <a:latin typeface="Arial"/>
-            </a:endParaRPr>
-          </a:p>
-          <a:p>
-            <a:pPr lvl="5" marL="2592000" indent="-216000">
+            <a:endParaRPr b="0" lang="en-US" sz="1800" spc="-1" strike="noStrike">
+              <a:latin typeface="Arial"/>
+            </a:endParaRPr>
+          </a:p>
+          <a:p>
+            <a:pPr lvl="5" marL="2592000" indent="-216000" algn="ctr">
               <a:spcBef>
                 <a:spcPts val="283"/>
               </a:spcBef>
@@ -3482,17 +3482,17 @@
               <a:buChar char=""/>
             </a:pPr>
             <a:r>
-              <a:rPr b="0" lang="zh-CN" sz="2000" spc="-1" strike="noStrike">
+              <a:rPr b="0" lang="zh-CN" sz="1800" spc="-1" strike="noStrike">
                 <a:latin typeface="Arial"/>
               </a:rPr>
               <a:t>第六大纲级别</a:t>
             </a:r>
-            <a:endParaRPr b="0" lang="en-US" sz="2000" spc="-1" strike="noStrike">
-              <a:latin typeface="Arial"/>
-            </a:endParaRPr>
-          </a:p>
-          <a:p>
-            <a:pPr lvl="6" marL="3024000" indent="-216000">
+            <a:endParaRPr b="0" lang="en-US" sz="1800" spc="-1" strike="noStrike">
+              <a:latin typeface="Arial"/>
+            </a:endParaRPr>
+          </a:p>
+          <a:p>
+            <a:pPr lvl="6" marL="3024000" indent="-216000" algn="ctr">
               <a:spcBef>
                 <a:spcPts val="283"/>
               </a:spcBef>
@@ -3504,12 +3504,12 @@
               <a:buChar char=""/>
             </a:pPr>
             <a:r>
-              <a:rPr b="0" lang="zh-CN" sz="2000" spc="-1" strike="noStrike">
+              <a:rPr b="0" lang="zh-CN" sz="1800" spc="-1" strike="noStrike">
                 <a:latin typeface="Arial"/>
               </a:rPr>
               <a:t>第七大纲级别</a:t>
             </a:r>
-            <a:endParaRPr b="0" lang="en-US" sz="2000" spc="-1" strike="noStrike">
+            <a:endParaRPr b="0" lang="en-US" sz="1800" spc="-1" strike="noStrike">
               <a:latin typeface="Arial"/>
             </a:endParaRPr>
           </a:p>
@@ -3824,7 +3824,7 @@
         <p:spPr>
           <a:xfrm>
             <a:off x="323640" y="5589360"/>
-            <a:ext cx="3332520" cy="649080"/>
+            <a:ext cx="3332160" cy="648720"/>
           </a:xfrm>
           <a:prstGeom prst="rect">
             <a:avLst/>
@@ -3850,7 +3850,7 @@
         <p:spPr>
           <a:xfrm>
             <a:off x="685800" y="1889280"/>
-            <a:ext cx="7771680" cy="2043000"/>
+            <a:ext cx="7771320" cy="2042640"/>
           </a:xfrm>
           <a:prstGeom prst="rect">
             <a:avLst/>
@@ -3921,7 +3921,7 @@
         <p:spPr>
           <a:xfrm>
             <a:off x="4428000" y="4437000"/>
-            <a:ext cx="3527640" cy="1037160"/>
+            <a:ext cx="3527280" cy="1036800"/>
           </a:xfrm>
           <a:prstGeom prst="rect">
             <a:avLst/>
@@ -4002,7 +4002,7 @@
         <p:spPr>
           <a:xfrm>
             <a:off x="457200" y="485640"/>
-            <a:ext cx="8228880" cy="1142280"/>
+            <a:ext cx="8228520" cy="1141920"/>
           </a:xfrm>
           <a:prstGeom prst="rect">
             <a:avLst/>
@@ -4073,7 +4073,7 @@
         <p:spPr>
           <a:xfrm>
             <a:off x="518760" y="1412640"/>
-            <a:ext cx="8228880" cy="1799640"/>
+            <a:ext cx="8228520" cy="1799280"/>
           </a:xfrm>
           <a:prstGeom prst="rect">
             <a:avLst/>
@@ -4094,7 +4094,7 @@
             <a:noAutofit/>
           </a:bodyPr>
           <a:p>
-            <a:pPr marL="343080" indent="-342360">
+            <a:pPr marL="343080" indent="-342000">
               <a:lnSpc>
                 <a:spcPct val="200000"/>
               </a:lnSpc>
@@ -4182,7 +4182,7 @@
             </a:endParaRPr>
           </a:p>
           <a:p>
-            <a:pPr marL="343080" indent="-342360">
+            <a:pPr marL="343080" indent="-342000">
               <a:lnSpc>
                 <a:spcPct val="200000"/>
               </a:lnSpc>
@@ -4250,7 +4250,7 @@
             </a:endParaRPr>
           </a:p>
           <a:p>
-            <a:pPr marL="343080" indent="-342360">
+            <a:pPr marL="343080" indent="-342000">
               <a:lnSpc>
                 <a:spcPct val="200000"/>
               </a:lnSpc>
@@ -4308,7 +4308,7 @@
         <p:spPr>
           <a:xfrm>
             <a:off x="764640" y="3414960"/>
-            <a:ext cx="8055360" cy="1459800"/>
+            <a:ext cx="8055000" cy="1459440"/>
           </a:xfrm>
           <a:prstGeom prst="rect">
             <a:avLst/>
@@ -4451,7 +4451,7 @@
         <p:spPr>
           <a:xfrm>
             <a:off x="457200" y="485640"/>
-            <a:ext cx="8228880" cy="1142280"/>
+            <a:ext cx="8228520" cy="1141920"/>
           </a:xfrm>
           <a:prstGeom prst="rect">
             <a:avLst/>
@@ -4522,7 +4522,7 @@
         <p:spPr>
           <a:xfrm>
             <a:off x="518760" y="1412640"/>
-            <a:ext cx="8228880" cy="1727640"/>
+            <a:ext cx="8228520" cy="1727280"/>
           </a:xfrm>
           <a:prstGeom prst="rect">
             <a:avLst/>
@@ -4543,7 +4543,7 @@
             <a:noAutofit/>
           </a:bodyPr>
           <a:p>
-            <a:pPr marL="343080" indent="-342360">
+            <a:pPr marL="343080" indent="-342000">
               <a:lnSpc>
                 <a:spcPct val="200000"/>
               </a:lnSpc>
@@ -4641,7 +4641,7 @@
         <p:spPr>
           <a:xfrm>
             <a:off x="861840" y="2784960"/>
-            <a:ext cx="7039080" cy="775440"/>
+            <a:ext cx="7038720" cy="775080"/>
           </a:xfrm>
           <a:prstGeom prst="rect">
             <a:avLst/>
@@ -4725,7 +4725,7 @@
         <p:spPr>
           <a:xfrm>
             <a:off x="518760" y="3717000"/>
-            <a:ext cx="8228880" cy="1295280"/>
+            <a:ext cx="8228520" cy="1294920"/>
           </a:xfrm>
           <a:prstGeom prst="rect">
             <a:avLst/>
@@ -4746,7 +4746,7 @@
             <a:noAutofit/>
           </a:bodyPr>
           <a:p>
-            <a:pPr marL="343080" indent="-342360">
+            <a:pPr marL="343080" indent="-342000">
               <a:lnSpc>
                 <a:spcPct val="200000"/>
               </a:lnSpc>
@@ -4824,7 +4824,7 @@
         <p:spPr>
           <a:xfrm>
             <a:off x="830160" y="4968360"/>
-            <a:ext cx="6468840" cy="1117800"/>
+            <a:ext cx="6468480" cy="1117440"/>
           </a:xfrm>
           <a:prstGeom prst="rect">
             <a:avLst/>
@@ -5028,7 +5028,7 @@
         <p:spPr>
           <a:xfrm>
             <a:off x="457200" y="485640"/>
-            <a:ext cx="8228880" cy="1142280"/>
+            <a:ext cx="8228520" cy="1141920"/>
           </a:xfrm>
           <a:prstGeom prst="rect">
             <a:avLst/>
@@ -5099,7 +5099,7 @@
         <p:spPr>
           <a:xfrm>
             <a:off x="518760" y="1412640"/>
-            <a:ext cx="8228880" cy="4535640"/>
+            <a:ext cx="8228520" cy="4535280"/>
           </a:xfrm>
           <a:prstGeom prst="rect">
             <a:avLst/>
@@ -5120,7 +5120,7 @@
             <a:noAutofit/>
           </a:bodyPr>
           <a:p>
-            <a:pPr marL="343080" indent="-342360">
+            <a:pPr marL="343080" indent="-342000">
               <a:lnSpc>
                 <a:spcPct val="200000"/>
               </a:lnSpc>
@@ -5178,7 +5178,7 @@
             </a:endParaRPr>
           </a:p>
           <a:p>
-            <a:pPr marL="343080" indent="-342360">
+            <a:pPr marL="343080" indent="-342000">
               <a:lnSpc>
                 <a:spcPct val="200000"/>
               </a:lnSpc>
@@ -5252,7 +5252,7 @@
             </a:endParaRPr>
           </a:p>
           <a:p>
-            <a:pPr marL="343080" indent="-342360">
+            <a:pPr marL="343080" indent="-342000">
               <a:lnSpc>
                 <a:spcPct val="200000"/>
               </a:lnSpc>
@@ -5310,7 +5310,7 @@
         <p:spPr>
           <a:xfrm>
             <a:off x="703800" y="5339520"/>
-            <a:ext cx="8079840" cy="318960"/>
+            <a:ext cx="8079480" cy="318600"/>
           </a:xfrm>
           <a:prstGeom prst="rect">
             <a:avLst/>
@@ -5413,7 +5413,7 @@
         <p:spPr>
           <a:xfrm>
             <a:off x="657000" y="3341880"/>
-            <a:ext cx="8411400" cy="775440"/>
+            <a:ext cx="8411040" cy="775080"/>
           </a:xfrm>
           <a:prstGeom prst="rect">
             <a:avLst/>
@@ -5636,7 +5636,7 @@
         <p:spPr>
           <a:xfrm>
             <a:off x="457200" y="485640"/>
-            <a:ext cx="8228880" cy="1142280"/>
+            <a:ext cx="8228520" cy="1141920"/>
           </a:xfrm>
           <a:prstGeom prst="rect">
             <a:avLst/>
@@ -5707,7 +5707,7 @@
         <p:spPr>
           <a:xfrm>
             <a:off x="518760" y="1412640"/>
-            <a:ext cx="8228880" cy="791280"/>
+            <a:ext cx="8228520" cy="790920"/>
           </a:xfrm>
           <a:prstGeom prst="rect">
             <a:avLst/>
@@ -5728,7 +5728,7 @@
             <a:noAutofit/>
           </a:bodyPr>
           <a:p>
-            <a:pPr marL="343080" indent="-342360">
+            <a:pPr marL="343080" indent="-342000">
               <a:lnSpc>
                 <a:spcPct val="200000"/>
               </a:lnSpc>
@@ -5786,7 +5786,7 @@
         <p:spPr>
           <a:xfrm>
             <a:off x="683280" y="2376720"/>
-            <a:ext cx="7611480" cy="1346040"/>
+            <a:ext cx="7611120" cy="1345680"/>
           </a:xfrm>
           <a:prstGeom prst="rect">
             <a:avLst/>
@@ -6010,7 +6010,7 @@
         <p:spPr>
           <a:xfrm>
             <a:off x="518760" y="4186080"/>
-            <a:ext cx="8228880" cy="791280"/>
+            <a:ext cx="8228520" cy="790920"/>
           </a:xfrm>
           <a:prstGeom prst="rect">
             <a:avLst/>
@@ -6031,7 +6031,7 @@
             <a:noAutofit/>
           </a:bodyPr>
           <a:p>
-            <a:pPr marL="343080" indent="-342360">
+            <a:pPr marL="343080" indent="-342000">
               <a:lnSpc>
                 <a:spcPct val="200000"/>
               </a:lnSpc>
@@ -6089,7 +6089,7 @@
         <p:spPr>
           <a:xfrm>
             <a:off x="1475640" y="5195520"/>
-            <a:ext cx="6624000" cy="318960"/>
+            <a:ext cx="6623640" cy="318600"/>
           </a:xfrm>
           <a:prstGeom prst="rect">
             <a:avLst/>
@@ -6192,7 +6192,7 @@
         <p:spPr>
           <a:xfrm>
             <a:off x="457200" y="485640"/>
-            <a:ext cx="8228880" cy="1142280"/>
+            <a:ext cx="8228520" cy="1141920"/>
           </a:xfrm>
           <a:prstGeom prst="rect">
             <a:avLst/>
@@ -6243,7 +6243,7 @@
         <p:spPr>
           <a:xfrm>
             <a:off x="518760" y="1412640"/>
-            <a:ext cx="8444880" cy="2951640"/>
+            <a:ext cx="8444520" cy="2951280"/>
           </a:xfrm>
           <a:prstGeom prst="rect">
             <a:avLst/>
@@ -6264,7 +6264,7 @@
             <a:noAutofit/>
           </a:bodyPr>
           <a:p>
-            <a:pPr marL="343080" indent="-342360">
+            <a:pPr marL="343080" indent="-342000">
               <a:lnSpc>
                 <a:spcPct val="200000"/>
               </a:lnSpc>
@@ -6312,7 +6312,7 @@
             </a:endParaRPr>
           </a:p>
           <a:p>
-            <a:pPr marL="343080" indent="-342360">
+            <a:pPr marL="343080" indent="-342000">
               <a:lnSpc>
                 <a:spcPct val="200000"/>
               </a:lnSpc>
@@ -6350,7 +6350,7 @@
             </a:endParaRPr>
           </a:p>
           <a:p>
-            <a:pPr marL="343080" indent="-342360">
+            <a:pPr marL="343080" indent="-342000">
               <a:lnSpc>
                 <a:spcPct val="200000"/>
               </a:lnSpc>
@@ -6448,7 +6448,7 @@
         <p:spPr>
           <a:xfrm>
             <a:off x="1187640" y="4342320"/>
-            <a:ext cx="7488000" cy="1916640"/>
+            <a:ext cx="7487640" cy="1916280"/>
           </a:xfrm>
           <a:prstGeom prst="rect">
             <a:avLst/>
@@ -6624,7 +6624,7 @@
         <p:spPr>
           <a:xfrm>
             <a:off x="457200" y="485640"/>
-            <a:ext cx="8228880" cy="1142280"/>
+            <a:ext cx="8228520" cy="1141920"/>
           </a:xfrm>
           <a:prstGeom prst="rect">
             <a:avLst/>
@@ -6675,7 +6675,7 @@
         <p:spPr>
           <a:xfrm>
             <a:off x="1259640" y="1522440"/>
-            <a:ext cx="6984000" cy="4690440"/>
+            <a:ext cx="6983640" cy="4690440"/>
           </a:xfrm>
           <a:prstGeom prst="rect">
             <a:avLst/>
@@ -7166,7 +7166,7 @@
         <p:spPr>
           <a:xfrm>
             <a:off x="457200" y="485640"/>
-            <a:ext cx="8228880" cy="1142280"/>
+            <a:ext cx="8228520" cy="1141920"/>
           </a:xfrm>
           <a:prstGeom prst="rect">
             <a:avLst/>
@@ -7217,7 +7217,7 @@
         <p:spPr>
           <a:xfrm>
             <a:off x="518760" y="1412640"/>
-            <a:ext cx="8228880" cy="4968000"/>
+            <a:ext cx="8228520" cy="4967640"/>
           </a:xfrm>
           <a:prstGeom prst="rect">
             <a:avLst/>
@@ -7238,7 +7238,7 @@
             <a:noAutofit/>
           </a:bodyPr>
           <a:p>
-            <a:pPr marL="343080" indent="-342360">
+            <a:pPr marL="343080" indent="-342000">
               <a:lnSpc>
                 <a:spcPct val="180000"/>
               </a:lnSpc>
@@ -7266,7 +7266,7 @@
             </a:endParaRPr>
           </a:p>
           <a:p>
-            <a:pPr marL="343080" indent="-342360">
+            <a:pPr marL="343080" indent="-342000">
               <a:lnSpc>
                 <a:spcPct val="180000"/>
               </a:lnSpc>
@@ -7314,7 +7314,7 @@
             </a:endParaRPr>
           </a:p>
           <a:p>
-            <a:pPr marL="343080" indent="-342360">
+            <a:pPr marL="343080" indent="-342000">
               <a:lnSpc>
                 <a:spcPct val="180000"/>
               </a:lnSpc>
@@ -7362,7 +7362,7 @@
             </a:endParaRPr>
           </a:p>
           <a:p>
-            <a:pPr lvl="1" marL="743040" indent="-285120">
+            <a:pPr lvl="1" marL="743040" indent="-284760">
               <a:lnSpc>
                 <a:spcPct val="180000"/>
               </a:lnSpc>
@@ -7410,7 +7410,7 @@
             </a:endParaRPr>
           </a:p>
           <a:p>
-            <a:pPr marL="343080" indent="-342360">
+            <a:pPr marL="343080" indent="-342000">
               <a:lnSpc>
                 <a:spcPct val="180000"/>
               </a:lnSpc>
@@ -7458,7 +7458,7 @@
             </a:endParaRPr>
           </a:p>
           <a:p>
-            <a:pPr lvl="1" marL="743040" indent="-285120">
+            <a:pPr lvl="1" marL="743040" indent="-284760">
               <a:lnSpc>
                 <a:spcPct val="180000"/>
               </a:lnSpc>
@@ -7526,7 +7526,7 @@
             </a:endParaRPr>
           </a:p>
           <a:p>
-            <a:pPr lvl="1" marL="743040" indent="-285120">
+            <a:pPr lvl="1" marL="743040" indent="-284760">
               <a:lnSpc>
                 <a:spcPct val="180000"/>
               </a:lnSpc>
@@ -7694,7 +7694,7 @@
             </a:endParaRPr>
           </a:p>
           <a:p>
-            <a:pPr marL="343080" indent="-342360">
+            <a:pPr marL="343080" indent="-342000">
               <a:lnSpc>
                 <a:spcPct val="180000"/>
               </a:lnSpc>
@@ -7742,7 +7742,7 @@
             </a:endParaRPr>
           </a:p>
           <a:p>
-            <a:pPr lvl="1" marL="743040" indent="-285120">
+            <a:pPr lvl="1" marL="743040" indent="-284760">
               <a:lnSpc>
                 <a:spcPct val="180000"/>
               </a:lnSpc>
@@ -7850,7 +7850,7 @@
         <p:spPr>
           <a:xfrm>
             <a:off x="457200" y="485640"/>
-            <a:ext cx="8228880" cy="1142280"/>
+            <a:ext cx="8228520" cy="1141920"/>
           </a:xfrm>
           <a:prstGeom prst="rect">
             <a:avLst/>
@@ -7911,7 +7911,7 @@
         <p:spPr>
           <a:xfrm>
             <a:off x="518760" y="1412640"/>
-            <a:ext cx="8228880" cy="719280"/>
+            <a:ext cx="8228520" cy="718920"/>
           </a:xfrm>
           <a:prstGeom prst="rect">
             <a:avLst/>
@@ -7932,7 +7932,7 @@
             <a:noAutofit/>
           </a:bodyPr>
           <a:p>
-            <a:pPr marL="343080" indent="-342360">
+            <a:pPr marL="343080" indent="-342000">
               <a:lnSpc>
                 <a:spcPct val="200000"/>
               </a:lnSpc>
@@ -8020,7 +8020,7 @@
         <p:spPr>
           <a:xfrm>
             <a:off x="1474200" y="2170080"/>
-            <a:ext cx="6125040" cy="4194720"/>
+            <a:ext cx="6124680" cy="4194360"/>
           </a:xfrm>
           <a:prstGeom prst="rect">
             <a:avLst/>
@@ -8565,7 +8565,7 @@
         <p:spPr>
           <a:xfrm>
             <a:off x="457200" y="485640"/>
-            <a:ext cx="8228880" cy="1142280"/>
+            <a:ext cx="8228520" cy="1141920"/>
           </a:xfrm>
           <a:prstGeom prst="rect">
             <a:avLst/>
@@ -8626,7 +8626,7 @@
         <p:spPr>
           <a:xfrm>
             <a:off x="518760" y="1412640"/>
-            <a:ext cx="8228880" cy="719280"/>
+            <a:ext cx="8228520" cy="718920"/>
           </a:xfrm>
           <a:prstGeom prst="rect">
             <a:avLst/>
@@ -8647,7 +8647,7 @@
             <a:noAutofit/>
           </a:bodyPr>
           <a:p>
-            <a:pPr marL="343080" indent="-342360">
+            <a:pPr marL="343080" indent="-342000">
               <a:lnSpc>
                 <a:spcPct val="200000"/>
               </a:lnSpc>
@@ -8735,7 +8735,7 @@
         <p:spPr>
           <a:xfrm>
             <a:off x="1946160" y="2125080"/>
-            <a:ext cx="4982040" cy="4154760"/>
+            <a:ext cx="4981680" cy="4154760"/>
           </a:xfrm>
           <a:prstGeom prst="rect">
             <a:avLst/>
@@ -9273,7 +9273,7 @@
         <p:spPr>
           <a:xfrm>
             <a:off x="457200" y="485640"/>
-            <a:ext cx="8228880" cy="1142280"/>
+            <a:ext cx="8228520" cy="1141920"/>
           </a:xfrm>
           <a:prstGeom prst="rect">
             <a:avLst/>
@@ -9334,7 +9334,7 @@
         <p:spPr>
           <a:xfrm>
             <a:off x="518760" y="1412640"/>
-            <a:ext cx="8228880" cy="719280"/>
+            <a:ext cx="8228520" cy="718920"/>
           </a:xfrm>
           <a:prstGeom prst="rect">
             <a:avLst/>
@@ -9355,7 +9355,7 @@
             <a:noAutofit/>
           </a:bodyPr>
           <a:p>
-            <a:pPr marL="343080" indent="-342360">
+            <a:pPr marL="343080" indent="-342000">
               <a:lnSpc>
                 <a:spcPct val="200000"/>
               </a:lnSpc>
@@ -9433,7 +9433,7 @@
         <p:spPr>
           <a:xfrm>
             <a:off x="1346760" y="1982160"/>
-            <a:ext cx="7039080" cy="4405680"/>
+            <a:ext cx="7038720" cy="4405680"/>
           </a:xfrm>
           <a:prstGeom prst="rect">
             <a:avLst/>
@@ -9802,7 +9802,7 @@
         <p:spPr>
           <a:xfrm>
             <a:off x="457200" y="485640"/>
-            <a:ext cx="8228880" cy="1142280"/>
+            <a:ext cx="8228520" cy="1141920"/>
           </a:xfrm>
           <a:prstGeom prst="rect">
             <a:avLst/>
@@ -9887,7 +9887,7 @@
         <p:spPr>
           <a:xfrm>
             <a:off x="1547640" y="4005000"/>
-            <a:ext cx="6192000" cy="2061360"/>
+            <a:ext cx="6191640" cy="2061000"/>
           </a:xfrm>
           <a:prstGeom prst="rect">
             <a:avLst/>
@@ -9906,7 +9906,7 @@
         <p:spPr>
           <a:xfrm>
             <a:off x="518760" y="1412640"/>
-            <a:ext cx="8228880" cy="2617920"/>
+            <a:ext cx="8228520" cy="2617560"/>
           </a:xfrm>
           <a:prstGeom prst="rect">
             <a:avLst/>
@@ -9927,7 +9927,7 @@
             <a:noAutofit/>
           </a:bodyPr>
           <a:p>
-            <a:pPr marL="343080" indent="-342360">
+            <a:pPr marL="343080" indent="-342000">
               <a:lnSpc>
                 <a:spcPct val="200000"/>
               </a:lnSpc>
@@ -9975,7 +9975,7 @@
             </a:endParaRPr>
           </a:p>
           <a:p>
-            <a:pPr marL="343080" indent="-342360">
+            <a:pPr marL="343080" indent="-342000">
               <a:lnSpc>
                 <a:spcPct val="200000"/>
               </a:lnSpc>
@@ -10073,7 +10073,7 @@
             </a:endParaRPr>
           </a:p>
           <a:p>
-            <a:pPr marL="343080" indent="-342360">
+            <a:pPr marL="343080" indent="-342000">
               <a:lnSpc>
                 <a:spcPct val="200000"/>
               </a:lnSpc>
@@ -10201,7 +10201,7 @@
         <p:spPr>
           <a:xfrm>
             <a:off x="457200" y="485640"/>
-            <a:ext cx="8228880" cy="1142280"/>
+            <a:ext cx="8228520" cy="1141920"/>
           </a:xfrm>
           <a:prstGeom prst="rect">
             <a:avLst/>
@@ -10282,7 +10282,7 @@
         <p:spPr>
           <a:xfrm>
             <a:off x="518760" y="1412640"/>
-            <a:ext cx="8228880" cy="4535640"/>
+            <a:ext cx="8228520" cy="4535280"/>
           </a:xfrm>
           <a:prstGeom prst="rect">
             <a:avLst/>
@@ -10303,7 +10303,7 @@
             <a:noAutofit/>
           </a:bodyPr>
           <a:p>
-            <a:pPr marL="343080" indent="-342360">
+            <a:pPr marL="343080" indent="-342000">
               <a:lnSpc>
                 <a:spcPct val="200000"/>
               </a:lnSpc>
@@ -10421,7 +10421,7 @@
             </a:endParaRPr>
           </a:p>
           <a:p>
-            <a:pPr marL="343080" indent="-342360">
+            <a:pPr marL="343080" indent="-342000">
               <a:lnSpc>
                 <a:spcPct val="200000"/>
               </a:lnSpc>
@@ -10489,7 +10489,7 @@
             </a:endParaRPr>
           </a:p>
           <a:p>
-            <a:pPr marL="343080" indent="-342360">
+            <a:pPr marL="343080" indent="-342000">
               <a:lnSpc>
                 <a:spcPct val="200000"/>
               </a:lnSpc>
@@ -10517,7 +10517,7 @@
             </a:endParaRPr>
           </a:p>
           <a:p>
-            <a:pPr marL="343080" indent="-342360">
+            <a:pPr marL="343080" indent="-342000">
               <a:lnSpc>
                 <a:spcPct val="200000"/>
               </a:lnSpc>
@@ -10625,7 +10625,7 @@
         <p:spPr>
           <a:xfrm>
             <a:off x="457200" y="485640"/>
-            <a:ext cx="8228880" cy="1142280"/>
+            <a:ext cx="8228520" cy="1141920"/>
           </a:xfrm>
           <a:prstGeom prst="rect">
             <a:avLst/>
@@ -10706,7 +10706,7 @@
         <p:spPr>
           <a:xfrm>
             <a:off x="518760" y="1412640"/>
-            <a:ext cx="8228880" cy="1439280"/>
+            <a:ext cx="8228520" cy="1438920"/>
           </a:xfrm>
           <a:prstGeom prst="rect">
             <a:avLst/>
@@ -10727,7 +10727,7 @@
             <a:noAutofit/>
           </a:bodyPr>
           <a:p>
-            <a:pPr marL="343080" indent="-342360">
+            <a:pPr marL="343080" indent="-342000">
               <a:lnSpc>
                 <a:spcPct val="200000"/>
               </a:lnSpc>
@@ -10775,7 +10775,7 @@
             </a:endParaRPr>
           </a:p>
           <a:p>
-            <a:pPr lvl="1" marL="743040" indent="-285120">
+            <a:pPr lvl="1" marL="743040" indent="-284760">
               <a:lnSpc>
                 <a:spcPct val="200000"/>
               </a:lnSpc>
@@ -10853,7 +10853,7 @@
         <p:spPr>
           <a:xfrm>
             <a:off x="539640" y="2853000"/>
-            <a:ext cx="7992000" cy="2414520"/>
+            <a:ext cx="7991640" cy="2414520"/>
           </a:xfrm>
           <a:prstGeom prst="rect">
             <a:avLst/>
@@ -10874,7 +10874,7 @@
             <a:spAutoFit/>
           </a:bodyPr>
           <a:p>
-            <a:pPr marL="216000" indent="-215640">
+            <a:pPr marL="216000" indent="-215280">
               <a:lnSpc>
                 <a:spcPct val="200000"/>
               </a:lnSpc>
@@ -10929,7 +10929,7 @@
             </a:endParaRPr>
           </a:p>
           <a:p>
-            <a:pPr lvl="1" marL="743040" indent="-285120">
+            <a:pPr lvl="1" marL="743040" indent="-284760">
               <a:lnSpc>
                 <a:spcPct val="200000"/>
               </a:lnSpc>
@@ -11017,7 +11017,7 @@
             </a:endParaRPr>
           </a:p>
           <a:p>
-            <a:pPr lvl="1" marL="743040" indent="-285120">
+            <a:pPr lvl="1" marL="743040" indent="-284760">
               <a:lnSpc>
                 <a:spcPct val="200000"/>
               </a:lnSpc>
@@ -11115,7 +11115,7 @@
         <p:spPr>
           <a:xfrm>
             <a:off x="235080" y="2652120"/>
-            <a:ext cx="8982360" cy="432720"/>
+            <a:ext cx="8982000" cy="432360"/>
           </a:xfrm>
           <a:prstGeom prst="rect">
             <a:avLst/>
@@ -11178,7 +11178,7 @@
         <p:spPr>
           <a:xfrm>
             <a:off x="539640" y="5305320"/>
-            <a:ext cx="8067960" cy="775440"/>
+            <a:ext cx="8067600" cy="775080"/>
           </a:xfrm>
           <a:prstGeom prst="rect">
             <a:avLst/>
@@ -11341,7 +11341,7 @@
         <p:spPr>
           <a:xfrm>
             <a:off x="457200" y="485640"/>
-            <a:ext cx="8228880" cy="1142280"/>
+            <a:ext cx="8228520" cy="1141920"/>
           </a:xfrm>
           <a:prstGeom prst="rect">
             <a:avLst/>
@@ -11392,7 +11392,7 @@
         <p:spPr>
           <a:xfrm>
             <a:off x="518760" y="1412640"/>
-            <a:ext cx="8228880" cy="3743640"/>
+            <a:ext cx="8228520" cy="3743280"/>
           </a:xfrm>
           <a:prstGeom prst="rect">
             <a:avLst/>
@@ -11413,7 +11413,7 @@
             <a:noAutofit/>
           </a:bodyPr>
           <a:p>
-            <a:pPr marL="343080" indent="-342360">
+            <a:pPr marL="343080" indent="-342000">
               <a:lnSpc>
                 <a:spcPct val="200000"/>
               </a:lnSpc>
@@ -11451,7 +11451,7 @@
             </a:endParaRPr>
           </a:p>
           <a:p>
-            <a:pPr marL="343080" indent="-342360">
+            <a:pPr marL="343080" indent="-342000">
               <a:lnSpc>
                 <a:spcPct val="200000"/>
               </a:lnSpc>
@@ -11519,7 +11519,7 @@
             </a:endParaRPr>
           </a:p>
           <a:p>
-            <a:pPr lvl="1" marL="743040" indent="-285120">
+            <a:pPr lvl="1" marL="743040" indent="-284760">
               <a:lnSpc>
                 <a:spcPct val="200000"/>
               </a:lnSpc>
@@ -11547,7 +11547,7 @@
             </a:endParaRPr>
           </a:p>
           <a:p>
-            <a:pPr lvl="1" marL="743040" indent="-285120">
+            <a:pPr lvl="1" marL="743040" indent="-284760">
               <a:lnSpc>
                 <a:spcPct val="200000"/>
               </a:lnSpc>
@@ -11575,7 +11575,7 @@
             </a:endParaRPr>
           </a:p>
           <a:p>
-            <a:pPr lvl="1" marL="743040" indent="-285120">
+            <a:pPr lvl="1" marL="743040" indent="-284760">
               <a:lnSpc>
                 <a:spcPct val="200000"/>
               </a:lnSpc>
@@ -11613,7 +11613,7 @@
         <p:spPr>
           <a:xfrm>
             <a:off x="1094760" y="5129640"/>
-            <a:ext cx="6582240" cy="1003320"/>
+            <a:ext cx="6581880" cy="1002960"/>
           </a:xfrm>
           <a:prstGeom prst="rect">
             <a:avLst/>
@@ -11747,7 +11747,7 @@
         <p:spPr>
           <a:xfrm>
             <a:off x="457200" y="485640"/>
-            <a:ext cx="8228880" cy="1142280"/>
+            <a:ext cx="8228520" cy="1141920"/>
           </a:xfrm>
           <a:prstGeom prst="rect">
             <a:avLst/>
@@ -12528,7 +12528,7 @@
         <p:spPr>
           <a:xfrm>
             <a:off x="457200" y="485640"/>
-            <a:ext cx="8228880" cy="1142280"/>
+            <a:ext cx="8228520" cy="1141920"/>
           </a:xfrm>
           <a:prstGeom prst="rect">
             <a:avLst/>
@@ -12599,7 +12599,7 @@
         <p:spPr>
           <a:xfrm>
             <a:off x="518760" y="1412640"/>
-            <a:ext cx="8228880" cy="4823640"/>
+            <a:ext cx="8228520" cy="4823280"/>
           </a:xfrm>
           <a:prstGeom prst="rect">
             <a:avLst/>
@@ -12620,7 +12620,7 @@
             <a:noAutofit/>
           </a:bodyPr>
           <a:p>
-            <a:pPr marL="343080" indent="-342360">
+            <a:pPr marL="343080" indent="-342000">
               <a:lnSpc>
                 <a:spcPct val="200000"/>
               </a:lnSpc>
@@ -12718,7 +12718,7 @@
             </a:endParaRPr>
           </a:p>
           <a:p>
-            <a:pPr marL="343080" indent="-342360">
+            <a:pPr marL="343080" indent="-342000">
               <a:lnSpc>
                 <a:spcPct val="200000"/>
               </a:lnSpc>
@@ -12746,7 +12746,7 @@
             </a:endParaRPr>
           </a:p>
           <a:p>
-            <a:pPr marL="343080" indent="-342360">
+            <a:pPr marL="343080" indent="-342000">
               <a:lnSpc>
                 <a:spcPct val="200000"/>
               </a:lnSpc>
@@ -12794,7 +12794,7 @@
             </a:endParaRPr>
           </a:p>
           <a:p>
-            <a:pPr marL="343080" indent="-342360">
+            <a:pPr marL="343080" indent="-342000">
               <a:lnSpc>
                 <a:spcPct val="200000"/>
               </a:lnSpc>
@@ -12842,7 +12842,7 @@
             </a:endParaRPr>
           </a:p>
           <a:p>
-            <a:pPr marL="343080" indent="-342360">
+            <a:pPr marL="343080" indent="-342000">
               <a:lnSpc>
                 <a:spcPct val="200000"/>
               </a:lnSpc>
@@ -12870,7 +12870,7 @@
             </a:endParaRPr>
           </a:p>
           <a:p>
-            <a:pPr marL="343080" indent="-342360">
+            <a:pPr marL="343080" indent="-342000">
               <a:lnSpc>
                 <a:spcPct val="200000"/>
               </a:lnSpc>
@@ -12938,7 +12938,7 @@
         <p:spPr>
           <a:xfrm>
             <a:off x="457200" y="485640"/>
-            <a:ext cx="8228880" cy="1142280"/>
+            <a:ext cx="8228520" cy="1141920"/>
           </a:xfrm>
           <a:prstGeom prst="rect">
             <a:avLst/>
@@ -12989,7 +12989,7 @@
         <p:spPr>
           <a:xfrm>
             <a:off x="899640" y="3501000"/>
-            <a:ext cx="6644880" cy="2519640"/>
+            <a:ext cx="6644520" cy="2519280"/>
           </a:xfrm>
           <a:prstGeom prst="rect">
             <a:avLst/>
@@ -13010,7 +13010,7 @@
             <a:noAutofit/>
           </a:bodyPr>
           <a:p>
-            <a:pPr marL="343080" indent="-342360">
+            <a:pPr marL="343080" indent="-342000">
               <a:lnSpc>
                 <a:spcPct val="200000"/>
               </a:lnSpc>
@@ -13038,7 +13038,7 @@
             </a:endParaRPr>
           </a:p>
           <a:p>
-            <a:pPr marL="343080" indent="-342360">
+            <a:pPr marL="343080" indent="-342000">
               <a:lnSpc>
                 <a:spcPct val="200000"/>
               </a:lnSpc>
@@ -13066,7 +13066,7 @@
             </a:endParaRPr>
           </a:p>
           <a:p>
-            <a:pPr marL="343080" indent="-342360">
+            <a:pPr marL="343080" indent="-342000">
               <a:lnSpc>
                 <a:spcPct val="200000"/>
               </a:lnSpc>
@@ -13094,7 +13094,7 @@
             </a:endParaRPr>
           </a:p>
           <a:p>
-            <a:pPr marL="343080" indent="-342360">
+            <a:pPr marL="343080" indent="-342000">
               <a:lnSpc>
                 <a:spcPct val="200000"/>
               </a:lnSpc>
@@ -13136,7 +13136,7 @@
         <p:spPr>
           <a:xfrm>
             <a:off x="539640" y="1917000"/>
-            <a:ext cx="8263440" cy="1329480"/>
+            <a:ext cx="8263080" cy="1329120"/>
           </a:xfrm>
           <a:prstGeom prst="rect">
             <a:avLst/>
@@ -13185,7 +13185,7 @@
         <p:spPr>
           <a:xfrm>
             <a:off x="457200" y="485640"/>
-            <a:ext cx="8228880" cy="1142280"/>
+            <a:ext cx="8228520" cy="1141920"/>
           </a:xfrm>
           <a:prstGeom prst="rect">
             <a:avLst/>
@@ -13236,7 +13236,7 @@
         <p:spPr>
           <a:xfrm>
             <a:off x="899640" y="1700640"/>
-            <a:ext cx="7416000" cy="1871640"/>
+            <a:ext cx="7415640" cy="1871280"/>
           </a:xfrm>
           <a:prstGeom prst="rect">
             <a:avLst/>
@@ -13257,7 +13257,7 @@
             <a:noAutofit/>
           </a:bodyPr>
           <a:p>
-            <a:pPr marL="343080" indent="-342360">
+            <a:pPr marL="343080" indent="-342000">
               <a:lnSpc>
                 <a:spcPct val="200000"/>
               </a:lnSpc>
@@ -13285,7 +13285,7 @@
             </a:endParaRPr>
           </a:p>
           <a:p>
-            <a:pPr marL="343080" indent="-342360">
+            <a:pPr marL="343080" indent="-342000">
               <a:lnSpc>
                 <a:spcPct val="200000"/>
               </a:lnSpc>
@@ -13347,7 +13347,7 @@
         <p:spPr>
           <a:xfrm>
             <a:off x="1115640" y="3573000"/>
-            <a:ext cx="6728760" cy="2447640"/>
+            <a:ext cx="6728400" cy="2447280"/>
           </a:xfrm>
           <a:prstGeom prst="rect">
             <a:avLst/>
@@ -13396,7 +13396,7 @@
         <p:spPr>
           <a:xfrm>
             <a:off x="457200" y="485640"/>
-            <a:ext cx="8228880" cy="1142280"/>
+            <a:ext cx="8228520" cy="1141920"/>
           </a:xfrm>
           <a:prstGeom prst="rect">
             <a:avLst/>
@@ -13447,7 +13447,7 @@
         <p:spPr>
           <a:xfrm>
             <a:off x="899640" y="1700640"/>
-            <a:ext cx="7416000" cy="719280"/>
+            <a:ext cx="7415640" cy="718920"/>
           </a:xfrm>
           <a:prstGeom prst="rect">
             <a:avLst/>
@@ -13468,7 +13468,7 @@
             <a:noAutofit/>
           </a:bodyPr>
           <a:p>
-            <a:pPr marL="343080" indent="-342360">
+            <a:pPr marL="343080" indent="-342000">
               <a:lnSpc>
                 <a:spcPct val="200000"/>
               </a:lnSpc>
@@ -13510,7 +13510,7 @@
         <p:spPr>
           <a:xfrm>
             <a:off x="1331640" y="2473560"/>
-            <a:ext cx="6408000" cy="3331080"/>
+            <a:ext cx="6407640" cy="3330720"/>
           </a:xfrm>
           <a:prstGeom prst="rect">
             <a:avLst/>
@@ -13559,7 +13559,7 @@
         <p:spPr>
           <a:xfrm>
             <a:off x="457200" y="485640"/>
-            <a:ext cx="8228880" cy="1142280"/>
+            <a:ext cx="8228520" cy="1141920"/>
           </a:xfrm>
           <a:prstGeom prst="rect">
             <a:avLst/>
@@ -13620,7 +13620,7 @@
         <p:spPr>
           <a:xfrm>
             <a:off x="899640" y="1484640"/>
-            <a:ext cx="7776000" cy="4968000"/>
+            <a:ext cx="7775640" cy="4967640"/>
           </a:xfrm>
           <a:prstGeom prst="rect">
             <a:avLst/>
@@ -13641,7 +13641,7 @@
             <a:noAutofit/>
           </a:bodyPr>
           <a:p>
-            <a:pPr marL="343080" indent="-342360">
+            <a:pPr marL="343080" indent="-342000">
               <a:lnSpc>
                 <a:spcPct val="200000"/>
               </a:lnSpc>
@@ -13729,7 +13729,7 @@
             </a:endParaRPr>
           </a:p>
           <a:p>
-            <a:pPr marL="343080" indent="-342360">
+            <a:pPr marL="343080" indent="-342000">
               <a:lnSpc>
                 <a:spcPct val="200000"/>
               </a:lnSpc>
@@ -13757,7 +13757,7 @@
             </a:endParaRPr>
           </a:p>
           <a:p>
-            <a:pPr marL="343080" indent="-342360">
+            <a:pPr marL="343080" indent="-342000">
               <a:lnSpc>
                 <a:spcPct val="200000"/>
               </a:lnSpc>
@@ -13805,7 +13805,7 @@
             </a:endParaRPr>
           </a:p>
           <a:p>
-            <a:pPr lvl="1" marL="743040" indent="-285120">
+            <a:pPr lvl="1" marL="743040" indent="-284760">
               <a:lnSpc>
                 <a:spcPct val="200000"/>
               </a:lnSpc>
@@ -13853,7 +13853,7 @@
             </a:endParaRPr>
           </a:p>
           <a:p>
-            <a:pPr marL="343080" indent="-342360">
+            <a:pPr marL="343080" indent="-342000">
               <a:lnSpc>
                 <a:spcPct val="200000"/>
               </a:lnSpc>
@@ -13901,7 +13901,7 @@
             </a:endParaRPr>
           </a:p>
           <a:p>
-            <a:pPr lvl="1" marL="743040" indent="-285120">
+            <a:pPr lvl="1" marL="743040" indent="-284760">
               <a:lnSpc>
                 <a:spcPct val="200000"/>
               </a:lnSpc>
@@ -13969,7 +13969,7 @@
             </a:endParaRPr>
           </a:p>
           <a:p>
-            <a:pPr marL="343080" indent="-342360">
+            <a:pPr marL="343080" indent="-342000">
               <a:lnSpc>
                 <a:spcPct val="200000"/>
               </a:lnSpc>
@@ -14007,7 +14007,7 @@
             </a:endParaRPr>
           </a:p>
           <a:p>
-            <a:pPr lvl="1" marL="743040" indent="-285120">
+            <a:pPr lvl="1" marL="743040" indent="-284760">
               <a:lnSpc>
                 <a:spcPct val="200000"/>
               </a:lnSpc>
@@ -14125,7 +14125,7 @@
         <p:spPr>
           <a:xfrm>
             <a:off x="457200" y="485640"/>
-            <a:ext cx="8228880" cy="1142280"/>
+            <a:ext cx="8228520" cy="1141920"/>
           </a:xfrm>
           <a:prstGeom prst="rect">
             <a:avLst/>
@@ -14190,7 +14190,7 @@
         <p:spPr>
           <a:xfrm>
             <a:off x="899640" y="1628640"/>
-            <a:ext cx="5116680" cy="2143800"/>
+            <a:ext cx="5116320" cy="2143440"/>
           </a:xfrm>
           <a:prstGeom prst="rect">
             <a:avLst/>
@@ -14213,7 +14213,7 @@
         <p:spPr>
           <a:xfrm>
             <a:off x="899640" y="3933000"/>
-            <a:ext cx="5116680" cy="2110680"/>
+            <a:ext cx="5116320" cy="2110320"/>
           </a:xfrm>
           <a:prstGeom prst="rect">
             <a:avLst/>
@@ -14232,7 +14232,7 @@
         <p:spPr>
           <a:xfrm>
             <a:off x="6444360" y="2238480"/>
-            <a:ext cx="1722600" cy="638280"/>
+            <a:ext cx="1722240" cy="638280"/>
           </a:xfrm>
           <a:prstGeom prst="rect">
             <a:avLst/>
@@ -14283,7 +14283,7 @@
         <p:spPr>
           <a:xfrm>
             <a:off x="7047720" y="2760840"/>
-            <a:ext cx="289800" cy="287280"/>
+            <a:ext cx="289440" cy="286920"/>
           </a:xfrm>
           <a:prstGeom prst="downArrow">
             <a:avLst>
@@ -14319,7 +14319,7 @@
         <p:spPr>
           <a:xfrm>
             <a:off x="6444360" y="3203640"/>
-            <a:ext cx="1722600" cy="638280"/>
+            <a:ext cx="1722240" cy="638280"/>
           </a:xfrm>
           <a:prstGeom prst="rect">
             <a:avLst/>
@@ -14370,7 +14370,7 @@
         <p:spPr>
           <a:xfrm>
             <a:off x="6444360" y="4611240"/>
-            <a:ext cx="1722600" cy="638280"/>
+            <a:ext cx="1722240" cy="638280"/>
           </a:xfrm>
           <a:prstGeom prst="rect">
             <a:avLst/>
@@ -14421,7 +14421,7 @@
         <p:spPr>
           <a:xfrm>
             <a:off x="7047720" y="5133600"/>
-            <a:ext cx="289800" cy="287280"/>
+            <a:ext cx="289440" cy="286920"/>
           </a:xfrm>
           <a:prstGeom prst="downArrow">
             <a:avLst>
@@ -14457,7 +14457,7 @@
         <p:spPr>
           <a:xfrm>
             <a:off x="6444360" y="5576760"/>
-            <a:ext cx="1722600" cy="364320"/>
+            <a:ext cx="1722240" cy="363960"/>
           </a:xfrm>
           <a:prstGeom prst="rect">
             <a:avLst/>
@@ -14538,7 +14538,7 @@
         <p:spPr>
           <a:xfrm>
             <a:off x="457200" y="485640"/>
-            <a:ext cx="8228880" cy="1142280"/>
+            <a:ext cx="8228520" cy="1141920"/>
           </a:xfrm>
           <a:prstGeom prst="rect">
             <a:avLst/>
@@ -14589,7 +14589,7 @@
         <p:spPr>
           <a:xfrm>
             <a:off x="518760" y="1412640"/>
-            <a:ext cx="8228880" cy="719280"/>
+            <a:ext cx="8228520" cy="718920"/>
           </a:xfrm>
           <a:prstGeom prst="rect">
             <a:avLst/>
@@ -14610,7 +14610,7 @@
             <a:noAutofit/>
           </a:bodyPr>
           <a:p>
-            <a:pPr marL="343080" indent="-342360">
+            <a:pPr marL="343080" indent="-342000">
               <a:lnSpc>
                 <a:spcPct val="200000"/>
               </a:lnSpc>
@@ -14678,7 +14678,7 @@
         <p:spPr>
           <a:xfrm>
             <a:off x="577440" y="2088720"/>
-            <a:ext cx="7953840" cy="4314240"/>
+            <a:ext cx="7953480" cy="4314240"/>
           </a:xfrm>
           <a:prstGeom prst="rect">
             <a:avLst/>
@@ -15144,7 +15144,7 @@
         <p:spPr>
           <a:xfrm>
             <a:off x="457200" y="485640"/>
-            <a:ext cx="8228880" cy="1142280"/>
+            <a:ext cx="8228520" cy="1141920"/>
           </a:xfrm>
           <a:prstGeom prst="rect">
             <a:avLst/>
@@ -15215,7 +15215,7 @@
         <p:spPr>
           <a:xfrm>
             <a:off x="518760" y="1412640"/>
-            <a:ext cx="8228880" cy="4175640"/>
+            <a:ext cx="8228520" cy="4175280"/>
           </a:xfrm>
           <a:prstGeom prst="rect">
             <a:avLst/>
@@ -15236,7 +15236,7 @@
             <a:noAutofit/>
           </a:bodyPr>
           <a:p>
-            <a:pPr marL="343080" indent="-342360">
+            <a:pPr marL="343080" indent="-342000">
               <a:lnSpc>
                 <a:spcPct val="200000"/>
               </a:lnSpc>
@@ -15314,7 +15314,7 @@
             </a:endParaRPr>
           </a:p>
           <a:p>
-            <a:pPr marL="343080" indent="-342360">
+            <a:pPr marL="343080" indent="-342000">
               <a:lnSpc>
                 <a:spcPct val="200000"/>
               </a:lnSpc>
@@ -15352,7 +15352,7 @@
             </a:endParaRPr>
           </a:p>
           <a:p>
-            <a:pPr marL="343080" indent="-342360">
+            <a:pPr marL="343080" indent="-342000">
               <a:lnSpc>
                 <a:spcPct val="200000"/>
               </a:lnSpc>
@@ -15400,7 +15400,7 @@
             </a:endParaRPr>
           </a:p>
           <a:p>
-            <a:pPr marL="343080" indent="-342360">
+            <a:pPr marL="343080" indent="-342000">
               <a:lnSpc>
                 <a:spcPct val="200000"/>
               </a:lnSpc>
@@ -15468,7 +15468,7 @@
         <p:spPr>
           <a:xfrm>
             <a:off x="457200" y="485640"/>
-            <a:ext cx="8228880" cy="1142280"/>
+            <a:ext cx="8228520" cy="1141920"/>
           </a:xfrm>
           <a:prstGeom prst="rect">
             <a:avLst/>
@@ -15539,7 +15539,7 @@
         <p:spPr>
           <a:xfrm>
             <a:off x="518760" y="1412640"/>
-            <a:ext cx="8228880" cy="3750840"/>
+            <a:ext cx="8228520" cy="3750480"/>
           </a:xfrm>
           <a:prstGeom prst="rect">
             <a:avLst/>
@@ -15560,7 +15560,7 @@
             <a:noAutofit/>
           </a:bodyPr>
           <a:p>
-            <a:pPr marL="343080" indent="-342360">
+            <a:pPr marL="343080" indent="-342000">
               <a:lnSpc>
                 <a:spcPct val="200000"/>
               </a:lnSpc>
@@ -15608,7 +15608,7 @@
             </a:endParaRPr>
           </a:p>
           <a:p>
-            <a:pPr marL="343080" indent="-342360">
+            <a:pPr marL="343080" indent="-342000">
               <a:lnSpc>
                 <a:spcPct val="200000"/>
               </a:lnSpc>
@@ -15656,7 +15656,7 @@
             </a:endParaRPr>
           </a:p>
           <a:p>
-            <a:pPr marL="343080" indent="-342360">
+            <a:pPr marL="343080" indent="-342000">
               <a:lnSpc>
                 <a:spcPct val="200000"/>
               </a:lnSpc>
@@ -15724,7 +15724,7 @@
             </a:endParaRPr>
           </a:p>
           <a:p>
-            <a:pPr marL="343080" indent="-342360">
+            <a:pPr marL="343080" indent="-342000">
               <a:lnSpc>
                 <a:spcPct val="200000"/>
               </a:lnSpc>
@@ -15822,7 +15822,7 @@
         <p:spPr>
           <a:xfrm>
             <a:off x="645120" y="5168520"/>
-            <a:ext cx="8295480" cy="775440"/>
+            <a:ext cx="8295480" cy="775080"/>
           </a:xfrm>
           <a:prstGeom prst="rect">
             <a:avLst/>
@@ -16025,7 +16025,7 @@
         <p:spPr>
           <a:xfrm>
             <a:off x="457200" y="485640"/>
-            <a:ext cx="8228880" cy="1142280"/>
+            <a:ext cx="8228520" cy="1141920"/>
           </a:xfrm>
           <a:prstGeom prst="rect">
             <a:avLst/>
@@ -16096,7 +16096,7 @@
         <p:spPr>
           <a:xfrm>
             <a:off x="518760" y="1556640"/>
-            <a:ext cx="8228880" cy="791280"/>
+            <a:ext cx="8228520" cy="790920"/>
           </a:xfrm>
           <a:prstGeom prst="rect">
             <a:avLst/>
@@ -16117,7 +16117,7 @@
             <a:noAutofit/>
           </a:bodyPr>
           <a:p>
-            <a:pPr marL="343080" indent="-342360">
+            <a:pPr marL="343080" indent="-342000">
               <a:lnSpc>
                 <a:spcPct val="200000"/>
               </a:lnSpc>
@@ -16175,7 +16175,7 @@
         <p:spPr>
           <a:xfrm>
             <a:off x="1672560" y="2485440"/>
-            <a:ext cx="5096520" cy="3286080"/>
+            <a:ext cx="5096160" cy="3285720"/>
           </a:xfrm>
           <a:prstGeom prst="rect">
             <a:avLst/>
@@ -16453,7 +16453,7 @@
         <p:spPr>
           <a:xfrm>
             <a:off x="457200" y="485640"/>
-            <a:ext cx="8228880" cy="1142280"/>
+            <a:ext cx="8228520" cy="1141920"/>
           </a:xfrm>
           <a:prstGeom prst="rect">
             <a:avLst/>
@@ -16524,7 +16524,7 @@
         <p:spPr>
           <a:xfrm>
             <a:off x="518760" y="1412640"/>
-            <a:ext cx="8228880" cy="791280"/>
+            <a:ext cx="8228520" cy="790920"/>
           </a:xfrm>
           <a:prstGeom prst="rect">
             <a:avLst/>
@@ -16545,7 +16545,7 @@
             <a:noAutofit/>
           </a:bodyPr>
           <a:p>
-            <a:pPr marL="343080" indent="-342360">
+            <a:pPr marL="343080" indent="-342000">
               <a:lnSpc>
                 <a:spcPct val="200000"/>
               </a:lnSpc>
@@ -16603,7 +16603,7 @@
         <p:spPr>
           <a:xfrm>
             <a:off x="971640" y="2143800"/>
-            <a:ext cx="5472000" cy="4243680"/>
+            <a:ext cx="5471640" cy="4243320"/>
           </a:xfrm>
           <a:prstGeom prst="rect">
             <a:avLst/>
@@ -16879,7 +16879,7 @@
         <p:spPr>
           <a:xfrm>
             <a:off x="457200" y="485640"/>
-            <a:ext cx="8228880" cy="1142280"/>
+            <a:ext cx="8228520" cy="1141920"/>
           </a:xfrm>
           <a:prstGeom prst="rect">
             <a:avLst/>
@@ -16950,7 +16950,7 @@
         <p:spPr>
           <a:xfrm>
             <a:off x="518760" y="1412640"/>
-            <a:ext cx="8228880" cy="4896000"/>
+            <a:ext cx="8228520" cy="4895640"/>
           </a:xfrm>
           <a:prstGeom prst="rect">
             <a:avLst/>
@@ -16971,7 +16971,7 @@
             <a:noAutofit/>
           </a:bodyPr>
           <a:p>
-            <a:pPr marL="343080" indent="-342360">
+            <a:pPr marL="343080" indent="-342000">
               <a:lnSpc>
                 <a:spcPct val="200000"/>
               </a:lnSpc>
@@ -17009,7 +17009,7 @@
             </a:endParaRPr>
           </a:p>
           <a:p>
-            <a:pPr marL="343080" indent="-342360">
+            <a:pPr marL="343080" indent="-342000">
               <a:lnSpc>
                 <a:spcPct val="200000"/>
               </a:lnSpc>
@@ -17057,7 +17057,7 @@
             </a:endParaRPr>
           </a:p>
           <a:p>
-            <a:pPr marL="343080" indent="-342360">
+            <a:pPr marL="343080" indent="-342000">
               <a:lnSpc>
                 <a:spcPct val="200000"/>
               </a:lnSpc>
@@ -17085,7 +17085,7 @@
             </a:endParaRPr>
           </a:p>
           <a:p>
-            <a:pPr lvl="1" marL="743040" indent="-285120">
+            <a:pPr lvl="1" marL="743040" indent="-284760">
               <a:lnSpc>
                 <a:spcPct val="200000"/>
               </a:lnSpc>
@@ -17133,7 +17133,7 @@
             </a:endParaRPr>
           </a:p>
           <a:p>
-            <a:pPr lvl="1" marL="743040" indent="-285120">
+            <a:pPr lvl="1" marL="743040" indent="-284760">
               <a:lnSpc>
                 <a:spcPct val="200000"/>
               </a:lnSpc>
@@ -17181,7 +17181,7 @@
             </a:endParaRPr>
           </a:p>
           <a:p>
-            <a:pPr lvl="1" marL="743040" indent="-285120">
+            <a:pPr lvl="1" marL="743040" indent="-284760">
               <a:lnSpc>
                 <a:spcPct val="200000"/>
               </a:lnSpc>
@@ -17282,7 +17282,7 @@
         <p:spPr>
           <a:xfrm>
             <a:off x="457200" y="485640"/>
-            <a:ext cx="8228880" cy="1142280"/>
+            <a:ext cx="8228520" cy="1141920"/>
           </a:xfrm>
           <a:prstGeom prst="rect">
             <a:avLst/>
@@ -17353,7 +17353,7 @@
         <p:spPr>
           <a:xfrm>
             <a:off x="518760" y="1484640"/>
-            <a:ext cx="8228880" cy="1511280"/>
+            <a:ext cx="8228520" cy="1510920"/>
           </a:xfrm>
           <a:prstGeom prst="rect">
             <a:avLst/>
@@ -17374,7 +17374,7 @@
             <a:noAutofit/>
           </a:bodyPr>
           <a:p>
-            <a:pPr marL="343080" indent="-342360">
+            <a:pPr marL="343080" indent="-342000">
               <a:lnSpc>
                 <a:spcPct val="200000"/>
               </a:lnSpc>
@@ -17432,7 +17432,7 @@
             </a:endParaRPr>
           </a:p>
           <a:p>
-            <a:pPr marL="343080" indent="-342360">
+            <a:pPr marL="343080" indent="-342000">
               <a:lnSpc>
                 <a:spcPct val="200000"/>
               </a:lnSpc>
@@ -17530,7 +17530,7 @@
         <p:spPr>
           <a:xfrm>
             <a:off x="125640" y="2953080"/>
-            <a:ext cx="8638560" cy="2829600"/>
+            <a:ext cx="8638560" cy="2829240"/>
           </a:xfrm>
           <a:prstGeom prst="rect">
             <a:avLst/>
@@ -17957,7 +17957,7 @@
         <p:spPr>
           <a:xfrm>
             <a:off x="457200" y="485640"/>
-            <a:ext cx="8228880" cy="1142280"/>
+            <a:ext cx="8228520" cy="1141920"/>
           </a:xfrm>
           <a:prstGeom prst="rect">
             <a:avLst/>
@@ -18028,7 +18028,7 @@
         <p:spPr>
           <a:xfrm>
             <a:off x="518760" y="1556640"/>
-            <a:ext cx="8228880" cy="791280"/>
+            <a:ext cx="8228520" cy="790920"/>
           </a:xfrm>
           <a:prstGeom prst="rect">
             <a:avLst/>
@@ -18049,7 +18049,7 @@
             <a:noAutofit/>
           </a:bodyPr>
           <a:p>
-            <a:pPr marL="343080" indent="-342360">
+            <a:pPr marL="343080" indent="-342000">
               <a:lnSpc>
                 <a:spcPct val="200000"/>
               </a:lnSpc>
@@ -18107,7 +18107,7 @@
         <p:spPr>
           <a:xfrm>
             <a:off x="906840" y="2349360"/>
-            <a:ext cx="7199640" cy="3514320"/>
+            <a:ext cx="7199280" cy="3513960"/>
           </a:xfrm>
           <a:prstGeom prst="rect">
             <a:avLst/>
@@ -18509,7 +18509,7 @@
         <p:spPr>
           <a:xfrm>
             <a:off x="457200" y="485640"/>
-            <a:ext cx="8228880" cy="1142280"/>
+            <a:ext cx="8228520" cy="1141920"/>
           </a:xfrm>
           <a:prstGeom prst="rect">
             <a:avLst/>
@@ -18580,7 +18580,7 @@
         <p:spPr>
           <a:xfrm>
             <a:off x="518760" y="1412640"/>
-            <a:ext cx="8228880" cy="791280"/>
+            <a:ext cx="8228520" cy="790920"/>
           </a:xfrm>
           <a:prstGeom prst="rect">
             <a:avLst/>
@@ -18601,7 +18601,7 @@
             <a:noAutofit/>
           </a:bodyPr>
           <a:p>
-            <a:pPr marL="343080" indent="-342360">
+            <a:pPr marL="343080" indent="-342000">
               <a:lnSpc>
                 <a:spcPct val="200000"/>
               </a:lnSpc>
@@ -18659,7 +18659,7 @@
         <p:spPr>
           <a:xfrm>
             <a:off x="1722240" y="2086560"/>
-            <a:ext cx="6010560" cy="4194720"/>
+            <a:ext cx="6010200" cy="4194360"/>
           </a:xfrm>
           <a:prstGeom prst="rect">
             <a:avLst/>
@@ -18946,7 +18946,7 @@
         <p:spPr>
           <a:xfrm>
             <a:off x="457200" y="485640"/>
-            <a:ext cx="8228880" cy="1142280"/>
+            <a:ext cx="8228520" cy="1141920"/>
           </a:xfrm>
           <a:prstGeom prst="rect">
             <a:avLst/>
@@ -18997,7 +18997,7 @@
         <p:spPr>
           <a:xfrm>
             <a:off x="518760" y="1412640"/>
-            <a:ext cx="8228880" cy="4535640"/>
+            <a:ext cx="8228520" cy="4535280"/>
           </a:xfrm>
           <a:prstGeom prst="rect">
             <a:avLst/>
@@ -19018,7 +19018,7 @@
             <a:noAutofit/>
           </a:bodyPr>
           <a:p>
-            <a:pPr marL="343080" indent="-342360">
+            <a:pPr marL="343080" indent="-342000">
               <a:lnSpc>
                 <a:spcPct val="200000"/>
               </a:lnSpc>
@@ -19046,7 +19046,7 @@
             </a:endParaRPr>
           </a:p>
           <a:p>
-            <a:pPr marL="343080" indent="-342360">
+            <a:pPr marL="343080" indent="-342000">
               <a:lnSpc>
                 <a:spcPct val="200000"/>
               </a:lnSpc>
@@ -19124,7 +19124,7 @@
             </a:endParaRPr>
           </a:p>
           <a:p>
-            <a:pPr marL="343080" indent="-342360">
+            <a:pPr marL="343080" indent="-342000">
               <a:lnSpc>
                 <a:spcPct val="200000"/>
               </a:lnSpc>
@@ -19162,7 +19162,7 @@
             </a:endParaRPr>
           </a:p>
           <a:p>
-            <a:pPr lvl="1" marL="743040" indent="-285120">
+            <a:pPr lvl="1" marL="743040" indent="-284760">
               <a:lnSpc>
                 <a:spcPct val="200000"/>
               </a:lnSpc>
@@ -19210,7 +19210,7 @@
             </a:endParaRPr>
           </a:p>
           <a:p>
-            <a:pPr marL="343080" indent="-342360">
+            <a:pPr marL="343080" indent="-342000">
               <a:lnSpc>
                 <a:spcPct val="200000"/>
               </a:lnSpc>
@@ -19238,7 +19238,7 @@
             </a:endParaRPr>
           </a:p>
           <a:p>
-            <a:pPr lvl="1" marL="743040" indent="-285120">
+            <a:pPr lvl="1" marL="743040" indent="-284760">
               <a:lnSpc>
                 <a:spcPct val="200000"/>
               </a:lnSpc>
@@ -19332,7 +19332,7 @@
         <p:spPr>
           <a:xfrm>
             <a:off x="457200" y="485640"/>
-            <a:ext cx="8228880" cy="1142280"/>
+            <a:ext cx="8228520" cy="1141920"/>
           </a:xfrm>
           <a:prstGeom prst="rect">
             <a:avLst/>
@@ -19383,7 +19383,7 @@
         <p:spPr>
           <a:xfrm>
             <a:off x="518760" y="1412640"/>
-            <a:ext cx="8228880" cy="2617920"/>
+            <a:ext cx="8228520" cy="2617560"/>
           </a:xfrm>
           <a:prstGeom prst="rect">
             <a:avLst/>
@@ -19404,7 +19404,7 @@
             <a:noAutofit/>
           </a:bodyPr>
           <a:p>
-            <a:pPr marL="343080" indent="-342360">
+            <a:pPr marL="343080" indent="-342000">
               <a:lnSpc>
                 <a:spcPct val="200000"/>
               </a:lnSpc>
@@ -19502,7 +19502,7 @@
             </a:endParaRPr>
           </a:p>
           <a:p>
-            <a:pPr marL="343080" indent="-342360">
+            <a:pPr marL="343080" indent="-342000">
               <a:lnSpc>
                 <a:spcPct val="200000"/>
               </a:lnSpc>
@@ -19560,7 +19560,7 @@
         <p:spPr>
           <a:xfrm>
             <a:off x="1276200" y="3759840"/>
-            <a:ext cx="6415560" cy="1460160"/>
+            <a:ext cx="6415560" cy="1459800"/>
           </a:xfrm>
           <a:prstGeom prst="rect">
             <a:avLst/>
@@ -19896,7 +19896,7 @@
         <p:spPr>
           <a:xfrm>
             <a:off x="539640" y="5157360"/>
-            <a:ext cx="8136360" cy="1187280"/>
+            <a:ext cx="8136000" cy="1186920"/>
           </a:xfrm>
           <a:prstGeom prst="rect">
             <a:avLst/>
@@ -19917,7 +19917,7 @@
             <a:spAutoFit/>
           </a:bodyPr>
           <a:p>
-            <a:pPr marL="343080" indent="-342360">
+            <a:pPr marL="343080" indent="-342000">
               <a:lnSpc>
                 <a:spcPct val="200000"/>
               </a:lnSpc>
@@ -20055,7 +20055,7 @@
         <p:spPr>
           <a:xfrm>
             <a:off x="457200" y="485640"/>
-            <a:ext cx="8228880" cy="1142280"/>
+            <a:ext cx="8228520" cy="1141920"/>
           </a:xfrm>
           <a:prstGeom prst="rect">
             <a:avLst/>
@@ -20116,7 +20116,7 @@
         <p:spPr>
           <a:xfrm>
             <a:off x="518760" y="1412640"/>
-            <a:ext cx="8228880" cy="647280"/>
+            <a:ext cx="8228520" cy="646920"/>
           </a:xfrm>
           <a:prstGeom prst="rect">
             <a:avLst/>
@@ -20137,7 +20137,7 @@
             <a:noAutofit/>
           </a:bodyPr>
           <a:p>
-            <a:pPr marL="343080" indent="-342360">
+            <a:pPr marL="343080" indent="-342000">
               <a:lnSpc>
                 <a:spcPct val="200000"/>
               </a:lnSpc>
@@ -20195,7 +20195,7 @@
         <p:spPr>
           <a:xfrm>
             <a:off x="1524960" y="2278440"/>
-            <a:ext cx="6502680" cy="318960"/>
+            <a:ext cx="6502320" cy="318600"/>
           </a:xfrm>
           <a:prstGeom prst="rect">
             <a:avLst/>
@@ -20278,7 +20278,7 @@
         <p:spPr>
           <a:xfrm>
             <a:off x="518760" y="2889720"/>
-            <a:ext cx="8228880" cy="3058920"/>
+            <a:ext cx="8228520" cy="3058560"/>
           </a:xfrm>
           <a:prstGeom prst="rect">
             <a:avLst/>
@@ -20299,7 +20299,7 @@
             <a:noAutofit/>
           </a:bodyPr>
           <a:p>
-            <a:pPr marL="343080" indent="-342360">
+            <a:pPr marL="343080" indent="-342000">
               <a:lnSpc>
                 <a:spcPct val="200000"/>
               </a:lnSpc>
@@ -20407,7 +20407,7 @@
             </a:endParaRPr>
           </a:p>
           <a:p>
-            <a:pPr lvl="1" marL="743040" indent="-285120">
+            <a:pPr lvl="1" marL="743040" indent="-284760">
               <a:lnSpc>
                 <a:spcPct val="200000"/>
               </a:lnSpc>
@@ -20445,7 +20445,7 @@
             </a:endParaRPr>
           </a:p>
           <a:p>
-            <a:pPr lvl="1" marL="743040" indent="-285120">
+            <a:pPr lvl="1" marL="743040" indent="-284760">
               <a:lnSpc>
                 <a:spcPct val="200000"/>
               </a:lnSpc>
@@ -20493,7 +20493,7 @@
             </a:endParaRPr>
           </a:p>
           <a:p>
-            <a:pPr lvl="1" marL="743040" indent="-285120">
+            <a:pPr lvl="1" marL="743040" indent="-284760">
               <a:lnSpc>
                 <a:spcPct val="200000"/>
               </a:lnSpc>
@@ -20541,7 +20541,7 @@
             </a:endParaRPr>
           </a:p>
           <a:p>
-            <a:pPr lvl="1" marL="743040" indent="-285120">
+            <a:pPr lvl="1" marL="743040" indent="-284760">
               <a:lnSpc>
                 <a:spcPct val="200000"/>
               </a:lnSpc>
@@ -20629,7 +20629,7 @@
         <p:spPr>
           <a:xfrm>
             <a:off x="457200" y="485640"/>
-            <a:ext cx="8228880" cy="1142280"/>
+            <a:ext cx="8228520" cy="1141920"/>
           </a:xfrm>
           <a:prstGeom prst="rect">
             <a:avLst/>
@@ -20700,7 +20700,7 @@
         <p:spPr>
           <a:xfrm>
             <a:off x="518760" y="1412640"/>
-            <a:ext cx="8228880" cy="935280"/>
+            <a:ext cx="8228520" cy="934920"/>
           </a:xfrm>
           <a:prstGeom prst="rect">
             <a:avLst/>
@@ -20721,7 +20721,7 @@
             <a:noAutofit/>
           </a:bodyPr>
           <a:p>
-            <a:pPr marL="343080" indent="-342360">
+            <a:pPr marL="343080" indent="-342000">
               <a:lnSpc>
                 <a:spcPct val="200000"/>
               </a:lnSpc>
@@ -20789,7 +20789,7 @@
         <p:spPr>
           <a:xfrm>
             <a:off x="1276200" y="2296800"/>
-            <a:ext cx="5439600" cy="2966400"/>
+            <a:ext cx="5439240" cy="2966400"/>
           </a:xfrm>
           <a:prstGeom prst="rect">
             <a:avLst/>
@@ -21136,7 +21136,7 @@
         <p:spPr>
           <a:xfrm>
             <a:off x="457200" y="485640"/>
-            <a:ext cx="8228880" cy="1142280"/>
+            <a:ext cx="8228520" cy="1141920"/>
           </a:xfrm>
           <a:prstGeom prst="rect">
             <a:avLst/>
@@ -21207,7 +21207,7 @@
         <p:spPr>
           <a:xfrm>
             <a:off x="518760" y="1412640"/>
-            <a:ext cx="8228880" cy="1007280"/>
+            <a:ext cx="8228520" cy="1006920"/>
           </a:xfrm>
           <a:prstGeom prst="rect">
             <a:avLst/>
@@ -21228,7 +21228,7 @@
             <a:noAutofit/>
           </a:bodyPr>
           <a:p>
-            <a:pPr marL="343080" indent="-342360">
+            <a:pPr marL="343080" indent="-342000">
               <a:lnSpc>
                 <a:spcPct val="200000"/>
               </a:lnSpc>
@@ -21296,7 +21296,7 @@
         <p:spPr>
           <a:xfrm>
             <a:off x="775800" y="2189880"/>
-            <a:ext cx="7154280" cy="2966400"/>
+            <a:ext cx="7153920" cy="2966400"/>
           </a:xfrm>
           <a:prstGeom prst="rect">
             <a:avLst/>
@@ -21676,7 +21676,7 @@
         <p:spPr>
           <a:xfrm>
             <a:off x="457200" y="485640"/>
-            <a:ext cx="8228880" cy="1142280"/>
+            <a:ext cx="8228520" cy="1141920"/>
           </a:xfrm>
           <a:prstGeom prst="rect">
             <a:avLst/>
@@ -21747,7 +21747,7 @@
         <p:spPr>
           <a:xfrm>
             <a:off x="518760" y="1772640"/>
-            <a:ext cx="8228880" cy="935280"/>
+            <a:ext cx="8228520" cy="934920"/>
           </a:xfrm>
           <a:prstGeom prst="rect">
             <a:avLst/>
@@ -21768,7 +21768,7 @@
             <a:noAutofit/>
           </a:bodyPr>
           <a:p>
-            <a:pPr marL="343080" indent="-342360">
+            <a:pPr marL="343080" indent="-342000">
               <a:lnSpc>
                 <a:spcPct val="200000"/>
               </a:lnSpc>
@@ -21836,7 +21836,7 @@
         <p:spPr>
           <a:xfrm>
             <a:off x="899640" y="2829240"/>
-            <a:ext cx="6912000" cy="1870200"/>
+            <a:ext cx="6911640" cy="1870200"/>
           </a:xfrm>
           <a:prstGeom prst="rect">
             <a:avLst/>
@@ -22082,7 +22082,7 @@
         <p:spPr>
           <a:xfrm>
             <a:off x="457200" y="485640"/>
-            <a:ext cx="8228880" cy="1142280"/>
+            <a:ext cx="8228520" cy="1141920"/>
           </a:xfrm>
           <a:prstGeom prst="rect">
             <a:avLst/>
@@ -22133,7 +22133,7 @@
         <p:spPr>
           <a:xfrm>
             <a:off x="518760" y="1412640"/>
-            <a:ext cx="8228880" cy="2879640"/>
+            <a:ext cx="8228520" cy="2879280"/>
           </a:xfrm>
           <a:prstGeom prst="rect">
             <a:avLst/>
@@ -22154,7 +22154,7 @@
             <a:noAutofit/>
           </a:bodyPr>
           <a:p>
-            <a:pPr marL="343080" indent="-342360">
+            <a:pPr marL="343080" indent="-342000">
               <a:lnSpc>
                 <a:spcPct val="200000"/>
               </a:lnSpc>
@@ -22252,7 +22252,7 @@
             </a:endParaRPr>
           </a:p>
           <a:p>
-            <a:pPr marL="343080" indent="-342360">
+            <a:pPr marL="343080" indent="-342000">
               <a:lnSpc>
                 <a:spcPct val="200000"/>
               </a:lnSpc>
@@ -22290,7 +22290,7 @@
             </a:endParaRPr>
           </a:p>
           <a:p>
-            <a:pPr marL="343080" indent="-342360">
+            <a:pPr marL="343080" indent="-342000">
               <a:lnSpc>
                 <a:spcPct val="200000"/>
               </a:lnSpc>
@@ -22398,7 +22398,7 @@
         <p:spPr>
           <a:xfrm>
             <a:off x="1501560" y="4466880"/>
-            <a:ext cx="5324760" cy="1117440"/>
+            <a:ext cx="5324400" cy="1117080"/>
           </a:xfrm>
           <a:prstGeom prst="rect">
             <a:avLst/>
@@ -22613,7 +22613,7 @@
         <p:spPr>
           <a:xfrm>
             <a:off x="611640" y="5589360"/>
-            <a:ext cx="7848000" cy="638280"/>
+            <a:ext cx="7847640" cy="638280"/>
           </a:xfrm>
           <a:prstGeom prst="rect">
             <a:avLst/>
@@ -22634,7 +22634,7 @@
             <a:spAutoFit/>
           </a:bodyPr>
           <a:p>
-            <a:pPr marL="343080" indent="-342360">
+            <a:pPr marL="343080" indent="-342000">
               <a:lnSpc>
                 <a:spcPct val="200000"/>
               </a:lnSpc>
@@ -22752,7 +22752,7 @@
         <p:spPr>
           <a:xfrm>
             <a:off x="457200" y="485640"/>
-            <a:ext cx="8228880" cy="1142280"/>
+            <a:ext cx="8228520" cy="1141920"/>
           </a:xfrm>
           <a:prstGeom prst="rect">
             <a:avLst/>
@@ -22813,7 +22813,7 @@
         <p:spPr>
           <a:xfrm>
             <a:off x="518760" y="1340640"/>
-            <a:ext cx="8228880" cy="1871640"/>
+            <a:ext cx="8228520" cy="1871280"/>
           </a:xfrm>
           <a:prstGeom prst="rect">
             <a:avLst/>
@@ -22834,7 +22834,7 @@
             <a:noAutofit/>
           </a:bodyPr>
           <a:p>
-            <a:pPr marL="343080" indent="-342360">
+            <a:pPr marL="343080" indent="-342000">
               <a:lnSpc>
                 <a:spcPct val="200000"/>
               </a:lnSpc>
@@ -22882,7 +22882,7 @@
             </a:endParaRPr>
           </a:p>
           <a:p>
-            <a:pPr marL="343080" indent="-342360">
+            <a:pPr marL="343080" indent="-342000">
               <a:lnSpc>
                 <a:spcPct val="200000"/>
               </a:lnSpc>
@@ -22940,7 +22940,7 @@
         <p:spPr>
           <a:xfrm>
             <a:off x="827640" y="2370240"/>
-            <a:ext cx="8064000" cy="4691160"/>
+            <a:ext cx="8063640" cy="4690800"/>
           </a:xfrm>
           <a:prstGeom prst="rect">
             <a:avLst/>
@@ -23456,7 +23456,7 @@
         <p:spPr>
           <a:xfrm>
             <a:off x="457200" y="485640"/>
-            <a:ext cx="8228880" cy="1142280"/>
+            <a:ext cx="8228520" cy="1141920"/>
           </a:xfrm>
           <a:prstGeom prst="rect">
             <a:avLst/>
@@ -23517,7 +23517,7 @@
         <p:spPr>
           <a:xfrm>
             <a:off x="518760" y="1412640"/>
-            <a:ext cx="8228880" cy="935280"/>
+            <a:ext cx="8228520" cy="934920"/>
           </a:xfrm>
           <a:prstGeom prst="rect">
             <a:avLst/>
@@ -23538,7 +23538,7 @@
             <a:noAutofit/>
           </a:bodyPr>
           <a:p>
-            <a:pPr marL="343080" indent="-342360">
+            <a:pPr marL="343080" indent="-342000">
               <a:lnSpc>
                 <a:spcPct val="200000"/>
               </a:lnSpc>
@@ -23606,7 +23606,7 @@
         <p:spPr>
           <a:xfrm>
             <a:off x="425520" y="2058480"/>
-            <a:ext cx="8411400" cy="4062600"/>
+            <a:ext cx="8411040" cy="4062600"/>
           </a:xfrm>
           <a:prstGeom prst="rect">
             <a:avLst/>
@@ -24205,7 +24205,7 @@
         <p:spPr>
           <a:xfrm>
             <a:off x="457200" y="485640"/>
-            <a:ext cx="8228880" cy="1142280"/>
+            <a:ext cx="8228520" cy="1141920"/>
           </a:xfrm>
           <a:prstGeom prst="rect">
             <a:avLst/>
@@ -24276,7 +24276,7 @@
         <p:spPr>
           <a:xfrm>
             <a:off x="518760" y="1412640"/>
-            <a:ext cx="8228880" cy="4679640"/>
+            <a:ext cx="8228520" cy="4679280"/>
           </a:xfrm>
           <a:prstGeom prst="rect">
             <a:avLst/>
@@ -24297,7 +24297,7 @@
             <a:noAutofit/>
           </a:bodyPr>
           <a:p>
-            <a:pPr marL="343080" indent="-342360">
+            <a:pPr marL="343080" indent="-342000">
               <a:lnSpc>
                 <a:spcPct val="200000"/>
               </a:lnSpc>
@@ -24375,7 +24375,7 @@
             </a:endParaRPr>
           </a:p>
           <a:p>
-            <a:pPr marL="343080" indent="-342360">
+            <a:pPr marL="343080" indent="-342000">
               <a:lnSpc>
                 <a:spcPct val="200000"/>
               </a:lnSpc>
@@ -24403,7 +24403,7 @@
             </a:endParaRPr>
           </a:p>
           <a:p>
-            <a:pPr marL="343080" indent="-342360">
+            <a:pPr marL="343080" indent="-342000">
               <a:lnSpc>
                 <a:spcPct val="200000"/>
               </a:lnSpc>
@@ -24431,7 +24431,7 @@
             </a:endParaRPr>
           </a:p>
           <a:p>
-            <a:pPr marL="343080" indent="-342360">
+            <a:pPr marL="343080" indent="-342000">
               <a:lnSpc>
                 <a:spcPct val="200000"/>
               </a:lnSpc>
@@ -24459,7 +24459,7 @@
             </a:endParaRPr>
           </a:p>
           <a:p>
-            <a:pPr marL="343080" indent="-342360">
+            <a:pPr marL="343080" indent="-342000">
               <a:lnSpc>
                 <a:spcPct val="200000"/>
               </a:lnSpc>
@@ -24487,7 +24487,7 @@
             </a:endParaRPr>
           </a:p>
           <a:p>
-            <a:pPr marL="343080" indent="-342360">
+            <a:pPr marL="343080" indent="-342000">
               <a:lnSpc>
                 <a:spcPct val="200000"/>
               </a:lnSpc>
@@ -24515,7 +24515,7 @@
             </a:endParaRPr>
           </a:p>
           <a:p>
-            <a:pPr marL="343080" indent="-342360">
+            <a:pPr marL="343080" indent="-342000">
               <a:lnSpc>
                 <a:spcPct val="200000"/>
               </a:lnSpc>
@@ -24583,7 +24583,7 @@
         <p:spPr>
           <a:xfrm>
             <a:off x="457200" y="485640"/>
-            <a:ext cx="8228880" cy="1142280"/>
+            <a:ext cx="8228520" cy="1141920"/>
           </a:xfrm>
           <a:prstGeom prst="rect">
             <a:avLst/>
@@ -24654,7 +24654,7 @@
         <p:spPr>
           <a:xfrm>
             <a:off x="518760" y="1412640"/>
-            <a:ext cx="8228880" cy="2375640"/>
+            <a:ext cx="8228520" cy="2375280"/>
           </a:xfrm>
           <a:prstGeom prst="rect">
             <a:avLst/>
@@ -24675,7 +24675,7 @@
             <a:noAutofit/>
           </a:bodyPr>
           <a:p>
-            <a:pPr marL="343080" indent="-342360">
+            <a:pPr marL="343080" indent="-342000">
               <a:lnSpc>
                 <a:spcPct val="200000"/>
               </a:lnSpc>
@@ -24723,7 +24723,7 @@
             </a:endParaRPr>
           </a:p>
           <a:p>
-            <a:pPr marL="343080" indent="-342360">
+            <a:pPr marL="343080" indent="-342000">
               <a:lnSpc>
                 <a:spcPct val="200000"/>
               </a:lnSpc>
@@ -24751,7 +24751,7 @@
             </a:endParaRPr>
           </a:p>
           <a:p>
-            <a:pPr marL="343080" indent="-342360">
+            <a:pPr marL="343080" indent="-342000">
               <a:lnSpc>
                 <a:spcPct val="200000"/>
               </a:lnSpc>
@@ -24799,7 +24799,7 @@
         <p:spPr>
           <a:xfrm>
             <a:off x="1619640" y="3923640"/>
-            <a:ext cx="5904000" cy="2558520"/>
+            <a:ext cx="5903640" cy="2558520"/>
           </a:xfrm>
           <a:prstGeom prst="rect">
             <a:avLst/>
@@ -25180,7 +25180,7 @@
         <p:spPr>
           <a:xfrm>
             <a:off x="457200" y="485640"/>
-            <a:ext cx="8228880" cy="1142280"/>
+            <a:ext cx="8228520" cy="1141920"/>
           </a:xfrm>
           <a:prstGeom prst="rect">
             <a:avLst/>
@@ -25251,7 +25251,7 @@
         <p:spPr>
           <a:xfrm>
             <a:off x="518760" y="1412640"/>
-            <a:ext cx="8228880" cy="1367280"/>
+            <a:ext cx="8228520" cy="1366920"/>
           </a:xfrm>
           <a:prstGeom prst="rect">
             <a:avLst/>
@@ -25272,7 +25272,7 @@
             <a:noAutofit/>
           </a:bodyPr>
           <a:p>
-            <a:pPr marL="343080" indent="-342360">
+            <a:pPr marL="343080" indent="-342000">
               <a:lnSpc>
                 <a:spcPct val="200000"/>
               </a:lnSpc>
@@ -25330,7 +25330,7 @@
             </a:endParaRPr>
           </a:p>
           <a:p>
-            <a:pPr marL="343080" indent="-342360">
+            <a:pPr marL="343080" indent="-342000">
               <a:lnSpc>
                 <a:spcPct val="200000"/>
               </a:lnSpc>
@@ -25418,7 +25418,7 @@
         <p:spPr>
           <a:xfrm>
             <a:off x="611640" y="2668680"/>
-            <a:ext cx="2447640" cy="2974320"/>
+            <a:ext cx="2447280" cy="2973960"/>
           </a:xfrm>
           <a:prstGeom prst="rect">
             <a:avLst/>
@@ -25439,7 +25439,7 @@
             <a:spAutoFit/>
           </a:bodyPr>
           <a:p>
-            <a:pPr marL="343080" indent="-342360">
+            <a:pPr marL="343080" indent="-342000">
               <a:lnSpc>
                 <a:spcPct val="200000"/>
               </a:lnSpc>
@@ -25467,7 +25467,7 @@
             </a:endParaRPr>
           </a:p>
           <a:p>
-            <a:pPr marL="343080" indent="-342360">
+            <a:pPr marL="343080" indent="-342000">
               <a:lnSpc>
                 <a:spcPct val="150000"/>
               </a:lnSpc>
@@ -25571,7 +25571,7 @@
             </a:endParaRPr>
           </a:p>
           <a:p>
-            <a:pPr marL="343080" indent="-342360">
+            <a:pPr marL="343080" indent="-342000">
               <a:lnSpc>
                 <a:spcPct val="150000"/>
               </a:lnSpc>
@@ -25685,7 +25685,7 @@
         <p:spPr>
           <a:xfrm>
             <a:off x="2988000" y="2668680"/>
-            <a:ext cx="2807640" cy="3684960"/>
+            <a:ext cx="2807280" cy="3684600"/>
           </a:xfrm>
           <a:prstGeom prst="rect">
             <a:avLst/>
@@ -25706,7 +25706,7 @@
             <a:spAutoFit/>
           </a:bodyPr>
           <a:p>
-            <a:pPr marL="343080" indent="-342360">
+            <a:pPr marL="343080" indent="-342000">
               <a:lnSpc>
                 <a:spcPct val="200000"/>
               </a:lnSpc>
@@ -25734,7 +25734,7 @@
             </a:endParaRPr>
           </a:p>
           <a:p>
-            <a:pPr marL="343080" indent="-342360">
+            <a:pPr marL="343080" indent="-342000">
               <a:lnSpc>
                 <a:spcPct val="150000"/>
               </a:lnSpc>
@@ -25871,7 +25871,7 @@
             </a:endParaRPr>
           </a:p>
           <a:p>
-            <a:pPr marL="343080" indent="-342360">
+            <a:pPr marL="343080" indent="-342000">
               <a:lnSpc>
                 <a:spcPct val="150000"/>
               </a:lnSpc>
@@ -26018,7 +26018,7 @@
         <p:spPr>
           <a:xfrm>
             <a:off x="5652000" y="2650680"/>
-            <a:ext cx="3167640" cy="2974320"/>
+            <a:ext cx="3167280" cy="2973960"/>
           </a:xfrm>
           <a:prstGeom prst="rect">
             <a:avLst/>
@@ -26039,7 +26039,7 @@
             <a:spAutoFit/>
           </a:bodyPr>
           <a:p>
-            <a:pPr marL="343080" indent="-342360">
+            <a:pPr marL="343080" indent="-342000">
               <a:lnSpc>
                 <a:spcPct val="200000"/>
               </a:lnSpc>
@@ -26067,7 +26067,7 @@
             </a:endParaRPr>
           </a:p>
           <a:p>
-            <a:pPr marL="343080" indent="-342360">
+            <a:pPr marL="343080" indent="-342000">
               <a:lnSpc>
                 <a:spcPct val="150000"/>
               </a:lnSpc>
@@ -26171,7 +26171,7 @@
             </a:endParaRPr>
           </a:p>
           <a:p>
-            <a:pPr marL="343080" indent="-342360">
+            <a:pPr marL="343080" indent="-342000">
               <a:lnSpc>
                 <a:spcPct val="150000"/>
               </a:lnSpc>
@@ -26315,7 +26315,7 @@
         <p:spPr>
           <a:xfrm>
             <a:off x="457200" y="485640"/>
-            <a:ext cx="8228880" cy="1142280"/>
+            <a:ext cx="8228520" cy="1141920"/>
           </a:xfrm>
           <a:prstGeom prst="rect">
             <a:avLst/>
@@ -26386,7 +26386,7 @@
         <p:spPr>
           <a:xfrm>
             <a:off x="611640" y="1358640"/>
-            <a:ext cx="2447640" cy="4050720"/>
+            <a:ext cx="2447280" cy="4050360"/>
           </a:xfrm>
           <a:prstGeom prst="rect">
             <a:avLst/>
@@ -26407,7 +26407,7 @@
             <a:spAutoFit/>
           </a:bodyPr>
           <a:p>
-            <a:pPr marL="343080" indent="-342360">
+            <a:pPr marL="343080" indent="-342000">
               <a:lnSpc>
                 <a:spcPct val="200000"/>
               </a:lnSpc>
@@ -26435,7 +26435,7 @@
             </a:endParaRPr>
           </a:p>
           <a:p>
-            <a:pPr marL="343080" indent="-342360">
+            <a:pPr marL="343080" indent="-342000">
               <a:lnSpc>
                 <a:spcPct val="150000"/>
               </a:lnSpc>
@@ -26572,7 +26572,7 @@
             </a:endParaRPr>
           </a:p>
           <a:p>
-            <a:pPr marL="343080" indent="-342360">
+            <a:pPr marL="343080" indent="-342000">
               <a:lnSpc>
                 <a:spcPct val="150000"/>
               </a:lnSpc>
@@ -26719,7 +26719,7 @@
         <p:spPr>
           <a:xfrm>
             <a:off x="3276000" y="1358640"/>
-            <a:ext cx="2807640" cy="5116680"/>
+            <a:ext cx="2807280" cy="5116320"/>
           </a:xfrm>
           <a:prstGeom prst="rect">
             <a:avLst/>
@@ -26740,7 +26740,7 @@
             <a:spAutoFit/>
           </a:bodyPr>
           <a:p>
-            <a:pPr marL="343080" indent="-342360">
+            <a:pPr marL="343080" indent="-342000">
               <a:lnSpc>
                 <a:spcPct val="200000"/>
               </a:lnSpc>
@@ -26768,7 +26768,7 @@
             </a:endParaRPr>
           </a:p>
           <a:p>
-            <a:pPr marL="343080" indent="-342360">
+            <a:pPr marL="343080" indent="-342000">
               <a:lnSpc>
                 <a:spcPct val="150000"/>
               </a:lnSpc>
@@ -26938,7 +26938,7 @@
             </a:endParaRPr>
           </a:p>
           <a:p>
-            <a:pPr marL="343080" indent="-342360">
+            <a:pPr marL="343080" indent="-342000">
               <a:lnSpc>
                 <a:spcPct val="150000"/>
               </a:lnSpc>
@@ -27151,7 +27151,7 @@
         <p:spPr>
           <a:xfrm>
             <a:off x="6012000" y="1340640"/>
-            <a:ext cx="2591640" cy="4050720"/>
+            <a:ext cx="2591280" cy="4050360"/>
           </a:xfrm>
           <a:prstGeom prst="rect">
             <a:avLst/>
@@ -27172,7 +27172,7 @@
             <a:spAutoFit/>
           </a:bodyPr>
           <a:p>
-            <a:pPr marL="343080" indent="-342360">
+            <a:pPr marL="343080" indent="-342000">
               <a:lnSpc>
                 <a:spcPct val="200000"/>
               </a:lnSpc>
@@ -27200,7 +27200,7 @@
             </a:endParaRPr>
           </a:p>
           <a:p>
-            <a:pPr marL="343080" indent="-342360">
+            <a:pPr marL="343080" indent="-342000">
               <a:lnSpc>
                 <a:spcPct val="150000"/>
               </a:lnSpc>
@@ -27370,7 +27370,7 @@
             </a:endParaRPr>
           </a:p>
           <a:p>
-            <a:pPr marL="343080" indent="-342360">
+            <a:pPr marL="343080" indent="-342000">
               <a:lnSpc>
                 <a:spcPct val="150000"/>
               </a:lnSpc>
@@ -27514,7 +27514,7 @@
         <p:spPr>
           <a:xfrm>
             <a:off x="457200" y="485640"/>
-            <a:ext cx="8228880" cy="1142280"/>
+            <a:ext cx="8228520" cy="1141920"/>
           </a:xfrm>
           <a:prstGeom prst="rect">
             <a:avLst/>
@@ -27575,7 +27575,7 @@
         <p:spPr>
           <a:xfrm>
             <a:off x="518760" y="1412640"/>
-            <a:ext cx="8228880" cy="647280"/>
+            <a:ext cx="8228520" cy="646920"/>
           </a:xfrm>
           <a:prstGeom prst="rect">
             <a:avLst/>
@@ -27596,7 +27596,7 @@
             <a:noAutofit/>
           </a:bodyPr>
           <a:p>
-            <a:pPr marL="343080" indent="-342360">
+            <a:pPr marL="343080" indent="-342000">
               <a:lnSpc>
                 <a:spcPct val="200000"/>
               </a:lnSpc>
@@ -27654,7 +27654,7 @@
         <p:spPr>
           <a:xfrm>
             <a:off x="518760" y="3789000"/>
-            <a:ext cx="8228880" cy="647280"/>
+            <a:ext cx="8228520" cy="646920"/>
           </a:xfrm>
           <a:prstGeom prst="rect">
             <a:avLst/>
@@ -27675,7 +27675,7 @@
             <a:noAutofit/>
           </a:bodyPr>
           <a:p>
-            <a:pPr marL="343080" indent="-342360">
+            <a:pPr marL="343080" indent="-342000">
               <a:lnSpc>
                 <a:spcPct val="200000"/>
               </a:lnSpc>
@@ -27733,7 +27733,7 @@
         <p:spPr>
           <a:xfrm>
             <a:off x="898920" y="1998720"/>
-            <a:ext cx="7496280" cy="1802520"/>
+            <a:ext cx="7495920" cy="1802160"/>
           </a:xfrm>
           <a:prstGeom prst="rect">
             <a:avLst/>
@@ -27947,7 +27947,7 @@
         <p:spPr>
           <a:xfrm>
             <a:off x="950040" y="4374720"/>
-            <a:ext cx="6124680" cy="1802520"/>
+            <a:ext cx="6124320" cy="1802160"/>
           </a:xfrm>
           <a:prstGeom prst="rect">
             <a:avLst/>
@@ -28191,7 +28191,7 @@
         <p:spPr>
           <a:xfrm>
             <a:off x="457200" y="485640"/>
-            <a:ext cx="8228880" cy="1142280"/>
+            <a:ext cx="8228520" cy="1141920"/>
           </a:xfrm>
           <a:prstGeom prst="rect">
             <a:avLst/>
@@ -28262,7 +28262,7 @@
         <p:spPr>
           <a:xfrm>
             <a:off x="518760" y="1412640"/>
-            <a:ext cx="8228880" cy="3959640"/>
+            <a:ext cx="8228520" cy="3959280"/>
           </a:xfrm>
           <a:prstGeom prst="rect">
             <a:avLst/>
@@ -28283,7 +28283,7 @@
             <a:noAutofit/>
           </a:bodyPr>
           <a:p>
-            <a:pPr marL="343080" indent="-342360">
+            <a:pPr marL="343080" indent="-342000">
               <a:lnSpc>
                 <a:spcPct val="200000"/>
               </a:lnSpc>
@@ -28351,7 +28351,7 @@
             </a:endParaRPr>
           </a:p>
           <a:p>
-            <a:pPr marL="343080" indent="-342360">
+            <a:pPr marL="343080" indent="-342000">
               <a:lnSpc>
                 <a:spcPct val="200000"/>
               </a:lnSpc>
@@ -28379,7 +28379,7 @@
             </a:endParaRPr>
           </a:p>
           <a:p>
-            <a:pPr marL="343080" indent="-342360">
+            <a:pPr marL="343080" indent="-342000">
               <a:lnSpc>
                 <a:spcPct val="200000"/>
               </a:lnSpc>
@@ -28547,7 +28547,7 @@
         <p:spPr>
           <a:xfrm>
             <a:off x="457200" y="485640"/>
-            <a:ext cx="8228880" cy="1142280"/>
+            <a:ext cx="8228520" cy="1141920"/>
           </a:xfrm>
           <a:prstGeom prst="rect">
             <a:avLst/>
@@ -28618,7 +28618,7 @@
         <p:spPr>
           <a:xfrm>
             <a:off x="518760" y="1412640"/>
-            <a:ext cx="8228880" cy="2447640"/>
+            <a:ext cx="8228520" cy="2447280"/>
           </a:xfrm>
           <a:prstGeom prst="rect">
             <a:avLst/>
@@ -28639,7 +28639,7 @@
             <a:noAutofit/>
           </a:bodyPr>
           <a:p>
-            <a:pPr marL="343080" indent="-342360">
+            <a:pPr marL="343080" indent="-342000">
               <a:lnSpc>
                 <a:spcPct val="200000"/>
               </a:lnSpc>
@@ -28707,7 +28707,7 @@
             </a:endParaRPr>
           </a:p>
           <a:p>
-            <a:pPr marL="343080" indent="-342360">
+            <a:pPr marL="343080" indent="-342000">
               <a:lnSpc>
                 <a:spcPct val="200000"/>
               </a:lnSpc>
@@ -28795,7 +28795,7 @@
             </a:endParaRPr>
           </a:p>
           <a:p>
-            <a:pPr marL="343080" indent="-342360">
+            <a:pPr marL="343080" indent="-342000">
               <a:lnSpc>
                 <a:spcPct val="200000"/>
               </a:lnSpc>
@@ -28843,7 +28843,7 @@
         <p:spPr>
           <a:xfrm>
             <a:off x="1326240" y="3985200"/>
-            <a:ext cx="6353280" cy="2372760"/>
+            <a:ext cx="6352920" cy="2372400"/>
           </a:xfrm>
           <a:prstGeom prst="rect">
             <a:avLst/>
@@ -29040,7 +29040,7 @@
         <p:spPr>
           <a:xfrm>
             <a:off x="457200" y="485640"/>
-            <a:ext cx="8228880" cy="1142280"/>
+            <a:ext cx="8228520" cy="1141920"/>
           </a:xfrm>
           <a:prstGeom prst="rect">
             <a:avLst/>
@@ -29111,7 +29111,7 @@
         <p:spPr>
           <a:xfrm>
             <a:off x="518760" y="1340640"/>
-            <a:ext cx="8228880" cy="2951640"/>
+            <a:ext cx="8228520" cy="2951280"/>
           </a:xfrm>
           <a:prstGeom prst="rect">
             <a:avLst/>
@@ -29132,7 +29132,7 @@
             <a:noAutofit/>
           </a:bodyPr>
           <a:p>
-            <a:pPr marL="343080" indent="-342360">
+            <a:pPr marL="343080" indent="-342000">
               <a:lnSpc>
                 <a:spcPct val="200000"/>
               </a:lnSpc>
@@ -29200,7 +29200,7 @@
             </a:endParaRPr>
           </a:p>
           <a:p>
-            <a:pPr marL="343080" indent="-342360">
+            <a:pPr marL="343080" indent="-342000">
               <a:lnSpc>
                 <a:spcPct val="200000"/>
               </a:lnSpc>
@@ -29268,7 +29268,7 @@
             </a:endParaRPr>
           </a:p>
           <a:p>
-            <a:pPr marL="343080" indent="-342360">
+            <a:pPr marL="343080" indent="-342000">
               <a:lnSpc>
                 <a:spcPct val="200000"/>
               </a:lnSpc>
@@ -29336,7 +29336,7 @@
         <p:spPr>
           <a:xfrm>
             <a:off x="649440" y="4223520"/>
-            <a:ext cx="7953840" cy="2144880"/>
+            <a:ext cx="7953480" cy="2144520"/>
           </a:xfrm>
           <a:prstGeom prst="rect">
             <a:avLst/>
@@ -29594,7 +29594,7 @@
         <p:spPr>
           <a:xfrm>
             <a:off x="457200" y="485640"/>
-            <a:ext cx="8228880" cy="1142280"/>
+            <a:ext cx="8228520" cy="1141920"/>
           </a:xfrm>
           <a:prstGeom prst="rect">
             <a:avLst/>
@@ -29665,7 +29665,7 @@
         <p:spPr>
           <a:xfrm>
             <a:off x="518760" y="1412640"/>
-            <a:ext cx="8228880" cy="1943640"/>
+            <a:ext cx="8228520" cy="1943280"/>
           </a:xfrm>
           <a:prstGeom prst="rect">
             <a:avLst/>
@@ -29686,7 +29686,7 @@
             <a:noAutofit/>
           </a:bodyPr>
           <a:p>
-            <a:pPr marL="343080" indent="-342360">
+            <a:pPr marL="343080" indent="-342000">
               <a:lnSpc>
                 <a:spcPct val="200000"/>
               </a:lnSpc>
@@ -29754,7 +29754,7 @@
             </a:endParaRPr>
           </a:p>
           <a:p>
-            <a:pPr marL="343080" indent="-342360">
+            <a:pPr marL="343080" indent="-342000">
               <a:lnSpc>
                 <a:spcPct val="200000"/>
               </a:lnSpc>
@@ -29816,7 +29816,7 @@
         <p:spPr>
           <a:xfrm>
             <a:off x="1475640" y="3194280"/>
-            <a:ext cx="6048000" cy="3186360"/>
+            <a:ext cx="6047640" cy="3186000"/>
           </a:xfrm>
           <a:prstGeom prst="rect">
             <a:avLst/>
@@ -29865,7 +29865,7 @@
         <p:spPr>
           <a:xfrm>
             <a:off x="457200" y="485640"/>
-            <a:ext cx="8228880" cy="1142280"/>
+            <a:ext cx="8228520" cy="1141920"/>
           </a:xfrm>
           <a:prstGeom prst="rect">
             <a:avLst/>
@@ -29936,7 +29936,7 @@
         <p:spPr>
           <a:xfrm>
             <a:off x="518760" y="1412640"/>
-            <a:ext cx="8228880" cy="4896000"/>
+            <a:ext cx="8228520" cy="4895640"/>
           </a:xfrm>
           <a:prstGeom prst="rect">
             <a:avLst/>
@@ -29957,7 +29957,7 @@
             <a:noAutofit/>
           </a:bodyPr>
           <a:p>
-            <a:pPr marL="343080" indent="-342360">
+            <a:pPr marL="343080" indent="-342000">
               <a:lnSpc>
                 <a:spcPct val="200000"/>
               </a:lnSpc>
@@ -29995,7 +29995,7 @@
             </a:endParaRPr>
           </a:p>
           <a:p>
-            <a:pPr lvl="1" marL="743040" indent="-285120">
+            <a:pPr lvl="1" marL="743040" indent="-284760">
               <a:lnSpc>
                 <a:spcPct val="200000"/>
               </a:lnSpc>
@@ -30023,7 +30023,7 @@
             </a:endParaRPr>
           </a:p>
           <a:p>
-            <a:pPr lvl="1" marL="743040" indent="-285120">
+            <a:pPr lvl="1" marL="743040" indent="-284760">
               <a:lnSpc>
                 <a:spcPct val="200000"/>
               </a:lnSpc>
@@ -30051,7 +30051,7 @@
             </a:endParaRPr>
           </a:p>
           <a:p>
-            <a:pPr lvl="1" marL="743040" indent="-285120">
+            <a:pPr lvl="1" marL="743040" indent="-284760">
               <a:lnSpc>
                 <a:spcPct val="200000"/>
               </a:lnSpc>
@@ -30079,7 +30079,7 @@
             </a:endParaRPr>
           </a:p>
           <a:p>
-            <a:pPr marL="343080" indent="-342360">
+            <a:pPr marL="343080" indent="-342000">
               <a:lnSpc>
                 <a:spcPct val="200000"/>
               </a:lnSpc>
@@ -30117,7 +30117,7 @@
             </a:endParaRPr>
           </a:p>
           <a:p>
-            <a:pPr lvl="1" marL="743040" indent="-285120">
+            <a:pPr lvl="1" marL="743040" indent="-284760">
               <a:lnSpc>
                 <a:spcPct val="200000"/>
               </a:lnSpc>
@@ -30185,7 +30185,7 @@
             </a:endParaRPr>
           </a:p>
           <a:p>
-            <a:pPr lvl="1" marL="743040" indent="-285120">
+            <a:pPr lvl="1" marL="743040" indent="-284760">
               <a:lnSpc>
                 <a:spcPct val="200000"/>
               </a:lnSpc>
@@ -30233,7 +30233,7 @@
             </a:endParaRPr>
           </a:p>
           <a:p>
-            <a:pPr lvl="1" marL="743040" indent="-285120">
+            <a:pPr lvl="1" marL="743040" indent="-284760">
               <a:lnSpc>
                 <a:spcPct val="200000"/>
               </a:lnSpc>
@@ -30321,7 +30321,7 @@
         <p:spPr>
           <a:xfrm>
             <a:off x="457200" y="485640"/>
-            <a:ext cx="8228880" cy="1142280"/>
+            <a:ext cx="8228520" cy="1141920"/>
           </a:xfrm>
           <a:prstGeom prst="rect">
             <a:avLst/>
@@ -30392,7 +30392,7 @@
         <p:spPr>
           <a:xfrm>
             <a:off x="518760" y="1412640"/>
-            <a:ext cx="8228880" cy="2015640"/>
+            <a:ext cx="8228520" cy="2015280"/>
           </a:xfrm>
           <a:prstGeom prst="rect">
             <a:avLst/>
@@ -30413,7 +30413,7 @@
             <a:noAutofit/>
           </a:bodyPr>
           <a:p>
-            <a:pPr marL="343080" indent="-342360">
+            <a:pPr marL="343080" indent="-342000">
               <a:lnSpc>
                 <a:spcPct val="200000"/>
               </a:lnSpc>
@@ -30481,7 +30481,7 @@
             </a:endParaRPr>
           </a:p>
           <a:p>
-            <a:pPr marL="343080" indent="-342360">
+            <a:pPr marL="343080" indent="-342000">
               <a:lnSpc>
                 <a:spcPct val="200000"/>
               </a:lnSpc>
@@ -30543,7 +30543,7 @@
         <p:spPr>
           <a:xfrm>
             <a:off x="1691640" y="3213000"/>
-            <a:ext cx="6048000" cy="3095640"/>
+            <a:ext cx="6047640" cy="3095280"/>
           </a:xfrm>
           <a:prstGeom prst="rect">
             <a:avLst/>
@@ -30592,7 +30592,7 @@
         <p:spPr>
           <a:xfrm>
             <a:off x="457200" y="485640"/>
-            <a:ext cx="8228880" cy="1142280"/>
+            <a:ext cx="8228520" cy="1141920"/>
           </a:xfrm>
           <a:prstGeom prst="rect">
             <a:avLst/>
@@ -30663,7 +30663,7 @@
         <p:spPr>
           <a:xfrm>
             <a:off x="518760" y="1412640"/>
-            <a:ext cx="8228880" cy="4896000"/>
+            <a:ext cx="8228520" cy="4895640"/>
           </a:xfrm>
           <a:prstGeom prst="rect">
             <a:avLst/>
@@ -30684,7 +30684,7 @@
             <a:noAutofit/>
           </a:bodyPr>
           <a:p>
-            <a:pPr marL="343080" indent="-342360">
+            <a:pPr marL="343080" indent="-342000">
               <a:lnSpc>
                 <a:spcPct val="200000"/>
               </a:lnSpc>
@@ -30722,7 +30722,7 @@
             </a:endParaRPr>
           </a:p>
           <a:p>
-            <a:pPr lvl="1" marL="743040" indent="-285120">
+            <a:pPr lvl="1" marL="743040" indent="-284760">
               <a:lnSpc>
                 <a:spcPct val="200000"/>
               </a:lnSpc>
@@ -30750,7 +30750,7 @@
             </a:endParaRPr>
           </a:p>
           <a:p>
-            <a:pPr lvl="1" marL="743040" indent="-285120">
+            <a:pPr lvl="1" marL="743040" indent="-284760">
               <a:lnSpc>
                 <a:spcPct val="200000"/>
               </a:lnSpc>
@@ -30778,7 +30778,7 @@
             </a:endParaRPr>
           </a:p>
           <a:p>
-            <a:pPr lvl="1" marL="743040" indent="-285120">
+            <a:pPr lvl="1" marL="743040" indent="-284760">
               <a:lnSpc>
                 <a:spcPct val="200000"/>
               </a:lnSpc>
@@ -30806,7 +30806,7 @@
             </a:endParaRPr>
           </a:p>
           <a:p>
-            <a:pPr marL="343080" indent="-342360">
+            <a:pPr marL="343080" indent="-342000">
               <a:lnSpc>
                 <a:spcPct val="200000"/>
               </a:lnSpc>
@@ -30854,7 +30854,7 @@
             </a:endParaRPr>
           </a:p>
           <a:p>
-            <a:pPr lvl="1" marL="743040" indent="-285120">
+            <a:pPr lvl="1" marL="743040" indent="-284760">
               <a:lnSpc>
                 <a:spcPct val="200000"/>
               </a:lnSpc>
@@ -30922,7 +30922,7 @@
             </a:endParaRPr>
           </a:p>
           <a:p>
-            <a:pPr lvl="1" marL="743040" indent="-285120">
+            <a:pPr lvl="1" marL="743040" indent="-284760">
               <a:lnSpc>
                 <a:spcPct val="200000"/>
               </a:lnSpc>
@@ -30970,7 +30970,7 @@
             </a:endParaRPr>
           </a:p>
           <a:p>
-            <a:pPr lvl="1" marL="743040" indent="-285120">
+            <a:pPr lvl="1" marL="743040" indent="-284760">
               <a:lnSpc>
                 <a:spcPct val="200000"/>
               </a:lnSpc>
@@ -31058,7 +31058,7 @@
         <p:spPr>
           <a:xfrm>
             <a:off x="3132000" y="2565000"/>
-            <a:ext cx="2807640" cy="1308960"/>
+            <a:ext cx="2807280" cy="1308600"/>
           </a:xfrm>
           <a:prstGeom prst="rect">
             <a:avLst/>
@@ -31139,7 +31139,7 @@
         <p:spPr>
           <a:xfrm>
             <a:off x="457200" y="485640"/>
-            <a:ext cx="8228880" cy="1142280"/>
+            <a:ext cx="8228520" cy="1141920"/>
           </a:xfrm>
           <a:prstGeom prst="rect">
             <a:avLst/>
@@ -31210,7 +31210,7 @@
         <p:spPr>
           <a:xfrm>
             <a:off x="518760" y="1412640"/>
-            <a:ext cx="8228880" cy="4535640"/>
+            <a:ext cx="8228520" cy="4535280"/>
           </a:xfrm>
           <a:prstGeom prst="rect">
             <a:avLst/>
@@ -31231,7 +31231,7 @@
             <a:noAutofit/>
           </a:bodyPr>
           <a:p>
-            <a:pPr marL="343080" indent="-342360">
+            <a:pPr marL="343080" indent="-342000">
               <a:lnSpc>
                 <a:spcPct val="200000"/>
               </a:lnSpc>
@@ -31309,7 +31309,7 @@
             </a:endParaRPr>
           </a:p>
           <a:p>
-            <a:pPr marL="343080" indent="-342360">
+            <a:pPr marL="343080" indent="-342000">
               <a:lnSpc>
                 <a:spcPct val="200000"/>
               </a:lnSpc>
@@ -31437,7 +31437,7 @@
             </a:endParaRPr>
           </a:p>
           <a:p>
-            <a:pPr marL="343080" indent="-342360">
+            <a:pPr marL="343080" indent="-342000">
               <a:lnSpc>
                 <a:spcPct val="200000"/>
               </a:lnSpc>
@@ -31485,7 +31485,7 @@
             </a:endParaRPr>
           </a:p>
           <a:p>
-            <a:pPr marL="343080" indent="-342360">
+            <a:pPr marL="343080" indent="-342000">
               <a:lnSpc>
                 <a:spcPct val="200000"/>
               </a:lnSpc>
@@ -31553,7 +31553,7 @@
             </a:endParaRPr>
           </a:p>
           <a:p>
-            <a:pPr marL="343080" indent="-342360">
+            <a:pPr marL="343080" indent="-342000">
               <a:lnSpc>
                 <a:spcPct val="200000"/>
               </a:lnSpc>
@@ -31681,7 +31681,7 @@
         <p:spPr>
           <a:xfrm>
             <a:off x="457200" y="485640"/>
-            <a:ext cx="8228880" cy="1142280"/>
+            <a:ext cx="8228520" cy="1141920"/>
           </a:xfrm>
           <a:prstGeom prst="rect">
             <a:avLst/>
@@ -31732,7 +31732,7 @@
         <p:spPr>
           <a:xfrm>
             <a:off x="518760" y="1412640"/>
-            <a:ext cx="8228880" cy="1511280"/>
+            <a:ext cx="8228520" cy="1510920"/>
           </a:xfrm>
           <a:prstGeom prst="rect">
             <a:avLst/>
@@ -31753,7 +31753,7 @@
             <a:noAutofit/>
           </a:bodyPr>
           <a:p>
-            <a:pPr marL="343080" indent="-342360">
+            <a:pPr marL="343080" indent="-342000">
               <a:lnSpc>
                 <a:spcPct val="200000"/>
               </a:lnSpc>
@@ -31861,7 +31861,7 @@
         <p:spPr>
           <a:xfrm>
             <a:off x="1307160" y="2832120"/>
-            <a:ext cx="6170400" cy="2372760"/>
+            <a:ext cx="6170040" cy="2372400"/>
           </a:xfrm>
           <a:prstGeom prst="rect">
             <a:avLst/>
@@ -32137,7 +32137,7 @@
         <p:spPr>
           <a:xfrm>
             <a:off x="457200" y="485640"/>
-            <a:ext cx="8228880" cy="1142280"/>
+            <a:ext cx="8228520" cy="1141920"/>
           </a:xfrm>
           <a:prstGeom prst="rect">
             <a:avLst/>
@@ -32188,7 +32188,7 @@
         <p:spPr>
           <a:xfrm>
             <a:off x="518760" y="1412640"/>
-            <a:ext cx="8372880" cy="863280"/>
+            <a:ext cx="8372520" cy="862920"/>
           </a:xfrm>
           <a:prstGeom prst="rect">
             <a:avLst/>
@@ -32209,7 +32209,7 @@
             <a:noAutofit/>
           </a:bodyPr>
           <a:p>
-            <a:pPr marL="343080" indent="-342360">
+            <a:pPr marL="343080" indent="-342000">
               <a:lnSpc>
                 <a:spcPct val="200000"/>
               </a:lnSpc>
@@ -32267,7 +32267,7 @@
         <p:spPr>
           <a:xfrm>
             <a:off x="971640" y="2154600"/>
-            <a:ext cx="7344000" cy="3856680"/>
+            <a:ext cx="7343640" cy="3856320"/>
           </a:xfrm>
           <a:prstGeom prst="rect">
             <a:avLst/>
@@ -32829,7 +32829,7 @@
         <p:spPr>
           <a:xfrm>
             <a:off x="457200" y="485640"/>
-            <a:ext cx="8228880" cy="1142280"/>
+            <a:ext cx="8228520" cy="1141920"/>
           </a:xfrm>
           <a:prstGeom prst="rect">
             <a:avLst/>
@@ -32900,7 +32900,7 @@
         <p:spPr>
           <a:xfrm>
             <a:off x="518760" y="1412640"/>
-            <a:ext cx="8228880" cy="3887640"/>
+            <a:ext cx="8228520" cy="3887280"/>
           </a:xfrm>
           <a:prstGeom prst="rect">
             <a:avLst/>
@@ -32921,7 +32921,7 @@
             <a:noAutofit/>
           </a:bodyPr>
           <a:p>
-            <a:pPr marL="343080" indent="-342360">
+            <a:pPr marL="343080" indent="-342000">
               <a:lnSpc>
                 <a:spcPct val="200000"/>
               </a:lnSpc>
@@ -33009,7 +33009,7 @@
             </a:endParaRPr>
           </a:p>
           <a:p>
-            <a:pPr marL="343080" indent="-342360">
+            <a:pPr marL="343080" indent="-342000">
               <a:lnSpc>
                 <a:spcPct val="200000"/>
               </a:lnSpc>
@@ -33107,7 +33107,7 @@
             </a:endParaRPr>
           </a:p>
           <a:p>
-            <a:pPr marL="343080" indent="-342360">
+            <a:pPr marL="343080" indent="-342000">
               <a:lnSpc>
                 <a:spcPct val="200000"/>
               </a:lnSpc>
@@ -33145,7 +33145,7 @@
         <p:spPr>
           <a:xfrm>
             <a:off x="1403640" y="4397400"/>
-            <a:ext cx="6477480" cy="1916280"/>
+            <a:ext cx="6477120" cy="1915920"/>
           </a:xfrm>
           <a:prstGeom prst="rect">
             <a:avLst/>

--- a/slides/9_Table API 和 Flink SQL.pptx
+++ b/slides/9_Table API 和 Flink SQL.pptx
@@ -296,7 +296,7 @@
           </a:bodyPr>
           <a:p>
             <a:pPr algn="r"/>
-            <a:fld id="{A11552B6-212D-4C2A-A081-A065E8E62901}" type="slidenum">
+            <a:fld id="{A745CCAA-0C20-42D9-A23B-771B35A2B715}" type="slidenum">
               <a:rPr b="0" lang="en-US" sz="1400" spc="-1" strike="noStrike">
                 <a:latin typeface="Times New Roman"/>
               </a:rPr>
@@ -344,7 +344,7 @@
         <p:spPr>
           <a:xfrm>
             <a:off x="993600" y="768240"/>
-            <a:ext cx="5117040" cy="3837600"/>
+            <a:ext cx="5116680" cy="3837240"/>
           </a:xfrm>
           <a:prstGeom prst="rect">
             <a:avLst/>
@@ -364,7 +364,7 @@
         <p:spPr>
           <a:xfrm>
             <a:off x="710640" y="4862160"/>
-            <a:ext cx="5683320" cy="4605120"/>
+            <a:ext cx="5682960" cy="4604760"/>
           </a:xfrm>
           <a:prstGeom prst="rect">
             <a:avLst/>
@@ -390,7 +390,7 @@
         <p:spPr>
           <a:xfrm>
             <a:off x="4024800" y="9722520"/>
-            <a:ext cx="3078000" cy="510840"/>
+            <a:ext cx="3077640" cy="510480"/>
           </a:xfrm>
           <a:prstGeom prst="rect">
             <a:avLst/>
@@ -416,7 +416,7 @@
                 <a:spcPct val="100000"/>
               </a:lnSpc>
             </a:pPr>
-            <a:fld id="{7419682E-128B-4327-94D5-B9B044C81A39}" type="slidenum">
+            <a:fld id="{8FFF19A0-83D2-42D5-83F9-3F67C1AEDEFC}" type="slidenum">
               <a:rPr b="0" lang="en-US" sz="1300" spc="-1" strike="noStrike">
                 <a:solidFill>
                   <a:srgbClr val="000000"/>
@@ -467,7 +467,7 @@
         <p:spPr>
           <a:xfrm>
             <a:off x="1421280" y="1279440"/>
-            <a:ext cx="4262400" cy="3453480"/>
+            <a:ext cx="4262040" cy="3453120"/>
           </a:xfrm>
           <a:prstGeom prst="rect">
             <a:avLst/>
@@ -487,7 +487,7 @@
         <p:spPr>
           <a:xfrm>
             <a:off x="710640" y="4862160"/>
-            <a:ext cx="5683320" cy="4605120"/>
+            <a:ext cx="5682960" cy="4604760"/>
           </a:xfrm>
           <a:prstGeom prst="rect">
             <a:avLst/>
@@ -513,7 +513,7 @@
         <p:spPr>
           <a:xfrm>
             <a:off x="4024800" y="9722520"/>
-            <a:ext cx="3078000" cy="510840"/>
+            <a:ext cx="3077640" cy="510480"/>
           </a:xfrm>
           <a:prstGeom prst="rect">
             <a:avLst/>
@@ -539,7 +539,7 @@
                 <a:spcPct val="100000"/>
               </a:lnSpc>
             </a:pPr>
-            <a:fld id="{C1477612-994D-4B5B-A6B9-B60BA0254E27}" type="slidenum">
+            <a:fld id="{C39C25D7-96E9-4AB7-A656-50FB09F59B10}" type="slidenum">
               <a:rPr b="0" lang="en-US" sz="1300" spc="-1" strike="noStrike">
                 <a:solidFill>
                   <a:srgbClr val="000000"/>
@@ -3312,7 +3312,7 @@
         <p:spPr>
           <a:xfrm>
             <a:off x="457200" y="273600"/>
-            <a:ext cx="8228880" cy="1144440"/>
+            <a:ext cx="8229240" cy="1144800"/>
           </a:xfrm>
           <a:prstGeom prst="rect">
             <a:avLst/>
@@ -3325,12 +3325,12 @@
           <a:p>
             <a:pPr algn="ctr"/>
             <a:r>
-              <a:rPr b="0" lang="zh-CN" sz="1800" spc="-1" strike="noStrike">
+              <a:rPr b="0" lang="zh-CN" sz="4400" spc="-1" strike="noStrike">
                 <a:latin typeface="Arial"/>
               </a:rPr>
               <a:t>点击鼠标编辑标题文字格式</a:t>
             </a:r>
-            <a:endParaRPr b="0" lang="en-US" sz="1800" spc="-1" strike="noStrike">
+            <a:endParaRPr b="0" lang="en-US" sz="4400" spc="-1" strike="noStrike">
               <a:latin typeface="Arial"/>
             </a:endParaRPr>
           </a:p>
@@ -3349,7 +3349,7 @@
         <p:spPr>
           <a:xfrm>
             <a:off x="457200" y="1604520"/>
-            <a:ext cx="8228880" cy="3976920"/>
+            <a:ext cx="8229240" cy="3977280"/>
           </a:xfrm>
           <a:prstGeom prst="rect">
             <a:avLst/>
@@ -3360,7 +3360,7 @@
             <a:normAutofit/>
           </a:bodyPr>
           <a:p>
-            <a:pPr marL="432000" indent="-324000" algn="ctr">
+            <a:pPr marL="432000" indent="-324000">
               <a:spcBef>
                 <a:spcPts val="1417"/>
               </a:spcBef>
@@ -3372,17 +3372,17 @@
               <a:buChar char=""/>
             </a:pPr>
             <a:r>
-              <a:rPr b="0" lang="zh-CN" sz="1800" spc="-1" strike="noStrike">
+              <a:rPr b="0" lang="zh-CN" sz="3200" spc="-1" strike="noStrike">
                 <a:latin typeface="Arial"/>
               </a:rPr>
               <a:t>点击鼠标编辑大纲文字格式</a:t>
             </a:r>
-            <a:endParaRPr b="0" lang="en-US" sz="1800" spc="-1" strike="noStrike">
-              <a:latin typeface="Arial"/>
-            </a:endParaRPr>
-          </a:p>
-          <a:p>
-            <a:pPr lvl="1" marL="864000" indent="-324000" algn="ctr">
+            <a:endParaRPr b="0" lang="en-US" sz="3200" spc="-1" strike="noStrike">
+              <a:latin typeface="Arial"/>
+            </a:endParaRPr>
+          </a:p>
+          <a:p>
+            <a:pPr lvl="1" marL="864000" indent="-324000">
               <a:spcBef>
                 <a:spcPts val="1134"/>
               </a:spcBef>
@@ -3394,17 +3394,17 @@
               <a:buChar char=""/>
             </a:pPr>
             <a:r>
-              <a:rPr b="0" lang="zh-CN" sz="1800" spc="-1" strike="noStrike">
+              <a:rPr b="0" lang="zh-CN" sz="2800" spc="-1" strike="noStrike">
                 <a:latin typeface="Arial"/>
               </a:rPr>
               <a:t>第二个大纲级</a:t>
             </a:r>
-            <a:endParaRPr b="0" lang="en-US" sz="1800" spc="-1" strike="noStrike">
-              <a:latin typeface="Arial"/>
-            </a:endParaRPr>
-          </a:p>
-          <a:p>
-            <a:pPr lvl="2" marL="1296000" indent="-288000" algn="ctr">
+            <a:endParaRPr b="0" lang="en-US" sz="2800" spc="-1" strike="noStrike">
+              <a:latin typeface="Arial"/>
+            </a:endParaRPr>
+          </a:p>
+          <a:p>
+            <a:pPr lvl="2" marL="1296000" indent="-288000">
               <a:spcBef>
                 <a:spcPts val="850"/>
               </a:spcBef>
@@ -3416,17 +3416,17 @@
               <a:buChar char=""/>
             </a:pPr>
             <a:r>
-              <a:rPr b="0" lang="zh-CN" sz="1800" spc="-1" strike="noStrike">
+              <a:rPr b="0" lang="zh-CN" sz="2400" spc="-1" strike="noStrike">
                 <a:latin typeface="Arial"/>
               </a:rPr>
               <a:t>第三大纲级别</a:t>
             </a:r>
-            <a:endParaRPr b="0" lang="en-US" sz="1800" spc="-1" strike="noStrike">
-              <a:latin typeface="Arial"/>
-            </a:endParaRPr>
-          </a:p>
-          <a:p>
-            <a:pPr lvl="3" marL="1728000" indent="-216000" algn="ctr">
+            <a:endParaRPr b="0" lang="en-US" sz="2400" spc="-1" strike="noStrike">
+              <a:latin typeface="Arial"/>
+            </a:endParaRPr>
+          </a:p>
+          <a:p>
+            <a:pPr lvl="3" marL="1728000" indent="-216000">
               <a:spcBef>
                 <a:spcPts val="567"/>
               </a:spcBef>
@@ -3438,17 +3438,17 @@
               <a:buChar char=""/>
             </a:pPr>
             <a:r>
-              <a:rPr b="0" lang="zh-CN" sz="1800" spc="-1" strike="noStrike">
+              <a:rPr b="0" lang="zh-CN" sz="2000" spc="-1" strike="noStrike">
                 <a:latin typeface="Arial"/>
               </a:rPr>
               <a:t>第四大纲级别</a:t>
             </a:r>
-            <a:endParaRPr b="0" lang="en-US" sz="1800" spc="-1" strike="noStrike">
-              <a:latin typeface="Arial"/>
-            </a:endParaRPr>
-          </a:p>
-          <a:p>
-            <a:pPr lvl="4" marL="2160000" indent="-216000" algn="ctr">
+            <a:endParaRPr b="0" lang="en-US" sz="2000" spc="-1" strike="noStrike">
+              <a:latin typeface="Arial"/>
+            </a:endParaRPr>
+          </a:p>
+          <a:p>
+            <a:pPr lvl="4" marL="2160000" indent="-216000">
               <a:spcBef>
                 <a:spcPts val="283"/>
               </a:spcBef>
@@ -3460,17 +3460,17 @@
               <a:buChar char=""/>
             </a:pPr>
             <a:r>
-              <a:rPr b="0" lang="zh-CN" sz="1800" spc="-1" strike="noStrike">
+              <a:rPr b="0" lang="zh-CN" sz="2000" spc="-1" strike="noStrike">
                 <a:latin typeface="Arial"/>
               </a:rPr>
               <a:t>第五大纲级别</a:t>
             </a:r>
-            <a:endParaRPr b="0" lang="en-US" sz="1800" spc="-1" strike="noStrike">
-              <a:latin typeface="Arial"/>
-            </a:endParaRPr>
-          </a:p>
-          <a:p>
-            <a:pPr lvl="5" marL="2592000" indent="-216000" algn="ctr">
+            <a:endParaRPr b="0" lang="en-US" sz="2000" spc="-1" strike="noStrike">
+              <a:latin typeface="Arial"/>
+            </a:endParaRPr>
+          </a:p>
+          <a:p>
+            <a:pPr lvl="5" marL="2592000" indent="-216000">
               <a:spcBef>
                 <a:spcPts val="283"/>
               </a:spcBef>
@@ -3482,17 +3482,17 @@
               <a:buChar char=""/>
             </a:pPr>
             <a:r>
-              <a:rPr b="0" lang="zh-CN" sz="1800" spc="-1" strike="noStrike">
+              <a:rPr b="0" lang="zh-CN" sz="2000" spc="-1" strike="noStrike">
                 <a:latin typeface="Arial"/>
               </a:rPr>
               <a:t>第六大纲级别</a:t>
             </a:r>
-            <a:endParaRPr b="0" lang="en-US" sz="1800" spc="-1" strike="noStrike">
-              <a:latin typeface="Arial"/>
-            </a:endParaRPr>
-          </a:p>
-          <a:p>
-            <a:pPr lvl="6" marL="3024000" indent="-216000" algn="ctr">
+            <a:endParaRPr b="0" lang="en-US" sz="2000" spc="-1" strike="noStrike">
+              <a:latin typeface="Arial"/>
+            </a:endParaRPr>
+          </a:p>
+          <a:p>
+            <a:pPr lvl="6" marL="3024000" indent="-216000">
               <a:spcBef>
                 <a:spcPts val="283"/>
               </a:spcBef>
@@ -3504,12 +3504,12 @@
               <a:buChar char=""/>
             </a:pPr>
             <a:r>
-              <a:rPr b="0" lang="zh-CN" sz="1800" spc="-1" strike="noStrike">
+              <a:rPr b="0" lang="zh-CN" sz="2000" spc="-1" strike="noStrike">
                 <a:latin typeface="Arial"/>
               </a:rPr>
               <a:t>第七大纲级别</a:t>
             </a:r>
-            <a:endParaRPr b="0" lang="en-US" sz="1800" spc="-1" strike="noStrike">
+            <a:endParaRPr b="0" lang="en-US" sz="2000" spc="-1" strike="noStrike">
               <a:latin typeface="Arial"/>
             </a:endParaRPr>
           </a:p>
@@ -3824,7 +3824,7 @@
         <p:spPr>
           <a:xfrm>
             <a:off x="323640" y="5589360"/>
-            <a:ext cx="3332160" cy="648720"/>
+            <a:ext cx="3331800" cy="648360"/>
           </a:xfrm>
           <a:prstGeom prst="rect">
             <a:avLst/>
@@ -3850,7 +3850,7 @@
         <p:spPr>
           <a:xfrm>
             <a:off x="685800" y="1889280"/>
-            <a:ext cx="7771320" cy="2042640"/>
+            <a:ext cx="7770960" cy="2042280"/>
           </a:xfrm>
           <a:prstGeom prst="rect">
             <a:avLst/>
@@ -3921,7 +3921,7 @@
         <p:spPr>
           <a:xfrm>
             <a:off x="4428000" y="4437000"/>
-            <a:ext cx="3527280" cy="1036800"/>
+            <a:ext cx="3526920" cy="1036440"/>
           </a:xfrm>
           <a:prstGeom prst="rect">
             <a:avLst/>
@@ -4002,7 +4002,7 @@
         <p:spPr>
           <a:xfrm>
             <a:off x="457200" y="485640"/>
-            <a:ext cx="8228520" cy="1141920"/>
+            <a:ext cx="8228160" cy="1141560"/>
           </a:xfrm>
           <a:prstGeom prst="rect">
             <a:avLst/>
@@ -4073,7 +4073,7 @@
         <p:spPr>
           <a:xfrm>
             <a:off x="518760" y="1412640"/>
-            <a:ext cx="8228520" cy="1799280"/>
+            <a:ext cx="8228160" cy="1798920"/>
           </a:xfrm>
           <a:prstGeom prst="rect">
             <a:avLst/>
@@ -4094,7 +4094,7 @@
             <a:noAutofit/>
           </a:bodyPr>
           <a:p>
-            <a:pPr marL="343080" indent="-342000">
+            <a:pPr marL="343080" indent="-341640">
               <a:lnSpc>
                 <a:spcPct val="200000"/>
               </a:lnSpc>
@@ -4182,7 +4182,7 @@
             </a:endParaRPr>
           </a:p>
           <a:p>
-            <a:pPr marL="343080" indent="-342000">
+            <a:pPr marL="343080" indent="-341640">
               <a:lnSpc>
                 <a:spcPct val="200000"/>
               </a:lnSpc>
@@ -4250,7 +4250,7 @@
             </a:endParaRPr>
           </a:p>
           <a:p>
-            <a:pPr marL="343080" indent="-342000">
+            <a:pPr marL="343080" indent="-341640">
               <a:lnSpc>
                 <a:spcPct val="200000"/>
               </a:lnSpc>
@@ -4308,7 +4308,7 @@
         <p:spPr>
           <a:xfrm>
             <a:off x="764640" y="3414960"/>
-            <a:ext cx="8055000" cy="1459440"/>
+            <a:ext cx="8054640" cy="1459080"/>
           </a:xfrm>
           <a:prstGeom prst="rect">
             <a:avLst/>
@@ -4451,7 +4451,7 @@
         <p:spPr>
           <a:xfrm>
             <a:off x="457200" y="485640"/>
-            <a:ext cx="8228520" cy="1141920"/>
+            <a:ext cx="8228160" cy="1141560"/>
           </a:xfrm>
           <a:prstGeom prst="rect">
             <a:avLst/>
@@ -4522,7 +4522,7 @@
         <p:spPr>
           <a:xfrm>
             <a:off x="518760" y="1412640"/>
-            <a:ext cx="8228520" cy="1727280"/>
+            <a:ext cx="8228160" cy="1726920"/>
           </a:xfrm>
           <a:prstGeom prst="rect">
             <a:avLst/>
@@ -4543,7 +4543,7 @@
             <a:noAutofit/>
           </a:bodyPr>
           <a:p>
-            <a:pPr marL="343080" indent="-342000">
+            <a:pPr marL="343080" indent="-341640">
               <a:lnSpc>
                 <a:spcPct val="200000"/>
               </a:lnSpc>
@@ -4641,7 +4641,7 @@
         <p:spPr>
           <a:xfrm>
             <a:off x="861840" y="2784960"/>
-            <a:ext cx="7038720" cy="775080"/>
+            <a:ext cx="7038360" cy="774720"/>
           </a:xfrm>
           <a:prstGeom prst="rect">
             <a:avLst/>
@@ -4725,7 +4725,7 @@
         <p:spPr>
           <a:xfrm>
             <a:off x="518760" y="3717000"/>
-            <a:ext cx="8228520" cy="1294920"/>
+            <a:ext cx="8228160" cy="1294560"/>
           </a:xfrm>
           <a:prstGeom prst="rect">
             <a:avLst/>
@@ -4746,7 +4746,7 @@
             <a:noAutofit/>
           </a:bodyPr>
           <a:p>
-            <a:pPr marL="343080" indent="-342000">
+            <a:pPr marL="343080" indent="-341640">
               <a:lnSpc>
                 <a:spcPct val="200000"/>
               </a:lnSpc>
@@ -4824,7 +4824,7 @@
         <p:spPr>
           <a:xfrm>
             <a:off x="830160" y="4968360"/>
-            <a:ext cx="6468480" cy="1117440"/>
+            <a:ext cx="6468120" cy="1117080"/>
           </a:xfrm>
           <a:prstGeom prst="rect">
             <a:avLst/>
@@ -5028,7 +5028,7 @@
         <p:spPr>
           <a:xfrm>
             <a:off x="457200" y="485640"/>
-            <a:ext cx="8228520" cy="1141920"/>
+            <a:ext cx="8228160" cy="1141560"/>
           </a:xfrm>
           <a:prstGeom prst="rect">
             <a:avLst/>
@@ -5099,7 +5099,7 @@
         <p:spPr>
           <a:xfrm>
             <a:off x="518760" y="1412640"/>
-            <a:ext cx="8228520" cy="4535280"/>
+            <a:ext cx="8228160" cy="4534920"/>
           </a:xfrm>
           <a:prstGeom prst="rect">
             <a:avLst/>
@@ -5120,7 +5120,7 @@
             <a:noAutofit/>
           </a:bodyPr>
           <a:p>
-            <a:pPr marL="343080" indent="-342000">
+            <a:pPr marL="343080" indent="-341640">
               <a:lnSpc>
                 <a:spcPct val="200000"/>
               </a:lnSpc>
@@ -5178,7 +5178,7 @@
             </a:endParaRPr>
           </a:p>
           <a:p>
-            <a:pPr marL="343080" indent="-342000">
+            <a:pPr marL="343080" indent="-341640">
               <a:lnSpc>
                 <a:spcPct val="200000"/>
               </a:lnSpc>
@@ -5252,7 +5252,7 @@
             </a:endParaRPr>
           </a:p>
           <a:p>
-            <a:pPr marL="343080" indent="-342000">
+            <a:pPr marL="343080" indent="-341640">
               <a:lnSpc>
                 <a:spcPct val="200000"/>
               </a:lnSpc>
@@ -5310,7 +5310,7 @@
         <p:spPr>
           <a:xfrm>
             <a:off x="703800" y="5339520"/>
-            <a:ext cx="8079480" cy="318600"/>
+            <a:ext cx="8079120" cy="318240"/>
           </a:xfrm>
           <a:prstGeom prst="rect">
             <a:avLst/>
@@ -5413,7 +5413,7 @@
         <p:spPr>
           <a:xfrm>
             <a:off x="657000" y="3341880"/>
-            <a:ext cx="8411040" cy="775080"/>
+            <a:ext cx="8410680" cy="774720"/>
           </a:xfrm>
           <a:prstGeom prst="rect">
             <a:avLst/>
@@ -5636,7 +5636,7 @@
         <p:spPr>
           <a:xfrm>
             <a:off x="457200" y="485640"/>
-            <a:ext cx="8228520" cy="1141920"/>
+            <a:ext cx="8228160" cy="1141560"/>
           </a:xfrm>
           <a:prstGeom prst="rect">
             <a:avLst/>
@@ -5707,7 +5707,7 @@
         <p:spPr>
           <a:xfrm>
             <a:off x="518760" y="1412640"/>
-            <a:ext cx="8228520" cy="790920"/>
+            <a:ext cx="8228160" cy="790560"/>
           </a:xfrm>
           <a:prstGeom prst="rect">
             <a:avLst/>
@@ -5728,7 +5728,7 @@
             <a:noAutofit/>
           </a:bodyPr>
           <a:p>
-            <a:pPr marL="343080" indent="-342000">
+            <a:pPr marL="343080" indent="-341640">
               <a:lnSpc>
                 <a:spcPct val="200000"/>
               </a:lnSpc>
@@ -5786,7 +5786,7 @@
         <p:spPr>
           <a:xfrm>
             <a:off x="683280" y="2376720"/>
-            <a:ext cx="7611120" cy="1345680"/>
+            <a:ext cx="7610760" cy="1345320"/>
           </a:xfrm>
           <a:prstGeom prst="rect">
             <a:avLst/>
@@ -6010,7 +6010,7 @@
         <p:spPr>
           <a:xfrm>
             <a:off x="518760" y="4186080"/>
-            <a:ext cx="8228520" cy="790920"/>
+            <a:ext cx="8228160" cy="790560"/>
           </a:xfrm>
           <a:prstGeom prst="rect">
             <a:avLst/>
@@ -6031,7 +6031,7 @@
             <a:noAutofit/>
           </a:bodyPr>
           <a:p>
-            <a:pPr marL="343080" indent="-342000">
+            <a:pPr marL="343080" indent="-341640">
               <a:lnSpc>
                 <a:spcPct val="200000"/>
               </a:lnSpc>
@@ -6089,7 +6089,7 @@
         <p:spPr>
           <a:xfrm>
             <a:off x="1475640" y="5195520"/>
-            <a:ext cx="6623640" cy="318600"/>
+            <a:ext cx="6623280" cy="318240"/>
           </a:xfrm>
           <a:prstGeom prst="rect">
             <a:avLst/>
@@ -6192,7 +6192,7 @@
         <p:spPr>
           <a:xfrm>
             <a:off x="457200" y="485640"/>
-            <a:ext cx="8228520" cy="1141920"/>
+            <a:ext cx="8228160" cy="1141560"/>
           </a:xfrm>
           <a:prstGeom prst="rect">
             <a:avLst/>
@@ -6243,7 +6243,7 @@
         <p:spPr>
           <a:xfrm>
             <a:off x="518760" y="1412640"/>
-            <a:ext cx="8444520" cy="2951280"/>
+            <a:ext cx="8444160" cy="2950920"/>
           </a:xfrm>
           <a:prstGeom prst="rect">
             <a:avLst/>
@@ -6264,7 +6264,7 @@
             <a:noAutofit/>
           </a:bodyPr>
           <a:p>
-            <a:pPr marL="343080" indent="-342000">
+            <a:pPr marL="343080" indent="-341640">
               <a:lnSpc>
                 <a:spcPct val="200000"/>
               </a:lnSpc>
@@ -6312,7 +6312,7 @@
             </a:endParaRPr>
           </a:p>
           <a:p>
-            <a:pPr marL="343080" indent="-342000">
+            <a:pPr marL="343080" indent="-341640">
               <a:lnSpc>
                 <a:spcPct val="200000"/>
               </a:lnSpc>
@@ -6350,7 +6350,7 @@
             </a:endParaRPr>
           </a:p>
           <a:p>
-            <a:pPr marL="343080" indent="-342000">
+            <a:pPr marL="343080" indent="-341640">
               <a:lnSpc>
                 <a:spcPct val="200000"/>
               </a:lnSpc>
@@ -6448,7 +6448,7 @@
         <p:spPr>
           <a:xfrm>
             <a:off x="1187640" y="4342320"/>
-            <a:ext cx="7487640" cy="1916280"/>
+            <a:ext cx="7487280" cy="1915920"/>
           </a:xfrm>
           <a:prstGeom prst="rect">
             <a:avLst/>
@@ -6624,7 +6624,7 @@
         <p:spPr>
           <a:xfrm>
             <a:off x="457200" y="485640"/>
-            <a:ext cx="8228520" cy="1141920"/>
+            <a:ext cx="8228160" cy="1141560"/>
           </a:xfrm>
           <a:prstGeom prst="rect">
             <a:avLst/>
@@ -6675,7 +6675,7 @@
         <p:spPr>
           <a:xfrm>
             <a:off x="1259640" y="1522440"/>
-            <a:ext cx="6983640" cy="4690440"/>
+            <a:ext cx="6983280" cy="4690440"/>
           </a:xfrm>
           <a:prstGeom prst="rect">
             <a:avLst/>
@@ -7166,7 +7166,7 @@
         <p:spPr>
           <a:xfrm>
             <a:off x="457200" y="485640"/>
-            <a:ext cx="8228520" cy="1141920"/>
+            <a:ext cx="8228160" cy="1141560"/>
           </a:xfrm>
           <a:prstGeom prst="rect">
             <a:avLst/>
@@ -7217,7 +7217,7 @@
         <p:spPr>
           <a:xfrm>
             <a:off x="518760" y="1412640"/>
-            <a:ext cx="8228520" cy="4967640"/>
+            <a:ext cx="8228160" cy="4967280"/>
           </a:xfrm>
           <a:prstGeom prst="rect">
             <a:avLst/>
@@ -7238,7 +7238,7 @@
             <a:noAutofit/>
           </a:bodyPr>
           <a:p>
-            <a:pPr marL="343080" indent="-342000">
+            <a:pPr marL="343080" indent="-341640">
               <a:lnSpc>
                 <a:spcPct val="180000"/>
               </a:lnSpc>
@@ -7266,7 +7266,7 @@
             </a:endParaRPr>
           </a:p>
           <a:p>
-            <a:pPr marL="343080" indent="-342000">
+            <a:pPr marL="343080" indent="-341640">
               <a:lnSpc>
                 <a:spcPct val="180000"/>
               </a:lnSpc>
@@ -7314,7 +7314,7 @@
             </a:endParaRPr>
           </a:p>
           <a:p>
-            <a:pPr marL="343080" indent="-342000">
+            <a:pPr marL="343080" indent="-341640">
               <a:lnSpc>
                 <a:spcPct val="180000"/>
               </a:lnSpc>
@@ -7362,7 +7362,7 @@
             </a:endParaRPr>
           </a:p>
           <a:p>
-            <a:pPr lvl="1" marL="743040" indent="-284760">
+            <a:pPr lvl="1" marL="743040" indent="-284400">
               <a:lnSpc>
                 <a:spcPct val="180000"/>
               </a:lnSpc>
@@ -7410,7 +7410,7 @@
             </a:endParaRPr>
           </a:p>
           <a:p>
-            <a:pPr marL="343080" indent="-342000">
+            <a:pPr marL="343080" indent="-341640">
               <a:lnSpc>
                 <a:spcPct val="180000"/>
               </a:lnSpc>
@@ -7458,7 +7458,7 @@
             </a:endParaRPr>
           </a:p>
           <a:p>
-            <a:pPr lvl="1" marL="743040" indent="-284760">
+            <a:pPr lvl="1" marL="743040" indent="-284400">
               <a:lnSpc>
                 <a:spcPct val="180000"/>
               </a:lnSpc>
@@ -7526,7 +7526,7 @@
             </a:endParaRPr>
           </a:p>
           <a:p>
-            <a:pPr lvl="1" marL="743040" indent="-284760">
+            <a:pPr lvl="1" marL="743040" indent="-284400">
               <a:lnSpc>
                 <a:spcPct val="180000"/>
               </a:lnSpc>
@@ -7694,7 +7694,7 @@
             </a:endParaRPr>
           </a:p>
           <a:p>
-            <a:pPr marL="343080" indent="-342000">
+            <a:pPr marL="343080" indent="-341640">
               <a:lnSpc>
                 <a:spcPct val="180000"/>
               </a:lnSpc>
@@ -7742,7 +7742,7 @@
             </a:endParaRPr>
           </a:p>
           <a:p>
-            <a:pPr lvl="1" marL="743040" indent="-284760">
+            <a:pPr lvl="1" marL="743040" indent="-284400">
               <a:lnSpc>
                 <a:spcPct val="180000"/>
               </a:lnSpc>
@@ -7850,7 +7850,7 @@
         <p:spPr>
           <a:xfrm>
             <a:off x="457200" y="485640"/>
-            <a:ext cx="8228520" cy="1141920"/>
+            <a:ext cx="8228160" cy="1141560"/>
           </a:xfrm>
           <a:prstGeom prst="rect">
             <a:avLst/>
@@ -7911,7 +7911,7 @@
         <p:spPr>
           <a:xfrm>
             <a:off x="518760" y="1412640"/>
-            <a:ext cx="8228520" cy="718920"/>
+            <a:ext cx="8228160" cy="718560"/>
           </a:xfrm>
           <a:prstGeom prst="rect">
             <a:avLst/>
@@ -7932,7 +7932,7 @@
             <a:noAutofit/>
           </a:bodyPr>
           <a:p>
-            <a:pPr marL="343080" indent="-342000">
+            <a:pPr marL="343080" indent="-341640">
               <a:lnSpc>
                 <a:spcPct val="200000"/>
               </a:lnSpc>
@@ -8020,7 +8020,7 @@
         <p:spPr>
           <a:xfrm>
             <a:off x="1474200" y="2170080"/>
-            <a:ext cx="6124680" cy="4194360"/>
+            <a:ext cx="6124320" cy="4194000"/>
           </a:xfrm>
           <a:prstGeom prst="rect">
             <a:avLst/>
@@ -8565,7 +8565,7 @@
         <p:spPr>
           <a:xfrm>
             <a:off x="457200" y="485640"/>
-            <a:ext cx="8228520" cy="1141920"/>
+            <a:ext cx="8228160" cy="1141560"/>
           </a:xfrm>
           <a:prstGeom prst="rect">
             <a:avLst/>
@@ -8626,7 +8626,7 @@
         <p:spPr>
           <a:xfrm>
             <a:off x="518760" y="1412640"/>
-            <a:ext cx="8228520" cy="718920"/>
+            <a:ext cx="8228160" cy="718560"/>
           </a:xfrm>
           <a:prstGeom prst="rect">
             <a:avLst/>
@@ -8647,7 +8647,7 @@
             <a:noAutofit/>
           </a:bodyPr>
           <a:p>
-            <a:pPr marL="343080" indent="-342000">
+            <a:pPr marL="343080" indent="-341640">
               <a:lnSpc>
                 <a:spcPct val="200000"/>
               </a:lnSpc>
@@ -8735,7 +8735,7 @@
         <p:spPr>
           <a:xfrm>
             <a:off x="1946160" y="2125080"/>
-            <a:ext cx="4981680" cy="4154760"/>
+            <a:ext cx="4981320" cy="4154760"/>
           </a:xfrm>
           <a:prstGeom prst="rect">
             <a:avLst/>
@@ -9273,7 +9273,7 @@
         <p:spPr>
           <a:xfrm>
             <a:off x="457200" y="485640"/>
-            <a:ext cx="8228520" cy="1141920"/>
+            <a:ext cx="8228160" cy="1141560"/>
           </a:xfrm>
           <a:prstGeom prst="rect">
             <a:avLst/>
@@ -9334,7 +9334,7 @@
         <p:spPr>
           <a:xfrm>
             <a:off x="518760" y="1412640"/>
-            <a:ext cx="8228520" cy="718920"/>
+            <a:ext cx="8228160" cy="718560"/>
           </a:xfrm>
           <a:prstGeom prst="rect">
             <a:avLst/>
@@ -9355,7 +9355,7 @@
             <a:noAutofit/>
           </a:bodyPr>
           <a:p>
-            <a:pPr marL="343080" indent="-342000">
+            <a:pPr marL="343080" indent="-341640">
               <a:lnSpc>
                 <a:spcPct val="200000"/>
               </a:lnSpc>
@@ -9433,7 +9433,7 @@
         <p:spPr>
           <a:xfrm>
             <a:off x="1346760" y="1982160"/>
-            <a:ext cx="7038720" cy="4405680"/>
+            <a:ext cx="7038360" cy="4405680"/>
           </a:xfrm>
           <a:prstGeom prst="rect">
             <a:avLst/>
@@ -9802,7 +9802,7 @@
         <p:spPr>
           <a:xfrm>
             <a:off x="457200" y="485640"/>
-            <a:ext cx="8228520" cy="1141920"/>
+            <a:ext cx="8228160" cy="1141560"/>
           </a:xfrm>
           <a:prstGeom prst="rect">
             <a:avLst/>
@@ -9887,7 +9887,7 @@
         <p:spPr>
           <a:xfrm>
             <a:off x="1547640" y="4005000"/>
-            <a:ext cx="6191640" cy="2061000"/>
+            <a:ext cx="6191280" cy="2060640"/>
           </a:xfrm>
           <a:prstGeom prst="rect">
             <a:avLst/>
@@ -9906,7 +9906,7 @@
         <p:spPr>
           <a:xfrm>
             <a:off x="518760" y="1412640"/>
-            <a:ext cx="8228520" cy="2617560"/>
+            <a:ext cx="8228160" cy="2617200"/>
           </a:xfrm>
           <a:prstGeom prst="rect">
             <a:avLst/>
@@ -9927,7 +9927,7 @@
             <a:noAutofit/>
           </a:bodyPr>
           <a:p>
-            <a:pPr marL="343080" indent="-342000">
+            <a:pPr marL="343080" indent="-341640">
               <a:lnSpc>
                 <a:spcPct val="200000"/>
               </a:lnSpc>
@@ -9975,7 +9975,7 @@
             </a:endParaRPr>
           </a:p>
           <a:p>
-            <a:pPr marL="343080" indent="-342000">
+            <a:pPr marL="343080" indent="-341640">
               <a:lnSpc>
                 <a:spcPct val="200000"/>
               </a:lnSpc>
@@ -10073,7 +10073,7 @@
             </a:endParaRPr>
           </a:p>
           <a:p>
-            <a:pPr marL="343080" indent="-342000">
+            <a:pPr marL="343080" indent="-341640">
               <a:lnSpc>
                 <a:spcPct val="200000"/>
               </a:lnSpc>
@@ -10201,7 +10201,7 @@
         <p:spPr>
           <a:xfrm>
             <a:off x="457200" y="485640"/>
-            <a:ext cx="8228520" cy="1141920"/>
+            <a:ext cx="8228160" cy="1141560"/>
           </a:xfrm>
           <a:prstGeom prst="rect">
             <a:avLst/>
@@ -10282,7 +10282,7 @@
         <p:spPr>
           <a:xfrm>
             <a:off x="518760" y="1412640"/>
-            <a:ext cx="8228520" cy="4535280"/>
+            <a:ext cx="8228160" cy="4534920"/>
           </a:xfrm>
           <a:prstGeom prst="rect">
             <a:avLst/>
@@ -10303,7 +10303,7 @@
             <a:noAutofit/>
           </a:bodyPr>
           <a:p>
-            <a:pPr marL="343080" indent="-342000">
+            <a:pPr marL="343080" indent="-341640">
               <a:lnSpc>
                 <a:spcPct val="200000"/>
               </a:lnSpc>
@@ -10421,7 +10421,7 @@
             </a:endParaRPr>
           </a:p>
           <a:p>
-            <a:pPr marL="343080" indent="-342000">
+            <a:pPr marL="343080" indent="-341640">
               <a:lnSpc>
                 <a:spcPct val="200000"/>
               </a:lnSpc>
@@ -10489,7 +10489,7 @@
             </a:endParaRPr>
           </a:p>
           <a:p>
-            <a:pPr marL="343080" indent="-342000">
+            <a:pPr marL="343080" indent="-341640">
               <a:lnSpc>
                 <a:spcPct val="200000"/>
               </a:lnSpc>
@@ -10517,7 +10517,7 @@
             </a:endParaRPr>
           </a:p>
           <a:p>
-            <a:pPr marL="343080" indent="-342000">
+            <a:pPr marL="343080" indent="-341640">
               <a:lnSpc>
                 <a:spcPct val="200000"/>
               </a:lnSpc>
@@ -10625,7 +10625,7 @@
         <p:spPr>
           <a:xfrm>
             <a:off x="457200" y="485640"/>
-            <a:ext cx="8228520" cy="1141920"/>
+            <a:ext cx="8228160" cy="1141560"/>
           </a:xfrm>
           <a:prstGeom prst="rect">
             <a:avLst/>
@@ -10706,7 +10706,7 @@
         <p:spPr>
           <a:xfrm>
             <a:off x="518760" y="1412640"/>
-            <a:ext cx="8228520" cy="1438920"/>
+            <a:ext cx="8228160" cy="1438560"/>
           </a:xfrm>
           <a:prstGeom prst="rect">
             <a:avLst/>
@@ -10727,7 +10727,7 @@
             <a:noAutofit/>
           </a:bodyPr>
           <a:p>
-            <a:pPr marL="343080" indent="-342000">
+            <a:pPr marL="343080" indent="-341640">
               <a:lnSpc>
                 <a:spcPct val="200000"/>
               </a:lnSpc>
@@ -10775,7 +10775,7 @@
             </a:endParaRPr>
           </a:p>
           <a:p>
-            <a:pPr lvl="1" marL="743040" indent="-284760">
+            <a:pPr lvl="1" marL="743040" indent="-284400">
               <a:lnSpc>
                 <a:spcPct val="200000"/>
               </a:lnSpc>
@@ -10853,7 +10853,7 @@
         <p:spPr>
           <a:xfrm>
             <a:off x="539640" y="2853000"/>
-            <a:ext cx="7991640" cy="2414520"/>
+            <a:ext cx="7991280" cy="2414520"/>
           </a:xfrm>
           <a:prstGeom prst="rect">
             <a:avLst/>
@@ -10874,7 +10874,7 @@
             <a:spAutoFit/>
           </a:bodyPr>
           <a:p>
-            <a:pPr marL="216000" indent="-215280">
+            <a:pPr marL="216000" indent="-214920">
               <a:lnSpc>
                 <a:spcPct val="200000"/>
               </a:lnSpc>
@@ -10929,7 +10929,7 @@
             </a:endParaRPr>
           </a:p>
           <a:p>
-            <a:pPr lvl="1" marL="743040" indent="-284760">
+            <a:pPr lvl="1" marL="743040" indent="-284400">
               <a:lnSpc>
                 <a:spcPct val="200000"/>
               </a:lnSpc>
@@ -11017,7 +11017,7 @@
             </a:endParaRPr>
           </a:p>
           <a:p>
-            <a:pPr lvl="1" marL="743040" indent="-284760">
+            <a:pPr lvl="1" marL="743040" indent="-284400">
               <a:lnSpc>
                 <a:spcPct val="200000"/>
               </a:lnSpc>
@@ -11115,7 +11115,7 @@
         <p:spPr>
           <a:xfrm>
             <a:off x="235080" y="2652120"/>
-            <a:ext cx="8982000" cy="432360"/>
+            <a:ext cx="8981640" cy="432000"/>
           </a:xfrm>
           <a:prstGeom prst="rect">
             <a:avLst/>
@@ -11178,7 +11178,7 @@
         <p:spPr>
           <a:xfrm>
             <a:off x="539640" y="5305320"/>
-            <a:ext cx="8067600" cy="775080"/>
+            <a:ext cx="8067240" cy="774720"/>
           </a:xfrm>
           <a:prstGeom prst="rect">
             <a:avLst/>
@@ -11341,7 +11341,7 @@
         <p:spPr>
           <a:xfrm>
             <a:off x="457200" y="485640"/>
-            <a:ext cx="8228520" cy="1141920"/>
+            <a:ext cx="8228160" cy="1141560"/>
           </a:xfrm>
           <a:prstGeom prst="rect">
             <a:avLst/>
@@ -11392,7 +11392,7 @@
         <p:spPr>
           <a:xfrm>
             <a:off x="518760" y="1412640"/>
-            <a:ext cx="8228520" cy="3743280"/>
+            <a:ext cx="8228160" cy="3742920"/>
           </a:xfrm>
           <a:prstGeom prst="rect">
             <a:avLst/>
@@ -11413,7 +11413,7 @@
             <a:noAutofit/>
           </a:bodyPr>
           <a:p>
-            <a:pPr marL="343080" indent="-342000">
+            <a:pPr marL="343080" indent="-341640">
               <a:lnSpc>
                 <a:spcPct val="200000"/>
               </a:lnSpc>
@@ -11451,7 +11451,7 @@
             </a:endParaRPr>
           </a:p>
           <a:p>
-            <a:pPr marL="343080" indent="-342000">
+            <a:pPr marL="343080" indent="-341640">
               <a:lnSpc>
                 <a:spcPct val="200000"/>
               </a:lnSpc>
@@ -11519,7 +11519,7 @@
             </a:endParaRPr>
           </a:p>
           <a:p>
-            <a:pPr lvl="1" marL="743040" indent="-284760">
+            <a:pPr lvl="1" marL="743040" indent="-284400">
               <a:lnSpc>
                 <a:spcPct val="200000"/>
               </a:lnSpc>
@@ -11547,7 +11547,7 @@
             </a:endParaRPr>
           </a:p>
           <a:p>
-            <a:pPr lvl="1" marL="743040" indent="-284760">
+            <a:pPr lvl="1" marL="743040" indent="-284400">
               <a:lnSpc>
                 <a:spcPct val="200000"/>
               </a:lnSpc>
@@ -11575,7 +11575,7 @@
             </a:endParaRPr>
           </a:p>
           <a:p>
-            <a:pPr lvl="1" marL="743040" indent="-284760">
+            <a:pPr lvl="1" marL="743040" indent="-284400">
               <a:lnSpc>
                 <a:spcPct val="200000"/>
               </a:lnSpc>
@@ -11613,7 +11613,7 @@
         <p:spPr>
           <a:xfrm>
             <a:off x="1094760" y="5129640"/>
-            <a:ext cx="6581880" cy="1002960"/>
+            <a:ext cx="6581520" cy="1002600"/>
           </a:xfrm>
           <a:prstGeom prst="rect">
             <a:avLst/>
@@ -11747,7 +11747,7 @@
         <p:spPr>
           <a:xfrm>
             <a:off x="457200" y="485640"/>
-            <a:ext cx="8228520" cy="1141920"/>
+            <a:ext cx="8228160" cy="1141560"/>
           </a:xfrm>
           <a:prstGeom prst="rect">
             <a:avLst/>
@@ -12528,7 +12528,7 @@
         <p:spPr>
           <a:xfrm>
             <a:off x="457200" y="485640"/>
-            <a:ext cx="8228520" cy="1141920"/>
+            <a:ext cx="8228160" cy="1141560"/>
           </a:xfrm>
           <a:prstGeom prst="rect">
             <a:avLst/>
@@ -12599,7 +12599,7 @@
         <p:spPr>
           <a:xfrm>
             <a:off x="518760" y="1412640"/>
-            <a:ext cx="8228520" cy="4823280"/>
+            <a:ext cx="8228160" cy="4822920"/>
           </a:xfrm>
           <a:prstGeom prst="rect">
             <a:avLst/>
@@ -12620,7 +12620,7 @@
             <a:noAutofit/>
           </a:bodyPr>
           <a:p>
-            <a:pPr marL="343080" indent="-342000">
+            <a:pPr marL="343080" indent="-341640">
               <a:lnSpc>
                 <a:spcPct val="200000"/>
               </a:lnSpc>
@@ -12718,7 +12718,7 @@
             </a:endParaRPr>
           </a:p>
           <a:p>
-            <a:pPr marL="343080" indent="-342000">
+            <a:pPr marL="343080" indent="-341640">
               <a:lnSpc>
                 <a:spcPct val="200000"/>
               </a:lnSpc>
@@ -12746,7 +12746,7 @@
             </a:endParaRPr>
           </a:p>
           <a:p>
-            <a:pPr marL="343080" indent="-342000">
+            <a:pPr marL="343080" indent="-341640">
               <a:lnSpc>
                 <a:spcPct val="200000"/>
               </a:lnSpc>
@@ -12794,7 +12794,7 @@
             </a:endParaRPr>
           </a:p>
           <a:p>
-            <a:pPr marL="343080" indent="-342000">
+            <a:pPr marL="343080" indent="-341640">
               <a:lnSpc>
                 <a:spcPct val="200000"/>
               </a:lnSpc>
@@ -12842,7 +12842,7 @@
             </a:endParaRPr>
           </a:p>
           <a:p>
-            <a:pPr marL="343080" indent="-342000">
+            <a:pPr marL="343080" indent="-341640">
               <a:lnSpc>
                 <a:spcPct val="200000"/>
               </a:lnSpc>
@@ -12870,7 +12870,7 @@
             </a:endParaRPr>
           </a:p>
           <a:p>
-            <a:pPr marL="343080" indent="-342000">
+            <a:pPr marL="343080" indent="-341640">
               <a:lnSpc>
                 <a:spcPct val="200000"/>
               </a:lnSpc>
@@ -12938,7 +12938,7 @@
         <p:spPr>
           <a:xfrm>
             <a:off x="457200" y="485640"/>
-            <a:ext cx="8228520" cy="1141920"/>
+            <a:ext cx="8228160" cy="1141560"/>
           </a:xfrm>
           <a:prstGeom prst="rect">
             <a:avLst/>
@@ -12989,7 +12989,7 @@
         <p:spPr>
           <a:xfrm>
             <a:off x="899640" y="3501000"/>
-            <a:ext cx="6644520" cy="2519280"/>
+            <a:ext cx="6644160" cy="2518920"/>
           </a:xfrm>
           <a:prstGeom prst="rect">
             <a:avLst/>
@@ -13010,7 +13010,7 @@
             <a:noAutofit/>
           </a:bodyPr>
           <a:p>
-            <a:pPr marL="343080" indent="-342000">
+            <a:pPr marL="343080" indent="-341640">
               <a:lnSpc>
                 <a:spcPct val="200000"/>
               </a:lnSpc>
@@ -13038,7 +13038,7 @@
             </a:endParaRPr>
           </a:p>
           <a:p>
-            <a:pPr marL="343080" indent="-342000">
+            <a:pPr marL="343080" indent="-341640">
               <a:lnSpc>
                 <a:spcPct val="200000"/>
               </a:lnSpc>
@@ -13066,7 +13066,7 @@
             </a:endParaRPr>
           </a:p>
           <a:p>
-            <a:pPr marL="343080" indent="-342000">
+            <a:pPr marL="343080" indent="-341640">
               <a:lnSpc>
                 <a:spcPct val="200000"/>
               </a:lnSpc>
@@ -13094,7 +13094,7 @@
             </a:endParaRPr>
           </a:p>
           <a:p>
-            <a:pPr marL="343080" indent="-342000">
+            <a:pPr marL="343080" indent="-341640">
               <a:lnSpc>
                 <a:spcPct val="200000"/>
               </a:lnSpc>
@@ -13136,7 +13136,7 @@
         <p:spPr>
           <a:xfrm>
             <a:off x="539640" y="1917000"/>
-            <a:ext cx="8263080" cy="1329120"/>
+            <a:ext cx="8262720" cy="1328760"/>
           </a:xfrm>
           <a:prstGeom prst="rect">
             <a:avLst/>
@@ -13185,7 +13185,7 @@
         <p:spPr>
           <a:xfrm>
             <a:off x="457200" y="485640"/>
-            <a:ext cx="8228520" cy="1141920"/>
+            <a:ext cx="8228160" cy="1141560"/>
           </a:xfrm>
           <a:prstGeom prst="rect">
             <a:avLst/>
@@ -13236,7 +13236,7 @@
         <p:spPr>
           <a:xfrm>
             <a:off x="899640" y="1700640"/>
-            <a:ext cx="7415640" cy="1871280"/>
+            <a:ext cx="7415280" cy="1870920"/>
           </a:xfrm>
           <a:prstGeom prst="rect">
             <a:avLst/>
@@ -13257,7 +13257,7 @@
             <a:noAutofit/>
           </a:bodyPr>
           <a:p>
-            <a:pPr marL="343080" indent="-342000">
+            <a:pPr marL="343080" indent="-341640">
               <a:lnSpc>
                 <a:spcPct val="200000"/>
               </a:lnSpc>
@@ -13285,7 +13285,7 @@
             </a:endParaRPr>
           </a:p>
           <a:p>
-            <a:pPr marL="343080" indent="-342000">
+            <a:pPr marL="343080" indent="-341640">
               <a:lnSpc>
                 <a:spcPct val="200000"/>
               </a:lnSpc>
@@ -13347,7 +13347,7 @@
         <p:spPr>
           <a:xfrm>
             <a:off x="1115640" y="3573000"/>
-            <a:ext cx="6728400" cy="2447280"/>
+            <a:ext cx="6728040" cy="2446920"/>
           </a:xfrm>
           <a:prstGeom prst="rect">
             <a:avLst/>
@@ -13396,7 +13396,7 @@
         <p:spPr>
           <a:xfrm>
             <a:off x="457200" y="485640"/>
-            <a:ext cx="8228520" cy="1141920"/>
+            <a:ext cx="8228160" cy="1141560"/>
           </a:xfrm>
           <a:prstGeom prst="rect">
             <a:avLst/>
@@ -13447,7 +13447,7 @@
         <p:spPr>
           <a:xfrm>
             <a:off x="899640" y="1700640"/>
-            <a:ext cx="7415640" cy="718920"/>
+            <a:ext cx="7415280" cy="718560"/>
           </a:xfrm>
           <a:prstGeom prst="rect">
             <a:avLst/>
@@ -13468,7 +13468,7 @@
             <a:noAutofit/>
           </a:bodyPr>
           <a:p>
-            <a:pPr marL="343080" indent="-342000">
+            <a:pPr marL="343080" indent="-341640">
               <a:lnSpc>
                 <a:spcPct val="200000"/>
               </a:lnSpc>
@@ -13510,7 +13510,7 @@
         <p:spPr>
           <a:xfrm>
             <a:off x="1331640" y="2473560"/>
-            <a:ext cx="6407640" cy="3330720"/>
+            <a:ext cx="6407280" cy="3330360"/>
           </a:xfrm>
           <a:prstGeom prst="rect">
             <a:avLst/>
@@ -13559,7 +13559,7 @@
         <p:spPr>
           <a:xfrm>
             <a:off x="457200" y="485640"/>
-            <a:ext cx="8228520" cy="1141920"/>
+            <a:ext cx="8228160" cy="1141560"/>
           </a:xfrm>
           <a:prstGeom prst="rect">
             <a:avLst/>
@@ -13620,7 +13620,7 @@
         <p:spPr>
           <a:xfrm>
             <a:off x="899640" y="1484640"/>
-            <a:ext cx="7775640" cy="4967640"/>
+            <a:ext cx="7775280" cy="4967280"/>
           </a:xfrm>
           <a:prstGeom prst="rect">
             <a:avLst/>
@@ -13641,7 +13641,7 @@
             <a:noAutofit/>
           </a:bodyPr>
           <a:p>
-            <a:pPr marL="343080" indent="-342000">
+            <a:pPr marL="343080" indent="-341640">
               <a:lnSpc>
                 <a:spcPct val="200000"/>
               </a:lnSpc>
@@ -13729,7 +13729,7 @@
             </a:endParaRPr>
           </a:p>
           <a:p>
-            <a:pPr marL="343080" indent="-342000">
+            <a:pPr marL="343080" indent="-341640">
               <a:lnSpc>
                 <a:spcPct val="200000"/>
               </a:lnSpc>
@@ -13757,7 +13757,7 @@
             </a:endParaRPr>
           </a:p>
           <a:p>
-            <a:pPr marL="343080" indent="-342000">
+            <a:pPr marL="343080" indent="-341640">
               <a:lnSpc>
                 <a:spcPct val="200000"/>
               </a:lnSpc>
@@ -13805,7 +13805,7 @@
             </a:endParaRPr>
           </a:p>
           <a:p>
-            <a:pPr lvl="1" marL="743040" indent="-284760">
+            <a:pPr lvl="1" marL="743040" indent="-284400">
               <a:lnSpc>
                 <a:spcPct val="200000"/>
               </a:lnSpc>
@@ -13853,7 +13853,7 @@
             </a:endParaRPr>
           </a:p>
           <a:p>
-            <a:pPr marL="343080" indent="-342000">
+            <a:pPr marL="343080" indent="-341640">
               <a:lnSpc>
                 <a:spcPct val="200000"/>
               </a:lnSpc>
@@ -13901,7 +13901,7 @@
             </a:endParaRPr>
           </a:p>
           <a:p>
-            <a:pPr lvl="1" marL="743040" indent="-284760">
+            <a:pPr lvl="1" marL="743040" indent="-284400">
               <a:lnSpc>
                 <a:spcPct val="200000"/>
               </a:lnSpc>
@@ -13969,7 +13969,7 @@
             </a:endParaRPr>
           </a:p>
           <a:p>
-            <a:pPr marL="343080" indent="-342000">
+            <a:pPr marL="343080" indent="-341640">
               <a:lnSpc>
                 <a:spcPct val="200000"/>
               </a:lnSpc>
@@ -14007,7 +14007,7 @@
             </a:endParaRPr>
           </a:p>
           <a:p>
-            <a:pPr lvl="1" marL="743040" indent="-284760">
+            <a:pPr lvl="1" marL="743040" indent="-284400">
               <a:lnSpc>
                 <a:spcPct val="200000"/>
               </a:lnSpc>
@@ -14125,7 +14125,7 @@
         <p:spPr>
           <a:xfrm>
             <a:off x="457200" y="485640"/>
-            <a:ext cx="8228520" cy="1141920"/>
+            <a:ext cx="8228160" cy="1141560"/>
           </a:xfrm>
           <a:prstGeom prst="rect">
             <a:avLst/>
@@ -14190,7 +14190,7 @@
         <p:spPr>
           <a:xfrm>
             <a:off x="899640" y="1628640"/>
-            <a:ext cx="5116320" cy="2143440"/>
+            <a:ext cx="5115960" cy="2143080"/>
           </a:xfrm>
           <a:prstGeom prst="rect">
             <a:avLst/>
@@ -14213,7 +14213,7 @@
         <p:spPr>
           <a:xfrm>
             <a:off x="899640" y="3933000"/>
-            <a:ext cx="5116320" cy="2110320"/>
+            <a:ext cx="5115960" cy="2109960"/>
           </a:xfrm>
           <a:prstGeom prst="rect">
             <a:avLst/>
@@ -14232,7 +14232,7 @@
         <p:spPr>
           <a:xfrm>
             <a:off x="6444360" y="2238480"/>
-            <a:ext cx="1722240" cy="638280"/>
+            <a:ext cx="1721880" cy="638280"/>
           </a:xfrm>
           <a:prstGeom prst="rect">
             <a:avLst/>
@@ -14283,7 +14283,7 @@
         <p:spPr>
           <a:xfrm>
             <a:off x="7047720" y="2760840"/>
-            <a:ext cx="289440" cy="286920"/>
+            <a:ext cx="289080" cy="286560"/>
           </a:xfrm>
           <a:prstGeom prst="downArrow">
             <a:avLst>
@@ -14319,7 +14319,7 @@
         <p:spPr>
           <a:xfrm>
             <a:off x="6444360" y="3203640"/>
-            <a:ext cx="1722240" cy="638280"/>
+            <a:ext cx="1721880" cy="638280"/>
           </a:xfrm>
           <a:prstGeom prst="rect">
             <a:avLst/>
@@ -14370,7 +14370,7 @@
         <p:spPr>
           <a:xfrm>
             <a:off x="6444360" y="4611240"/>
-            <a:ext cx="1722240" cy="638280"/>
+            <a:ext cx="1721880" cy="638280"/>
           </a:xfrm>
           <a:prstGeom prst="rect">
             <a:avLst/>
@@ -14421,7 +14421,7 @@
         <p:spPr>
           <a:xfrm>
             <a:off x="7047720" y="5133600"/>
-            <a:ext cx="289440" cy="286920"/>
+            <a:ext cx="289080" cy="286560"/>
           </a:xfrm>
           <a:prstGeom prst="downArrow">
             <a:avLst>
@@ -14457,7 +14457,7 @@
         <p:spPr>
           <a:xfrm>
             <a:off x="6444360" y="5576760"/>
-            <a:ext cx="1722240" cy="363960"/>
+            <a:ext cx="1721880" cy="363960"/>
           </a:xfrm>
           <a:prstGeom prst="rect">
             <a:avLst/>
@@ -14538,7 +14538,7 @@
         <p:spPr>
           <a:xfrm>
             <a:off x="457200" y="485640"/>
-            <a:ext cx="8228520" cy="1141920"/>
+            <a:ext cx="8228160" cy="1141560"/>
           </a:xfrm>
           <a:prstGeom prst="rect">
             <a:avLst/>
@@ -14589,7 +14589,7 @@
         <p:spPr>
           <a:xfrm>
             <a:off x="518760" y="1412640"/>
-            <a:ext cx="8228520" cy="718920"/>
+            <a:ext cx="8228160" cy="718560"/>
           </a:xfrm>
           <a:prstGeom prst="rect">
             <a:avLst/>
@@ -14610,7 +14610,7 @@
             <a:noAutofit/>
           </a:bodyPr>
           <a:p>
-            <a:pPr marL="343080" indent="-342000">
+            <a:pPr marL="343080" indent="-341640">
               <a:lnSpc>
                 <a:spcPct val="200000"/>
               </a:lnSpc>
@@ -14678,7 +14678,7 @@
         <p:spPr>
           <a:xfrm>
             <a:off x="577440" y="2088720"/>
-            <a:ext cx="7953480" cy="4314240"/>
+            <a:ext cx="7953120" cy="4314240"/>
           </a:xfrm>
           <a:prstGeom prst="rect">
             <a:avLst/>
@@ -15144,7 +15144,7 @@
         <p:spPr>
           <a:xfrm>
             <a:off x="457200" y="485640"/>
-            <a:ext cx="8228520" cy="1141920"/>
+            <a:ext cx="8228160" cy="1141560"/>
           </a:xfrm>
           <a:prstGeom prst="rect">
             <a:avLst/>
@@ -15215,7 +15215,7 @@
         <p:spPr>
           <a:xfrm>
             <a:off x="518760" y="1412640"/>
-            <a:ext cx="8228520" cy="4175280"/>
+            <a:ext cx="8228160" cy="4174920"/>
           </a:xfrm>
           <a:prstGeom prst="rect">
             <a:avLst/>
@@ -15236,7 +15236,7 @@
             <a:noAutofit/>
           </a:bodyPr>
           <a:p>
-            <a:pPr marL="343080" indent="-342000">
+            <a:pPr marL="343080" indent="-341640">
               <a:lnSpc>
                 <a:spcPct val="200000"/>
               </a:lnSpc>
@@ -15314,7 +15314,7 @@
             </a:endParaRPr>
           </a:p>
           <a:p>
-            <a:pPr marL="343080" indent="-342000">
+            <a:pPr marL="343080" indent="-341640">
               <a:lnSpc>
                 <a:spcPct val="200000"/>
               </a:lnSpc>
@@ -15352,7 +15352,7 @@
             </a:endParaRPr>
           </a:p>
           <a:p>
-            <a:pPr marL="343080" indent="-342000">
+            <a:pPr marL="343080" indent="-341640">
               <a:lnSpc>
                 <a:spcPct val="200000"/>
               </a:lnSpc>
@@ -15400,7 +15400,7 @@
             </a:endParaRPr>
           </a:p>
           <a:p>
-            <a:pPr marL="343080" indent="-342000">
+            <a:pPr marL="343080" indent="-341640">
               <a:lnSpc>
                 <a:spcPct val="200000"/>
               </a:lnSpc>
@@ -15468,7 +15468,7 @@
         <p:spPr>
           <a:xfrm>
             <a:off x="457200" y="485640"/>
-            <a:ext cx="8228520" cy="1141920"/>
+            <a:ext cx="8228160" cy="1141560"/>
           </a:xfrm>
           <a:prstGeom prst="rect">
             <a:avLst/>
@@ -15539,7 +15539,7 @@
         <p:spPr>
           <a:xfrm>
             <a:off x="518760" y="1412640"/>
-            <a:ext cx="8228520" cy="3750480"/>
+            <a:ext cx="8228160" cy="3750120"/>
           </a:xfrm>
           <a:prstGeom prst="rect">
             <a:avLst/>
@@ -15560,7 +15560,7 @@
             <a:noAutofit/>
           </a:bodyPr>
           <a:p>
-            <a:pPr marL="343080" indent="-342000">
+            <a:pPr marL="343080" indent="-341640">
               <a:lnSpc>
                 <a:spcPct val="200000"/>
               </a:lnSpc>
@@ -15608,7 +15608,7 @@
             </a:endParaRPr>
           </a:p>
           <a:p>
-            <a:pPr marL="343080" indent="-342000">
+            <a:pPr marL="343080" indent="-341640">
               <a:lnSpc>
                 <a:spcPct val="200000"/>
               </a:lnSpc>
@@ -15656,7 +15656,7 @@
             </a:endParaRPr>
           </a:p>
           <a:p>
-            <a:pPr marL="343080" indent="-342000">
+            <a:pPr marL="343080" indent="-341640">
               <a:lnSpc>
                 <a:spcPct val="200000"/>
               </a:lnSpc>
@@ -15724,7 +15724,7 @@
             </a:endParaRPr>
           </a:p>
           <a:p>
-            <a:pPr marL="343080" indent="-342000">
+            <a:pPr marL="343080" indent="-341640">
               <a:lnSpc>
                 <a:spcPct val="200000"/>
               </a:lnSpc>
@@ -15822,7 +15822,7 @@
         <p:spPr>
           <a:xfrm>
             <a:off x="645120" y="5168520"/>
-            <a:ext cx="8295480" cy="775080"/>
+            <a:ext cx="8295480" cy="774720"/>
           </a:xfrm>
           <a:prstGeom prst="rect">
             <a:avLst/>
@@ -16025,7 +16025,7 @@
         <p:spPr>
           <a:xfrm>
             <a:off x="457200" y="485640"/>
-            <a:ext cx="8228520" cy="1141920"/>
+            <a:ext cx="8228160" cy="1141560"/>
           </a:xfrm>
           <a:prstGeom prst="rect">
             <a:avLst/>
@@ -16096,7 +16096,7 @@
         <p:spPr>
           <a:xfrm>
             <a:off x="518760" y="1556640"/>
-            <a:ext cx="8228520" cy="790920"/>
+            <a:ext cx="8228160" cy="790560"/>
           </a:xfrm>
           <a:prstGeom prst="rect">
             <a:avLst/>
@@ -16117,7 +16117,7 @@
             <a:noAutofit/>
           </a:bodyPr>
           <a:p>
-            <a:pPr marL="343080" indent="-342000">
+            <a:pPr marL="343080" indent="-341640">
               <a:lnSpc>
                 <a:spcPct val="200000"/>
               </a:lnSpc>
@@ -16175,7 +16175,7 @@
         <p:spPr>
           <a:xfrm>
             <a:off x="1672560" y="2485440"/>
-            <a:ext cx="5096160" cy="3285720"/>
+            <a:ext cx="5095800" cy="3285360"/>
           </a:xfrm>
           <a:prstGeom prst="rect">
             <a:avLst/>
@@ -16453,7 +16453,7 @@
         <p:spPr>
           <a:xfrm>
             <a:off x="457200" y="485640"/>
-            <a:ext cx="8228520" cy="1141920"/>
+            <a:ext cx="8228160" cy="1141560"/>
           </a:xfrm>
           <a:prstGeom prst="rect">
             <a:avLst/>
@@ -16524,7 +16524,7 @@
         <p:spPr>
           <a:xfrm>
             <a:off x="518760" y="1412640"/>
-            <a:ext cx="8228520" cy="790920"/>
+            <a:ext cx="8228160" cy="790560"/>
           </a:xfrm>
           <a:prstGeom prst="rect">
             <a:avLst/>
@@ -16545,7 +16545,7 @@
             <a:noAutofit/>
           </a:bodyPr>
           <a:p>
-            <a:pPr marL="343080" indent="-342000">
+            <a:pPr marL="343080" indent="-341640">
               <a:lnSpc>
                 <a:spcPct val="200000"/>
               </a:lnSpc>
@@ -16603,7 +16603,7 @@
         <p:spPr>
           <a:xfrm>
             <a:off x="971640" y="2143800"/>
-            <a:ext cx="5471640" cy="4243320"/>
+            <a:ext cx="5471280" cy="4242960"/>
           </a:xfrm>
           <a:prstGeom prst="rect">
             <a:avLst/>
@@ -16879,7 +16879,7 @@
         <p:spPr>
           <a:xfrm>
             <a:off x="457200" y="485640"/>
-            <a:ext cx="8228520" cy="1141920"/>
+            <a:ext cx="8228160" cy="1141560"/>
           </a:xfrm>
           <a:prstGeom prst="rect">
             <a:avLst/>
@@ -16950,7 +16950,7 @@
         <p:spPr>
           <a:xfrm>
             <a:off x="518760" y="1412640"/>
-            <a:ext cx="8228520" cy="4895640"/>
+            <a:ext cx="8228160" cy="4895280"/>
           </a:xfrm>
           <a:prstGeom prst="rect">
             <a:avLst/>
@@ -16971,7 +16971,7 @@
             <a:noAutofit/>
           </a:bodyPr>
           <a:p>
-            <a:pPr marL="343080" indent="-342000">
+            <a:pPr marL="343080" indent="-341640">
               <a:lnSpc>
                 <a:spcPct val="200000"/>
               </a:lnSpc>
@@ -17009,7 +17009,7 @@
             </a:endParaRPr>
           </a:p>
           <a:p>
-            <a:pPr marL="343080" indent="-342000">
+            <a:pPr marL="343080" indent="-341640">
               <a:lnSpc>
                 <a:spcPct val="200000"/>
               </a:lnSpc>
@@ -17057,7 +17057,7 @@
             </a:endParaRPr>
           </a:p>
           <a:p>
-            <a:pPr marL="343080" indent="-342000">
+            <a:pPr marL="343080" indent="-341640">
               <a:lnSpc>
                 <a:spcPct val="200000"/>
               </a:lnSpc>
@@ -17085,7 +17085,7 @@
             </a:endParaRPr>
           </a:p>
           <a:p>
-            <a:pPr lvl="1" marL="743040" indent="-284760">
+            <a:pPr lvl="1" marL="743040" indent="-284400">
               <a:lnSpc>
                 <a:spcPct val="200000"/>
               </a:lnSpc>
@@ -17133,7 +17133,7 @@
             </a:endParaRPr>
           </a:p>
           <a:p>
-            <a:pPr lvl="1" marL="743040" indent="-284760">
+            <a:pPr lvl="1" marL="743040" indent="-284400">
               <a:lnSpc>
                 <a:spcPct val="200000"/>
               </a:lnSpc>
@@ -17181,7 +17181,7 @@
             </a:endParaRPr>
           </a:p>
           <a:p>
-            <a:pPr lvl="1" marL="743040" indent="-284760">
+            <a:pPr lvl="1" marL="743040" indent="-284400">
               <a:lnSpc>
                 <a:spcPct val="200000"/>
               </a:lnSpc>
@@ -17282,7 +17282,7 @@
         <p:spPr>
           <a:xfrm>
             <a:off x="457200" y="485640"/>
-            <a:ext cx="8228520" cy="1141920"/>
+            <a:ext cx="8228160" cy="1141560"/>
           </a:xfrm>
           <a:prstGeom prst="rect">
             <a:avLst/>
@@ -17353,7 +17353,7 @@
         <p:spPr>
           <a:xfrm>
             <a:off x="518760" y="1484640"/>
-            <a:ext cx="8228520" cy="1510920"/>
+            <a:ext cx="8228160" cy="1510560"/>
           </a:xfrm>
           <a:prstGeom prst="rect">
             <a:avLst/>
@@ -17374,7 +17374,7 @@
             <a:noAutofit/>
           </a:bodyPr>
           <a:p>
-            <a:pPr marL="343080" indent="-342000">
+            <a:pPr marL="343080" indent="-341640">
               <a:lnSpc>
                 <a:spcPct val="200000"/>
               </a:lnSpc>
@@ -17432,7 +17432,7 @@
             </a:endParaRPr>
           </a:p>
           <a:p>
-            <a:pPr marL="343080" indent="-342000">
+            <a:pPr marL="343080" indent="-341640">
               <a:lnSpc>
                 <a:spcPct val="200000"/>
               </a:lnSpc>
@@ -17530,7 +17530,7 @@
         <p:spPr>
           <a:xfrm>
             <a:off x="125640" y="2953080"/>
-            <a:ext cx="8638560" cy="2829240"/>
+            <a:ext cx="8638560" cy="2828880"/>
           </a:xfrm>
           <a:prstGeom prst="rect">
             <a:avLst/>
@@ -17957,7 +17957,7 @@
         <p:spPr>
           <a:xfrm>
             <a:off x="457200" y="485640"/>
-            <a:ext cx="8228520" cy="1141920"/>
+            <a:ext cx="8228160" cy="1141560"/>
           </a:xfrm>
           <a:prstGeom prst="rect">
             <a:avLst/>
@@ -18028,7 +18028,7 @@
         <p:spPr>
           <a:xfrm>
             <a:off x="518760" y="1556640"/>
-            <a:ext cx="8228520" cy="790920"/>
+            <a:ext cx="8228160" cy="790560"/>
           </a:xfrm>
           <a:prstGeom prst="rect">
             <a:avLst/>
@@ -18049,7 +18049,7 @@
             <a:noAutofit/>
           </a:bodyPr>
           <a:p>
-            <a:pPr marL="343080" indent="-342000">
+            <a:pPr marL="343080" indent="-341640">
               <a:lnSpc>
                 <a:spcPct val="200000"/>
               </a:lnSpc>
@@ -18107,7 +18107,7 @@
         <p:spPr>
           <a:xfrm>
             <a:off x="906840" y="2349360"/>
-            <a:ext cx="7199280" cy="3513960"/>
+            <a:ext cx="7198920" cy="3513600"/>
           </a:xfrm>
           <a:prstGeom prst="rect">
             <a:avLst/>
@@ -18509,7 +18509,7 @@
         <p:spPr>
           <a:xfrm>
             <a:off x="457200" y="485640"/>
-            <a:ext cx="8228520" cy="1141920"/>
+            <a:ext cx="8228160" cy="1141560"/>
           </a:xfrm>
           <a:prstGeom prst="rect">
             <a:avLst/>
@@ -18580,7 +18580,7 @@
         <p:spPr>
           <a:xfrm>
             <a:off x="518760" y="1412640"/>
-            <a:ext cx="8228520" cy="790920"/>
+            <a:ext cx="8228160" cy="790560"/>
           </a:xfrm>
           <a:prstGeom prst="rect">
             <a:avLst/>
@@ -18601,7 +18601,7 @@
             <a:noAutofit/>
           </a:bodyPr>
           <a:p>
-            <a:pPr marL="343080" indent="-342000">
+            <a:pPr marL="343080" indent="-341640">
               <a:lnSpc>
                 <a:spcPct val="200000"/>
               </a:lnSpc>
@@ -18659,7 +18659,7 @@
         <p:spPr>
           <a:xfrm>
             <a:off x="1722240" y="2086560"/>
-            <a:ext cx="6010200" cy="4194360"/>
+            <a:ext cx="6009840" cy="4194000"/>
           </a:xfrm>
           <a:prstGeom prst="rect">
             <a:avLst/>
@@ -18946,7 +18946,7 @@
         <p:spPr>
           <a:xfrm>
             <a:off x="457200" y="485640"/>
-            <a:ext cx="8228520" cy="1141920"/>
+            <a:ext cx="8228160" cy="1141560"/>
           </a:xfrm>
           <a:prstGeom prst="rect">
             <a:avLst/>
@@ -18997,7 +18997,7 @@
         <p:spPr>
           <a:xfrm>
             <a:off x="518760" y="1412640"/>
-            <a:ext cx="8228520" cy="4535280"/>
+            <a:ext cx="8228160" cy="4534920"/>
           </a:xfrm>
           <a:prstGeom prst="rect">
             <a:avLst/>
@@ -19018,7 +19018,7 @@
             <a:noAutofit/>
           </a:bodyPr>
           <a:p>
-            <a:pPr marL="343080" indent="-342000">
+            <a:pPr marL="343080" indent="-341640">
               <a:lnSpc>
                 <a:spcPct val="200000"/>
               </a:lnSpc>
@@ -19046,7 +19046,7 @@
             </a:endParaRPr>
           </a:p>
           <a:p>
-            <a:pPr marL="343080" indent="-342000">
+            <a:pPr marL="343080" indent="-341640">
               <a:lnSpc>
                 <a:spcPct val="200000"/>
               </a:lnSpc>
@@ -19124,7 +19124,7 @@
             </a:endParaRPr>
           </a:p>
           <a:p>
-            <a:pPr marL="343080" indent="-342000">
+            <a:pPr marL="343080" indent="-341640">
               <a:lnSpc>
                 <a:spcPct val="200000"/>
               </a:lnSpc>
@@ -19162,7 +19162,7 @@
             </a:endParaRPr>
           </a:p>
           <a:p>
-            <a:pPr lvl="1" marL="743040" indent="-284760">
+            <a:pPr lvl="1" marL="743040" indent="-284400">
               <a:lnSpc>
                 <a:spcPct val="200000"/>
               </a:lnSpc>
@@ -19210,7 +19210,7 @@
             </a:endParaRPr>
           </a:p>
           <a:p>
-            <a:pPr marL="343080" indent="-342000">
+            <a:pPr marL="343080" indent="-341640">
               <a:lnSpc>
                 <a:spcPct val="200000"/>
               </a:lnSpc>
@@ -19238,7 +19238,7 @@
             </a:endParaRPr>
           </a:p>
           <a:p>
-            <a:pPr lvl="1" marL="743040" indent="-284760">
+            <a:pPr lvl="1" marL="743040" indent="-284400">
               <a:lnSpc>
                 <a:spcPct val="200000"/>
               </a:lnSpc>
@@ -19332,7 +19332,7 @@
         <p:spPr>
           <a:xfrm>
             <a:off x="457200" y="485640"/>
-            <a:ext cx="8228520" cy="1141920"/>
+            <a:ext cx="8228160" cy="1141560"/>
           </a:xfrm>
           <a:prstGeom prst="rect">
             <a:avLst/>
@@ -19383,7 +19383,7 @@
         <p:spPr>
           <a:xfrm>
             <a:off x="518760" y="1412640"/>
-            <a:ext cx="8228520" cy="2617560"/>
+            <a:ext cx="8228160" cy="2617200"/>
           </a:xfrm>
           <a:prstGeom prst="rect">
             <a:avLst/>
@@ -19404,7 +19404,7 @@
             <a:noAutofit/>
           </a:bodyPr>
           <a:p>
-            <a:pPr marL="343080" indent="-342000">
+            <a:pPr marL="343080" indent="-341640">
               <a:lnSpc>
                 <a:spcPct val="200000"/>
               </a:lnSpc>
@@ -19502,7 +19502,7 @@
             </a:endParaRPr>
           </a:p>
           <a:p>
-            <a:pPr marL="343080" indent="-342000">
+            <a:pPr marL="343080" indent="-341640">
               <a:lnSpc>
                 <a:spcPct val="200000"/>
               </a:lnSpc>
@@ -19560,7 +19560,7 @@
         <p:spPr>
           <a:xfrm>
             <a:off x="1276200" y="3759840"/>
-            <a:ext cx="6415560" cy="1459800"/>
+            <a:ext cx="6415560" cy="1459440"/>
           </a:xfrm>
           <a:prstGeom prst="rect">
             <a:avLst/>
@@ -19896,7 +19896,7 @@
         <p:spPr>
           <a:xfrm>
             <a:off x="539640" y="5157360"/>
-            <a:ext cx="8136000" cy="1186920"/>
+            <a:ext cx="8135640" cy="1186920"/>
           </a:xfrm>
           <a:prstGeom prst="rect">
             <a:avLst/>
@@ -19917,7 +19917,7 @@
             <a:spAutoFit/>
           </a:bodyPr>
           <a:p>
-            <a:pPr marL="343080" indent="-342000">
+            <a:pPr marL="343080" indent="-341640">
               <a:lnSpc>
                 <a:spcPct val="200000"/>
               </a:lnSpc>
@@ -20055,7 +20055,7 @@
         <p:spPr>
           <a:xfrm>
             <a:off x="457200" y="485640"/>
-            <a:ext cx="8228520" cy="1141920"/>
+            <a:ext cx="8228160" cy="1141560"/>
           </a:xfrm>
           <a:prstGeom prst="rect">
             <a:avLst/>
@@ -20116,7 +20116,7 @@
         <p:spPr>
           <a:xfrm>
             <a:off x="518760" y="1412640"/>
-            <a:ext cx="8228520" cy="646920"/>
+            <a:ext cx="8228160" cy="646560"/>
           </a:xfrm>
           <a:prstGeom prst="rect">
             <a:avLst/>
@@ -20137,7 +20137,7 @@
             <a:noAutofit/>
           </a:bodyPr>
           <a:p>
-            <a:pPr marL="343080" indent="-342000">
+            <a:pPr marL="343080" indent="-341640">
               <a:lnSpc>
                 <a:spcPct val="200000"/>
               </a:lnSpc>
@@ -20195,7 +20195,7 @@
         <p:spPr>
           <a:xfrm>
             <a:off x="1524960" y="2278440"/>
-            <a:ext cx="6502320" cy="318600"/>
+            <a:ext cx="6501960" cy="318240"/>
           </a:xfrm>
           <a:prstGeom prst="rect">
             <a:avLst/>
@@ -20278,7 +20278,7 @@
         <p:spPr>
           <a:xfrm>
             <a:off x="518760" y="2889720"/>
-            <a:ext cx="8228520" cy="3058560"/>
+            <a:ext cx="8228160" cy="3058200"/>
           </a:xfrm>
           <a:prstGeom prst="rect">
             <a:avLst/>
@@ -20299,7 +20299,7 @@
             <a:noAutofit/>
           </a:bodyPr>
           <a:p>
-            <a:pPr marL="343080" indent="-342000">
+            <a:pPr marL="343080" indent="-341640">
               <a:lnSpc>
                 <a:spcPct val="200000"/>
               </a:lnSpc>
@@ -20407,7 +20407,7 @@
             </a:endParaRPr>
           </a:p>
           <a:p>
-            <a:pPr lvl="1" marL="743040" indent="-284760">
+            <a:pPr lvl="1" marL="743040" indent="-284400">
               <a:lnSpc>
                 <a:spcPct val="200000"/>
               </a:lnSpc>
@@ -20445,7 +20445,7 @@
             </a:endParaRPr>
           </a:p>
           <a:p>
-            <a:pPr lvl="1" marL="743040" indent="-284760">
+            <a:pPr lvl="1" marL="743040" indent="-284400">
               <a:lnSpc>
                 <a:spcPct val="200000"/>
               </a:lnSpc>
@@ -20493,7 +20493,7 @@
             </a:endParaRPr>
           </a:p>
           <a:p>
-            <a:pPr lvl="1" marL="743040" indent="-284760">
+            <a:pPr lvl="1" marL="743040" indent="-284400">
               <a:lnSpc>
                 <a:spcPct val="200000"/>
               </a:lnSpc>
@@ -20541,7 +20541,7 @@
             </a:endParaRPr>
           </a:p>
           <a:p>
-            <a:pPr lvl="1" marL="743040" indent="-284760">
+            <a:pPr lvl="1" marL="743040" indent="-284400">
               <a:lnSpc>
                 <a:spcPct val="200000"/>
               </a:lnSpc>
@@ -20629,7 +20629,7 @@
         <p:spPr>
           <a:xfrm>
             <a:off x="457200" y="485640"/>
-            <a:ext cx="8228520" cy="1141920"/>
+            <a:ext cx="8228160" cy="1141560"/>
           </a:xfrm>
           <a:prstGeom prst="rect">
             <a:avLst/>
@@ -20700,7 +20700,7 @@
         <p:spPr>
           <a:xfrm>
             <a:off x="518760" y="1412640"/>
-            <a:ext cx="8228520" cy="934920"/>
+            <a:ext cx="8228160" cy="934560"/>
           </a:xfrm>
           <a:prstGeom prst="rect">
             <a:avLst/>
@@ -20721,7 +20721,7 @@
             <a:noAutofit/>
           </a:bodyPr>
           <a:p>
-            <a:pPr marL="343080" indent="-342000">
+            <a:pPr marL="343080" indent="-341640">
               <a:lnSpc>
                 <a:spcPct val="200000"/>
               </a:lnSpc>
@@ -20789,7 +20789,7 @@
         <p:spPr>
           <a:xfrm>
             <a:off x="1276200" y="2296800"/>
-            <a:ext cx="5439240" cy="2966400"/>
+            <a:ext cx="5438880" cy="2966400"/>
           </a:xfrm>
           <a:prstGeom prst="rect">
             <a:avLst/>
@@ -21136,7 +21136,7 @@
         <p:spPr>
           <a:xfrm>
             <a:off x="457200" y="485640"/>
-            <a:ext cx="8228520" cy="1141920"/>
+            <a:ext cx="8228160" cy="1141560"/>
           </a:xfrm>
           <a:prstGeom prst="rect">
             <a:avLst/>
@@ -21207,7 +21207,7 @@
         <p:spPr>
           <a:xfrm>
             <a:off x="518760" y="1412640"/>
-            <a:ext cx="8228520" cy="1006920"/>
+            <a:ext cx="8228160" cy="1006560"/>
           </a:xfrm>
           <a:prstGeom prst="rect">
             <a:avLst/>
@@ -21228,7 +21228,7 @@
             <a:noAutofit/>
           </a:bodyPr>
           <a:p>
-            <a:pPr marL="343080" indent="-342000">
+            <a:pPr marL="343080" indent="-341640">
               <a:lnSpc>
                 <a:spcPct val="200000"/>
               </a:lnSpc>
@@ -21296,7 +21296,7 @@
         <p:spPr>
           <a:xfrm>
             <a:off x="775800" y="2189880"/>
-            <a:ext cx="7153920" cy="2966400"/>
+            <a:ext cx="7153560" cy="2966400"/>
           </a:xfrm>
           <a:prstGeom prst="rect">
             <a:avLst/>
@@ -21676,7 +21676,7 @@
         <p:spPr>
           <a:xfrm>
             <a:off x="457200" y="485640"/>
-            <a:ext cx="8228520" cy="1141920"/>
+            <a:ext cx="8228160" cy="1141560"/>
           </a:xfrm>
           <a:prstGeom prst="rect">
             <a:avLst/>
@@ -21747,7 +21747,7 @@
         <p:spPr>
           <a:xfrm>
             <a:off x="518760" y="1772640"/>
-            <a:ext cx="8228520" cy="934920"/>
+            <a:ext cx="8228160" cy="934560"/>
           </a:xfrm>
           <a:prstGeom prst="rect">
             <a:avLst/>
@@ -21768,7 +21768,7 @@
             <a:noAutofit/>
           </a:bodyPr>
           <a:p>
-            <a:pPr marL="343080" indent="-342000">
+            <a:pPr marL="343080" indent="-341640">
               <a:lnSpc>
                 <a:spcPct val="200000"/>
               </a:lnSpc>
@@ -21836,7 +21836,7 @@
         <p:spPr>
           <a:xfrm>
             <a:off x="899640" y="2829240"/>
-            <a:ext cx="6911640" cy="1870200"/>
+            <a:ext cx="6911280" cy="1870200"/>
           </a:xfrm>
           <a:prstGeom prst="rect">
             <a:avLst/>
@@ -22082,7 +22082,7 @@
         <p:spPr>
           <a:xfrm>
             <a:off x="457200" y="485640"/>
-            <a:ext cx="8228520" cy="1141920"/>
+            <a:ext cx="8228160" cy="1141560"/>
           </a:xfrm>
           <a:prstGeom prst="rect">
             <a:avLst/>
@@ -22133,7 +22133,7 @@
         <p:spPr>
           <a:xfrm>
             <a:off x="518760" y="1412640"/>
-            <a:ext cx="8228520" cy="2879280"/>
+            <a:ext cx="8228160" cy="2878920"/>
           </a:xfrm>
           <a:prstGeom prst="rect">
             <a:avLst/>
@@ -22154,7 +22154,7 @@
             <a:noAutofit/>
           </a:bodyPr>
           <a:p>
-            <a:pPr marL="343080" indent="-342000">
+            <a:pPr marL="343080" indent="-341640">
               <a:lnSpc>
                 <a:spcPct val="200000"/>
               </a:lnSpc>
@@ -22252,7 +22252,7 @@
             </a:endParaRPr>
           </a:p>
           <a:p>
-            <a:pPr marL="343080" indent="-342000">
+            <a:pPr marL="343080" indent="-341640">
               <a:lnSpc>
                 <a:spcPct val="200000"/>
               </a:lnSpc>
@@ -22290,7 +22290,7 @@
             </a:endParaRPr>
           </a:p>
           <a:p>
-            <a:pPr marL="343080" indent="-342000">
+            <a:pPr marL="343080" indent="-341640">
               <a:lnSpc>
                 <a:spcPct val="200000"/>
               </a:lnSpc>
@@ -22398,7 +22398,7 @@
         <p:spPr>
           <a:xfrm>
             <a:off x="1501560" y="4466880"/>
-            <a:ext cx="5324400" cy="1117080"/>
+            <a:ext cx="5324040" cy="1116720"/>
           </a:xfrm>
           <a:prstGeom prst="rect">
             <a:avLst/>
@@ -22613,7 +22613,7 @@
         <p:spPr>
           <a:xfrm>
             <a:off x="611640" y="5589360"/>
-            <a:ext cx="7847640" cy="638280"/>
+            <a:ext cx="7847280" cy="638280"/>
           </a:xfrm>
           <a:prstGeom prst="rect">
             <a:avLst/>
@@ -22634,7 +22634,7 @@
             <a:spAutoFit/>
           </a:bodyPr>
           <a:p>
-            <a:pPr marL="343080" indent="-342000">
+            <a:pPr marL="343080" indent="-341640">
               <a:lnSpc>
                 <a:spcPct val="200000"/>
               </a:lnSpc>
@@ -22752,7 +22752,7 @@
         <p:spPr>
           <a:xfrm>
             <a:off x="457200" y="485640"/>
-            <a:ext cx="8228520" cy="1141920"/>
+            <a:ext cx="8228160" cy="1141560"/>
           </a:xfrm>
           <a:prstGeom prst="rect">
             <a:avLst/>
@@ -22813,7 +22813,7 @@
         <p:spPr>
           <a:xfrm>
             <a:off x="518760" y="1340640"/>
-            <a:ext cx="8228520" cy="1871280"/>
+            <a:ext cx="8228160" cy="1870920"/>
           </a:xfrm>
           <a:prstGeom prst="rect">
             <a:avLst/>
@@ -22834,7 +22834,7 @@
             <a:noAutofit/>
           </a:bodyPr>
           <a:p>
-            <a:pPr marL="343080" indent="-342000">
+            <a:pPr marL="343080" indent="-341640">
               <a:lnSpc>
                 <a:spcPct val="200000"/>
               </a:lnSpc>
@@ -22882,7 +22882,7 @@
             </a:endParaRPr>
           </a:p>
           <a:p>
-            <a:pPr marL="343080" indent="-342000">
+            <a:pPr marL="343080" indent="-341640">
               <a:lnSpc>
                 <a:spcPct val="200000"/>
               </a:lnSpc>
@@ -22940,7 +22940,7 @@
         <p:spPr>
           <a:xfrm>
             <a:off x="827640" y="2370240"/>
-            <a:ext cx="8063640" cy="4690800"/>
+            <a:ext cx="8063280" cy="4690440"/>
           </a:xfrm>
           <a:prstGeom prst="rect">
             <a:avLst/>
@@ -23456,7 +23456,7 @@
         <p:spPr>
           <a:xfrm>
             <a:off x="457200" y="485640"/>
-            <a:ext cx="8228520" cy="1141920"/>
+            <a:ext cx="8228160" cy="1141560"/>
           </a:xfrm>
           <a:prstGeom prst="rect">
             <a:avLst/>
@@ -23517,7 +23517,7 @@
         <p:spPr>
           <a:xfrm>
             <a:off x="518760" y="1412640"/>
-            <a:ext cx="8228520" cy="934920"/>
+            <a:ext cx="8228160" cy="934560"/>
           </a:xfrm>
           <a:prstGeom prst="rect">
             <a:avLst/>
@@ -23538,7 +23538,7 @@
             <a:noAutofit/>
           </a:bodyPr>
           <a:p>
-            <a:pPr marL="343080" indent="-342000">
+            <a:pPr marL="343080" indent="-341640">
               <a:lnSpc>
                 <a:spcPct val="200000"/>
               </a:lnSpc>
@@ -23606,7 +23606,7 @@
         <p:spPr>
           <a:xfrm>
             <a:off x="425520" y="2058480"/>
-            <a:ext cx="8411040" cy="4062600"/>
+            <a:ext cx="8410680" cy="4062600"/>
           </a:xfrm>
           <a:prstGeom prst="rect">
             <a:avLst/>
@@ -24205,7 +24205,7 @@
         <p:spPr>
           <a:xfrm>
             <a:off x="457200" y="485640"/>
-            <a:ext cx="8228520" cy="1141920"/>
+            <a:ext cx="8228160" cy="1141560"/>
           </a:xfrm>
           <a:prstGeom prst="rect">
             <a:avLst/>
@@ -24276,7 +24276,7 @@
         <p:spPr>
           <a:xfrm>
             <a:off x="518760" y="1412640"/>
-            <a:ext cx="8228520" cy="4679280"/>
+            <a:ext cx="8228160" cy="4678920"/>
           </a:xfrm>
           <a:prstGeom prst="rect">
             <a:avLst/>
@@ -24297,7 +24297,7 @@
             <a:noAutofit/>
           </a:bodyPr>
           <a:p>
-            <a:pPr marL="343080" indent="-342000">
+            <a:pPr marL="343080" indent="-341640">
               <a:lnSpc>
                 <a:spcPct val="200000"/>
               </a:lnSpc>
@@ -24375,7 +24375,7 @@
             </a:endParaRPr>
           </a:p>
           <a:p>
-            <a:pPr marL="343080" indent="-342000">
+            <a:pPr marL="343080" indent="-341640">
               <a:lnSpc>
                 <a:spcPct val="200000"/>
               </a:lnSpc>
@@ -24403,7 +24403,7 @@
             </a:endParaRPr>
           </a:p>
           <a:p>
-            <a:pPr marL="343080" indent="-342000">
+            <a:pPr marL="343080" indent="-341640">
               <a:lnSpc>
                 <a:spcPct val="200000"/>
               </a:lnSpc>
@@ -24431,7 +24431,7 @@
             </a:endParaRPr>
           </a:p>
           <a:p>
-            <a:pPr marL="343080" indent="-342000">
+            <a:pPr marL="343080" indent="-341640">
               <a:lnSpc>
                 <a:spcPct val="200000"/>
               </a:lnSpc>
@@ -24459,7 +24459,7 @@
             </a:endParaRPr>
           </a:p>
           <a:p>
-            <a:pPr marL="343080" indent="-342000">
+            <a:pPr marL="343080" indent="-341640">
               <a:lnSpc>
                 <a:spcPct val="200000"/>
               </a:lnSpc>
@@ -24487,7 +24487,7 @@
             </a:endParaRPr>
           </a:p>
           <a:p>
-            <a:pPr marL="343080" indent="-342000">
+            <a:pPr marL="343080" indent="-341640">
               <a:lnSpc>
                 <a:spcPct val="200000"/>
               </a:lnSpc>
@@ -24515,7 +24515,7 @@
             </a:endParaRPr>
           </a:p>
           <a:p>
-            <a:pPr marL="343080" indent="-342000">
+            <a:pPr marL="343080" indent="-341640">
               <a:lnSpc>
                 <a:spcPct val="200000"/>
               </a:lnSpc>
@@ -24583,7 +24583,7 @@
         <p:spPr>
           <a:xfrm>
             <a:off x="457200" y="485640"/>
-            <a:ext cx="8228520" cy="1141920"/>
+            <a:ext cx="8228160" cy="1141560"/>
           </a:xfrm>
           <a:prstGeom prst="rect">
             <a:avLst/>
@@ -24654,7 +24654,7 @@
         <p:spPr>
           <a:xfrm>
             <a:off x="518760" y="1412640"/>
-            <a:ext cx="8228520" cy="2375280"/>
+            <a:ext cx="8228160" cy="2374920"/>
           </a:xfrm>
           <a:prstGeom prst="rect">
             <a:avLst/>
@@ -24675,7 +24675,7 @@
             <a:noAutofit/>
           </a:bodyPr>
           <a:p>
-            <a:pPr marL="343080" indent="-342000">
+            <a:pPr marL="343080" indent="-341640">
               <a:lnSpc>
                 <a:spcPct val="200000"/>
               </a:lnSpc>
@@ -24723,7 +24723,7 @@
             </a:endParaRPr>
           </a:p>
           <a:p>
-            <a:pPr marL="343080" indent="-342000">
+            <a:pPr marL="343080" indent="-341640">
               <a:lnSpc>
                 <a:spcPct val="200000"/>
               </a:lnSpc>
@@ -24751,7 +24751,7 @@
             </a:endParaRPr>
           </a:p>
           <a:p>
-            <a:pPr marL="343080" indent="-342000">
+            <a:pPr marL="343080" indent="-341640">
               <a:lnSpc>
                 <a:spcPct val="200000"/>
               </a:lnSpc>
@@ -24799,7 +24799,7 @@
         <p:spPr>
           <a:xfrm>
             <a:off x="1619640" y="3923640"/>
-            <a:ext cx="5903640" cy="2558520"/>
+            <a:ext cx="5903280" cy="2558520"/>
           </a:xfrm>
           <a:prstGeom prst="rect">
             <a:avLst/>
@@ -25180,7 +25180,7 @@
         <p:spPr>
           <a:xfrm>
             <a:off x="457200" y="485640"/>
-            <a:ext cx="8228520" cy="1141920"/>
+            <a:ext cx="8228160" cy="1141560"/>
           </a:xfrm>
           <a:prstGeom prst="rect">
             <a:avLst/>
@@ -25251,7 +25251,7 @@
         <p:spPr>
           <a:xfrm>
             <a:off x="518760" y="1412640"/>
-            <a:ext cx="8228520" cy="1366920"/>
+            <a:ext cx="8228160" cy="1366560"/>
           </a:xfrm>
           <a:prstGeom prst="rect">
             <a:avLst/>
@@ -25272,7 +25272,7 @@
             <a:noAutofit/>
           </a:bodyPr>
           <a:p>
-            <a:pPr marL="343080" indent="-342000">
+            <a:pPr marL="343080" indent="-341640">
               <a:lnSpc>
                 <a:spcPct val="200000"/>
               </a:lnSpc>
@@ -25330,7 +25330,7 @@
             </a:endParaRPr>
           </a:p>
           <a:p>
-            <a:pPr marL="343080" indent="-342000">
+            <a:pPr marL="343080" indent="-341640">
               <a:lnSpc>
                 <a:spcPct val="200000"/>
               </a:lnSpc>
@@ -25418,7 +25418,7 @@
         <p:spPr>
           <a:xfrm>
             <a:off x="611640" y="2668680"/>
-            <a:ext cx="2447280" cy="2973960"/>
+            <a:ext cx="2446920" cy="2973960"/>
           </a:xfrm>
           <a:prstGeom prst="rect">
             <a:avLst/>
@@ -25439,7 +25439,7 @@
             <a:spAutoFit/>
           </a:bodyPr>
           <a:p>
-            <a:pPr marL="343080" indent="-342000">
+            <a:pPr marL="343080" indent="-341640">
               <a:lnSpc>
                 <a:spcPct val="200000"/>
               </a:lnSpc>
@@ -25467,7 +25467,7 @@
             </a:endParaRPr>
           </a:p>
           <a:p>
-            <a:pPr marL="343080" indent="-342000">
+            <a:pPr marL="343080" indent="-341640">
               <a:lnSpc>
                 <a:spcPct val="150000"/>
               </a:lnSpc>
@@ -25571,7 +25571,7 @@
             </a:endParaRPr>
           </a:p>
           <a:p>
-            <a:pPr marL="343080" indent="-342000">
+            <a:pPr marL="343080" indent="-341640">
               <a:lnSpc>
                 <a:spcPct val="150000"/>
               </a:lnSpc>
@@ -25685,7 +25685,7 @@
         <p:spPr>
           <a:xfrm>
             <a:off x="2988000" y="2668680"/>
-            <a:ext cx="2807280" cy="3684600"/>
+            <a:ext cx="2806920" cy="3684600"/>
           </a:xfrm>
           <a:prstGeom prst="rect">
             <a:avLst/>
@@ -25706,7 +25706,7 @@
             <a:spAutoFit/>
           </a:bodyPr>
           <a:p>
-            <a:pPr marL="343080" indent="-342000">
+            <a:pPr marL="343080" indent="-341640">
               <a:lnSpc>
                 <a:spcPct val="200000"/>
               </a:lnSpc>
@@ -25734,7 +25734,7 @@
             </a:endParaRPr>
           </a:p>
           <a:p>
-            <a:pPr marL="343080" indent="-342000">
+            <a:pPr marL="343080" indent="-341640">
               <a:lnSpc>
                 <a:spcPct val="150000"/>
               </a:lnSpc>
@@ -25871,7 +25871,7 @@
             </a:endParaRPr>
           </a:p>
           <a:p>
-            <a:pPr marL="343080" indent="-342000">
+            <a:pPr marL="343080" indent="-341640">
               <a:lnSpc>
                 <a:spcPct val="150000"/>
               </a:lnSpc>
@@ -26018,7 +26018,7 @@
         <p:spPr>
           <a:xfrm>
             <a:off x="5652000" y="2650680"/>
-            <a:ext cx="3167280" cy="2973960"/>
+            <a:ext cx="3166920" cy="2973960"/>
           </a:xfrm>
           <a:prstGeom prst="rect">
             <a:avLst/>
@@ -26039,7 +26039,7 @@
             <a:spAutoFit/>
           </a:bodyPr>
           <a:p>
-            <a:pPr marL="343080" indent="-342000">
+            <a:pPr marL="343080" indent="-341640">
               <a:lnSpc>
                 <a:spcPct val="200000"/>
               </a:lnSpc>
@@ -26067,7 +26067,7 @@
             </a:endParaRPr>
           </a:p>
           <a:p>
-            <a:pPr marL="343080" indent="-342000">
+            <a:pPr marL="343080" indent="-341640">
               <a:lnSpc>
                 <a:spcPct val="150000"/>
               </a:lnSpc>
@@ -26171,7 +26171,7 @@
             </a:endParaRPr>
           </a:p>
           <a:p>
-            <a:pPr marL="343080" indent="-342000">
+            <a:pPr marL="343080" indent="-341640">
               <a:lnSpc>
                 <a:spcPct val="150000"/>
               </a:lnSpc>
@@ -26315,7 +26315,7 @@
         <p:spPr>
           <a:xfrm>
             <a:off x="457200" y="485640"/>
-            <a:ext cx="8228520" cy="1141920"/>
+            <a:ext cx="8228160" cy="1141560"/>
           </a:xfrm>
           <a:prstGeom prst="rect">
             <a:avLst/>
@@ -26386,7 +26386,7 @@
         <p:spPr>
           <a:xfrm>
             <a:off x="611640" y="1358640"/>
-            <a:ext cx="2447280" cy="4050360"/>
+            <a:ext cx="2446920" cy="4050360"/>
           </a:xfrm>
           <a:prstGeom prst="rect">
             <a:avLst/>
@@ -26407,7 +26407,7 @@
             <a:spAutoFit/>
           </a:bodyPr>
           <a:p>
-            <a:pPr marL="343080" indent="-342000">
+            <a:pPr marL="343080" indent="-341640">
               <a:lnSpc>
                 <a:spcPct val="200000"/>
               </a:lnSpc>
@@ -26435,7 +26435,7 @@
             </a:endParaRPr>
           </a:p>
           <a:p>
-            <a:pPr marL="343080" indent="-342000">
+            <a:pPr marL="343080" indent="-341640">
               <a:lnSpc>
                 <a:spcPct val="150000"/>
               </a:lnSpc>
@@ -26572,7 +26572,7 @@
             </a:endParaRPr>
           </a:p>
           <a:p>
-            <a:pPr marL="343080" indent="-342000">
+            <a:pPr marL="343080" indent="-341640">
               <a:lnSpc>
                 <a:spcPct val="150000"/>
               </a:lnSpc>
@@ -26719,7 +26719,7 @@
         <p:spPr>
           <a:xfrm>
             <a:off x="3276000" y="1358640"/>
-            <a:ext cx="2807280" cy="5116320"/>
+            <a:ext cx="2806920" cy="5116320"/>
           </a:xfrm>
           <a:prstGeom prst="rect">
             <a:avLst/>
@@ -26740,7 +26740,7 @@
             <a:spAutoFit/>
           </a:bodyPr>
           <a:p>
-            <a:pPr marL="343080" indent="-342000">
+            <a:pPr marL="343080" indent="-341640">
               <a:lnSpc>
                 <a:spcPct val="200000"/>
               </a:lnSpc>
@@ -26768,7 +26768,7 @@
             </a:endParaRPr>
           </a:p>
           <a:p>
-            <a:pPr marL="343080" indent="-342000">
+            <a:pPr marL="343080" indent="-341640">
               <a:lnSpc>
                 <a:spcPct val="150000"/>
               </a:lnSpc>
@@ -26938,7 +26938,7 @@
             </a:endParaRPr>
           </a:p>
           <a:p>
-            <a:pPr marL="343080" indent="-342000">
+            <a:pPr marL="343080" indent="-341640">
               <a:lnSpc>
                 <a:spcPct val="150000"/>
               </a:lnSpc>
@@ -27151,7 +27151,7 @@
         <p:spPr>
           <a:xfrm>
             <a:off x="6012000" y="1340640"/>
-            <a:ext cx="2591280" cy="4050360"/>
+            <a:ext cx="2590920" cy="4050360"/>
           </a:xfrm>
           <a:prstGeom prst="rect">
             <a:avLst/>
@@ -27172,7 +27172,7 @@
             <a:spAutoFit/>
           </a:bodyPr>
           <a:p>
-            <a:pPr marL="343080" indent="-342000">
+            <a:pPr marL="343080" indent="-341640">
               <a:lnSpc>
                 <a:spcPct val="200000"/>
               </a:lnSpc>
@@ -27200,7 +27200,7 @@
             </a:endParaRPr>
           </a:p>
           <a:p>
-            <a:pPr marL="343080" indent="-342000">
+            <a:pPr marL="343080" indent="-341640">
               <a:lnSpc>
                 <a:spcPct val="150000"/>
               </a:lnSpc>
@@ -27370,7 +27370,7 @@
             </a:endParaRPr>
           </a:p>
           <a:p>
-            <a:pPr marL="343080" indent="-342000">
+            <a:pPr marL="343080" indent="-341640">
               <a:lnSpc>
                 <a:spcPct val="150000"/>
               </a:lnSpc>
@@ -27514,7 +27514,7 @@
         <p:spPr>
           <a:xfrm>
             <a:off x="457200" y="485640"/>
-            <a:ext cx="8228520" cy="1141920"/>
+            <a:ext cx="8228160" cy="1141560"/>
           </a:xfrm>
           <a:prstGeom prst="rect">
             <a:avLst/>
@@ -27575,7 +27575,7 @@
         <p:spPr>
           <a:xfrm>
             <a:off x="518760" y="1412640"/>
-            <a:ext cx="8228520" cy="646920"/>
+            <a:ext cx="8228160" cy="646560"/>
           </a:xfrm>
           <a:prstGeom prst="rect">
             <a:avLst/>
@@ -27596,7 +27596,7 @@
             <a:noAutofit/>
           </a:bodyPr>
           <a:p>
-            <a:pPr marL="343080" indent="-342000">
+            <a:pPr marL="343080" indent="-341640">
               <a:lnSpc>
                 <a:spcPct val="200000"/>
               </a:lnSpc>
@@ -27654,7 +27654,7 @@
         <p:spPr>
           <a:xfrm>
             <a:off x="518760" y="3789000"/>
-            <a:ext cx="8228520" cy="646920"/>
+            <a:ext cx="8228160" cy="646560"/>
           </a:xfrm>
           <a:prstGeom prst="rect">
             <a:avLst/>
@@ -27675,7 +27675,7 @@
             <a:noAutofit/>
           </a:bodyPr>
           <a:p>
-            <a:pPr marL="343080" indent="-342000">
+            <a:pPr marL="343080" indent="-341640">
               <a:lnSpc>
                 <a:spcPct val="200000"/>
               </a:lnSpc>
@@ -27733,7 +27733,7 @@
         <p:spPr>
           <a:xfrm>
             <a:off x="898920" y="1998720"/>
-            <a:ext cx="7495920" cy="1802160"/>
+            <a:ext cx="7495560" cy="1801800"/>
           </a:xfrm>
           <a:prstGeom prst="rect">
             <a:avLst/>
@@ -27947,7 +27947,7 @@
         <p:spPr>
           <a:xfrm>
             <a:off x="950040" y="4374720"/>
-            <a:ext cx="6124320" cy="1802160"/>
+            <a:ext cx="6123960" cy="1801800"/>
           </a:xfrm>
           <a:prstGeom prst="rect">
             <a:avLst/>
@@ -28191,7 +28191,7 @@
         <p:spPr>
           <a:xfrm>
             <a:off x="457200" y="485640"/>
-            <a:ext cx="8228520" cy="1141920"/>
+            <a:ext cx="8228160" cy="1141560"/>
           </a:xfrm>
           <a:prstGeom prst="rect">
             <a:avLst/>
@@ -28262,7 +28262,7 @@
         <p:spPr>
           <a:xfrm>
             <a:off x="518760" y="1412640"/>
-            <a:ext cx="8228520" cy="3959280"/>
+            <a:ext cx="8228160" cy="3958920"/>
           </a:xfrm>
           <a:prstGeom prst="rect">
             <a:avLst/>
@@ -28283,7 +28283,7 @@
             <a:noAutofit/>
           </a:bodyPr>
           <a:p>
-            <a:pPr marL="343080" indent="-342000">
+            <a:pPr marL="343080" indent="-341640">
               <a:lnSpc>
                 <a:spcPct val="200000"/>
               </a:lnSpc>
@@ -28314,7 +28314,7 @@
                 <a:latin typeface="微软雅黑 Light"/>
                 <a:ea typeface="微软雅黑 Light"/>
               </a:rPr>
-              <a:t>User-defined Functions</a:t>
+              <a:t>User-Defined Functions</a:t>
             </a:r>
             <a:r>
               <a:rPr b="0" lang="zh-CN" sz="1800" spc="-1" strike="noStrike">
@@ -28351,7 +28351,7 @@
             </a:endParaRPr>
           </a:p>
           <a:p>
-            <a:pPr marL="343080" indent="-342000">
+            <a:pPr marL="343080" indent="-341640">
               <a:lnSpc>
                 <a:spcPct val="200000"/>
               </a:lnSpc>
@@ -28379,7 +28379,7 @@
             </a:endParaRPr>
           </a:p>
           <a:p>
-            <a:pPr marL="343080" indent="-342000">
+            <a:pPr marL="343080" indent="-341640">
               <a:lnSpc>
                 <a:spcPct val="200000"/>
               </a:lnSpc>
@@ -28410,7 +28410,7 @@
                 <a:latin typeface="微软雅黑 Light"/>
                 <a:ea typeface="微软雅黑 Light"/>
               </a:rPr>
-              <a:t>registerFunction</a:t>
+              <a:t>registerFunction()</a:t>
             </a:r>
             <a:r>
               <a:rPr b="0" lang="zh-CN" sz="1800" spc="-1" strike="noStrike">
@@ -28420,7 +28420,7 @@
                 <a:latin typeface="微软雅黑 Light"/>
                 <a:ea typeface="微软雅黑 Light"/>
               </a:rPr>
-              <a:t>（）方法在 </a:t>
+              <a:t>方法在 </a:t>
             </a:r>
             <a:r>
               <a:rPr b="0" lang="en-US" sz="1800" spc="-1" strike="noStrike">
@@ -28547,7 +28547,7 @@
         <p:spPr>
           <a:xfrm>
             <a:off x="457200" y="485640"/>
-            <a:ext cx="8228520" cy="1141920"/>
+            <a:ext cx="8228160" cy="1141560"/>
           </a:xfrm>
           <a:prstGeom prst="rect">
             <a:avLst/>
@@ -28618,7 +28618,7 @@
         <p:spPr>
           <a:xfrm>
             <a:off x="518760" y="1412640"/>
-            <a:ext cx="8228520" cy="2447280"/>
+            <a:ext cx="8228160" cy="2446920"/>
           </a:xfrm>
           <a:prstGeom prst="rect">
             <a:avLst/>
@@ -28639,7 +28639,7 @@
             <a:noAutofit/>
           </a:bodyPr>
           <a:p>
-            <a:pPr marL="343080" indent="-342000">
+            <a:pPr marL="343080" indent="-341640">
               <a:lnSpc>
                 <a:spcPct val="200000"/>
               </a:lnSpc>
@@ -28707,7 +28707,7 @@
             </a:endParaRPr>
           </a:p>
           <a:p>
-            <a:pPr marL="343080" indent="-342000">
+            <a:pPr marL="343080" indent="-341640">
               <a:lnSpc>
                 <a:spcPct val="200000"/>
               </a:lnSpc>
@@ -28795,7 +28795,7 @@
             </a:endParaRPr>
           </a:p>
           <a:p>
-            <a:pPr marL="343080" indent="-342000">
+            <a:pPr marL="343080" indent="-341640">
               <a:lnSpc>
                 <a:spcPct val="200000"/>
               </a:lnSpc>
@@ -28843,7 +28843,7 @@
         <p:spPr>
           <a:xfrm>
             <a:off x="1326240" y="3985200"/>
-            <a:ext cx="6352920" cy="2372400"/>
+            <a:ext cx="6352560" cy="2372040"/>
           </a:xfrm>
           <a:prstGeom prst="rect">
             <a:avLst/>
@@ -29040,7 +29040,7 @@
         <p:spPr>
           <a:xfrm>
             <a:off x="457200" y="485640"/>
-            <a:ext cx="8228520" cy="1141920"/>
+            <a:ext cx="8228160" cy="1141560"/>
           </a:xfrm>
           <a:prstGeom prst="rect">
             <a:avLst/>
@@ -29111,7 +29111,7 @@
         <p:spPr>
           <a:xfrm>
             <a:off x="518760" y="1340640"/>
-            <a:ext cx="8228520" cy="2951280"/>
+            <a:ext cx="8228160" cy="2950920"/>
           </a:xfrm>
           <a:prstGeom prst="rect">
             <a:avLst/>
@@ -29132,7 +29132,7 @@
             <a:noAutofit/>
           </a:bodyPr>
           <a:p>
-            <a:pPr marL="343080" indent="-342000">
+            <a:pPr marL="343080" indent="-341640">
               <a:lnSpc>
                 <a:spcPct val="200000"/>
               </a:lnSpc>
@@ -29200,7 +29200,7 @@
             </a:endParaRPr>
           </a:p>
           <a:p>
-            <a:pPr marL="343080" indent="-342000">
+            <a:pPr marL="343080" indent="-341640">
               <a:lnSpc>
                 <a:spcPct val="200000"/>
               </a:lnSpc>
@@ -29268,7 +29268,7 @@
             </a:endParaRPr>
           </a:p>
           <a:p>
-            <a:pPr marL="343080" indent="-342000">
+            <a:pPr marL="343080" indent="-341640">
               <a:lnSpc>
                 <a:spcPct val="200000"/>
               </a:lnSpc>
@@ -29336,7 +29336,7 @@
         <p:spPr>
           <a:xfrm>
             <a:off x="649440" y="4223520"/>
-            <a:ext cx="7953480" cy="2144520"/>
+            <a:ext cx="7953120" cy="2144160"/>
           </a:xfrm>
           <a:prstGeom prst="rect">
             <a:avLst/>
@@ -29515,7 +29515,7 @@
                 <a:latin typeface="宋体"/>
                 <a:ea typeface="宋体"/>
               </a:rPr>
-              <a:t>      </a:t>
+              <a:t>                   </a:t>
             </a:r>
             <a:r>
               <a:rPr b="0" lang="en-US" sz="1500" spc="-1" strike="noStrike">
@@ -29594,7 +29594,7 @@
         <p:spPr>
           <a:xfrm>
             <a:off x="457200" y="485640"/>
-            <a:ext cx="8228520" cy="1141920"/>
+            <a:ext cx="8228160" cy="1141560"/>
           </a:xfrm>
           <a:prstGeom prst="rect">
             <a:avLst/>
@@ -29665,7 +29665,7 @@
         <p:spPr>
           <a:xfrm>
             <a:off x="518760" y="1412640"/>
-            <a:ext cx="8228520" cy="1943280"/>
+            <a:ext cx="8228160" cy="1942920"/>
           </a:xfrm>
           <a:prstGeom prst="rect">
             <a:avLst/>
@@ -29686,7 +29686,7 @@
             <a:noAutofit/>
           </a:bodyPr>
           <a:p>
-            <a:pPr marL="343080" indent="-342000">
+            <a:pPr marL="343080" indent="-341640">
               <a:lnSpc>
                 <a:spcPct val="200000"/>
               </a:lnSpc>
@@ -29754,7 +29754,7 @@
             </a:endParaRPr>
           </a:p>
           <a:p>
-            <a:pPr marL="343080" indent="-342000">
+            <a:pPr marL="343080" indent="-341640">
               <a:lnSpc>
                 <a:spcPct val="200000"/>
               </a:lnSpc>
@@ -29816,7 +29816,7 @@
         <p:spPr>
           <a:xfrm>
             <a:off x="1475640" y="3194280"/>
-            <a:ext cx="6047640" cy="3186000"/>
+            <a:ext cx="6047280" cy="3185640"/>
           </a:xfrm>
           <a:prstGeom prst="rect">
             <a:avLst/>
@@ -29865,7 +29865,7 @@
         <p:spPr>
           <a:xfrm>
             <a:off x="457200" y="485640"/>
-            <a:ext cx="8228520" cy="1141920"/>
+            <a:ext cx="8228160" cy="1141560"/>
           </a:xfrm>
           <a:prstGeom prst="rect">
             <a:avLst/>
@@ -29936,7 +29936,7 @@
         <p:spPr>
           <a:xfrm>
             <a:off x="518760" y="1412640"/>
-            <a:ext cx="8228520" cy="4895640"/>
+            <a:ext cx="8228160" cy="4895280"/>
           </a:xfrm>
           <a:prstGeom prst="rect">
             <a:avLst/>
@@ -29957,7 +29957,7 @@
             <a:noAutofit/>
           </a:bodyPr>
           <a:p>
-            <a:pPr marL="343080" indent="-342000">
+            <a:pPr marL="343080" indent="-341640">
               <a:lnSpc>
                 <a:spcPct val="200000"/>
               </a:lnSpc>
@@ -29995,7 +29995,7 @@
             </a:endParaRPr>
           </a:p>
           <a:p>
-            <a:pPr lvl="1" marL="743040" indent="-284760">
+            <a:pPr lvl="1" marL="743040" indent="-284400">
               <a:lnSpc>
                 <a:spcPct val="200000"/>
               </a:lnSpc>
@@ -30023,7 +30023,7 @@
             </a:endParaRPr>
           </a:p>
           <a:p>
-            <a:pPr lvl="1" marL="743040" indent="-284760">
+            <a:pPr lvl="1" marL="743040" indent="-284400">
               <a:lnSpc>
                 <a:spcPct val="200000"/>
               </a:lnSpc>
@@ -30051,7 +30051,7 @@
             </a:endParaRPr>
           </a:p>
           <a:p>
-            <a:pPr lvl="1" marL="743040" indent="-284760">
+            <a:pPr lvl="1" marL="743040" indent="-284400">
               <a:lnSpc>
                 <a:spcPct val="200000"/>
               </a:lnSpc>
@@ -30079,7 +30079,7 @@
             </a:endParaRPr>
           </a:p>
           <a:p>
-            <a:pPr marL="343080" indent="-342000">
+            <a:pPr marL="343080" indent="-341640">
               <a:lnSpc>
                 <a:spcPct val="200000"/>
               </a:lnSpc>
@@ -30117,7 +30117,7 @@
             </a:endParaRPr>
           </a:p>
           <a:p>
-            <a:pPr lvl="1" marL="743040" indent="-284760">
+            <a:pPr lvl="1" marL="743040" indent="-284400">
               <a:lnSpc>
                 <a:spcPct val="200000"/>
               </a:lnSpc>
@@ -30185,7 +30185,7 @@
             </a:endParaRPr>
           </a:p>
           <a:p>
-            <a:pPr lvl="1" marL="743040" indent="-284760">
+            <a:pPr lvl="1" marL="743040" indent="-284400">
               <a:lnSpc>
                 <a:spcPct val="200000"/>
               </a:lnSpc>
@@ -30233,7 +30233,7 @@
             </a:endParaRPr>
           </a:p>
           <a:p>
-            <a:pPr lvl="1" marL="743040" indent="-284760">
+            <a:pPr lvl="1" marL="743040" indent="-284400">
               <a:lnSpc>
                 <a:spcPct val="200000"/>
               </a:lnSpc>
@@ -30321,7 +30321,7 @@
         <p:spPr>
           <a:xfrm>
             <a:off x="457200" y="485640"/>
-            <a:ext cx="8228520" cy="1141920"/>
+            <a:ext cx="8228160" cy="1141560"/>
           </a:xfrm>
           <a:prstGeom prst="rect">
             <a:avLst/>
@@ -30392,7 +30392,7 @@
         <p:spPr>
           <a:xfrm>
             <a:off x="518760" y="1412640"/>
-            <a:ext cx="8228520" cy="2015280"/>
+            <a:ext cx="8228160" cy="2014920"/>
           </a:xfrm>
           <a:prstGeom prst="rect">
             <a:avLst/>
@@ -30413,7 +30413,7 @@
             <a:noAutofit/>
           </a:bodyPr>
           <a:p>
-            <a:pPr marL="343080" indent="-342000">
+            <a:pPr marL="343080" indent="-341640">
               <a:lnSpc>
                 <a:spcPct val="200000"/>
               </a:lnSpc>
@@ -30481,7 +30481,7 @@
             </a:endParaRPr>
           </a:p>
           <a:p>
-            <a:pPr marL="343080" indent="-342000">
+            <a:pPr marL="343080" indent="-341640">
               <a:lnSpc>
                 <a:spcPct val="200000"/>
               </a:lnSpc>
@@ -30543,7 +30543,7 @@
         <p:spPr>
           <a:xfrm>
             <a:off x="1691640" y="3213000"/>
-            <a:ext cx="6047640" cy="3095280"/>
+            <a:ext cx="6047280" cy="3094920"/>
           </a:xfrm>
           <a:prstGeom prst="rect">
             <a:avLst/>
@@ -30592,7 +30592,7 @@
         <p:spPr>
           <a:xfrm>
             <a:off x="457200" y="485640"/>
-            <a:ext cx="8228520" cy="1141920"/>
+            <a:ext cx="8228160" cy="1141560"/>
           </a:xfrm>
           <a:prstGeom prst="rect">
             <a:avLst/>
@@ -30663,7 +30663,7 @@
         <p:spPr>
           <a:xfrm>
             <a:off x="518760" y="1412640"/>
-            <a:ext cx="8228520" cy="4895640"/>
+            <a:ext cx="8228160" cy="4895280"/>
           </a:xfrm>
           <a:prstGeom prst="rect">
             <a:avLst/>
@@ -30684,7 +30684,7 @@
             <a:noAutofit/>
           </a:bodyPr>
           <a:p>
-            <a:pPr marL="343080" indent="-342000">
+            <a:pPr marL="343080" indent="-341640">
               <a:lnSpc>
                 <a:spcPct val="200000"/>
               </a:lnSpc>
@@ -30722,7 +30722,7 @@
             </a:endParaRPr>
           </a:p>
           <a:p>
-            <a:pPr lvl="1" marL="743040" indent="-284760">
+            <a:pPr lvl="1" marL="743040" indent="-284400">
               <a:lnSpc>
                 <a:spcPct val="200000"/>
               </a:lnSpc>
@@ -30750,7 +30750,7 @@
             </a:endParaRPr>
           </a:p>
           <a:p>
-            <a:pPr lvl="1" marL="743040" indent="-284760">
+            <a:pPr lvl="1" marL="743040" indent="-284400">
               <a:lnSpc>
                 <a:spcPct val="200000"/>
               </a:lnSpc>
@@ -30778,7 +30778,7 @@
             </a:endParaRPr>
           </a:p>
           <a:p>
-            <a:pPr lvl="1" marL="743040" indent="-284760">
+            <a:pPr lvl="1" marL="743040" indent="-284400">
               <a:lnSpc>
                 <a:spcPct val="200000"/>
               </a:lnSpc>
@@ -30806,7 +30806,7 @@
             </a:endParaRPr>
           </a:p>
           <a:p>
-            <a:pPr marL="343080" indent="-342000">
+            <a:pPr marL="343080" indent="-341640">
               <a:lnSpc>
                 <a:spcPct val="200000"/>
               </a:lnSpc>
@@ -30854,7 +30854,7 @@
             </a:endParaRPr>
           </a:p>
           <a:p>
-            <a:pPr lvl="1" marL="743040" indent="-284760">
+            <a:pPr lvl="1" marL="743040" indent="-284400">
               <a:lnSpc>
                 <a:spcPct val="200000"/>
               </a:lnSpc>
@@ -30922,7 +30922,7 @@
             </a:endParaRPr>
           </a:p>
           <a:p>
-            <a:pPr lvl="1" marL="743040" indent="-284760">
+            <a:pPr lvl="1" marL="743040" indent="-284400">
               <a:lnSpc>
                 <a:spcPct val="200000"/>
               </a:lnSpc>
@@ -30970,7 +30970,7 @@
             </a:endParaRPr>
           </a:p>
           <a:p>
-            <a:pPr lvl="1" marL="743040" indent="-284760">
+            <a:pPr lvl="1" marL="743040" indent="-284400">
               <a:lnSpc>
                 <a:spcPct val="200000"/>
               </a:lnSpc>
@@ -31058,7 +31058,7 @@
         <p:spPr>
           <a:xfrm>
             <a:off x="3132000" y="2565000"/>
-            <a:ext cx="2807280" cy="1308600"/>
+            <a:ext cx="2806920" cy="1308600"/>
           </a:xfrm>
           <a:prstGeom prst="rect">
             <a:avLst/>
@@ -31139,7 +31139,7 @@
         <p:spPr>
           <a:xfrm>
             <a:off x="457200" y="485640"/>
-            <a:ext cx="8228520" cy="1141920"/>
+            <a:ext cx="8228160" cy="1141560"/>
           </a:xfrm>
           <a:prstGeom prst="rect">
             <a:avLst/>
@@ -31210,7 +31210,7 @@
         <p:spPr>
           <a:xfrm>
             <a:off x="518760" y="1412640"/>
-            <a:ext cx="8228520" cy="4535280"/>
+            <a:ext cx="8228160" cy="4534920"/>
           </a:xfrm>
           <a:prstGeom prst="rect">
             <a:avLst/>
@@ -31231,7 +31231,7 @@
             <a:noAutofit/>
           </a:bodyPr>
           <a:p>
-            <a:pPr marL="343080" indent="-342000">
+            <a:pPr marL="343080" indent="-341640">
               <a:lnSpc>
                 <a:spcPct val="200000"/>
               </a:lnSpc>
@@ -31309,7 +31309,7 @@
             </a:endParaRPr>
           </a:p>
           <a:p>
-            <a:pPr marL="343080" indent="-342000">
+            <a:pPr marL="343080" indent="-341640">
               <a:lnSpc>
                 <a:spcPct val="200000"/>
               </a:lnSpc>
@@ -31437,7 +31437,7 @@
             </a:endParaRPr>
           </a:p>
           <a:p>
-            <a:pPr marL="343080" indent="-342000">
+            <a:pPr marL="343080" indent="-341640">
               <a:lnSpc>
                 <a:spcPct val="200000"/>
               </a:lnSpc>
@@ -31485,7 +31485,7 @@
             </a:endParaRPr>
           </a:p>
           <a:p>
-            <a:pPr marL="343080" indent="-342000">
+            <a:pPr marL="343080" indent="-341640">
               <a:lnSpc>
                 <a:spcPct val="200000"/>
               </a:lnSpc>
@@ -31553,7 +31553,7 @@
             </a:endParaRPr>
           </a:p>
           <a:p>
-            <a:pPr marL="343080" indent="-342000">
+            <a:pPr marL="343080" indent="-341640">
               <a:lnSpc>
                 <a:spcPct val="200000"/>
               </a:lnSpc>
@@ -31681,7 +31681,7 @@
         <p:spPr>
           <a:xfrm>
             <a:off x="457200" y="485640"/>
-            <a:ext cx="8228520" cy="1141920"/>
+            <a:ext cx="8228160" cy="1141560"/>
           </a:xfrm>
           <a:prstGeom prst="rect">
             <a:avLst/>
@@ -31732,7 +31732,7 @@
         <p:spPr>
           <a:xfrm>
             <a:off x="518760" y="1412640"/>
-            <a:ext cx="8228520" cy="1510920"/>
+            <a:ext cx="8228160" cy="1510560"/>
           </a:xfrm>
           <a:prstGeom prst="rect">
             <a:avLst/>
@@ -31753,7 +31753,7 @@
             <a:noAutofit/>
           </a:bodyPr>
           <a:p>
-            <a:pPr marL="343080" indent="-342000">
+            <a:pPr marL="343080" indent="-341640">
               <a:lnSpc>
                 <a:spcPct val="200000"/>
               </a:lnSpc>
@@ -31861,7 +31861,7 @@
         <p:spPr>
           <a:xfrm>
             <a:off x="1307160" y="2832120"/>
-            <a:ext cx="6170040" cy="2372400"/>
+            <a:ext cx="6169680" cy="2372040"/>
           </a:xfrm>
           <a:prstGeom prst="rect">
             <a:avLst/>
@@ -32137,7 +32137,7 @@
         <p:spPr>
           <a:xfrm>
             <a:off x="457200" y="485640"/>
-            <a:ext cx="8228520" cy="1141920"/>
+            <a:ext cx="8228160" cy="1141560"/>
           </a:xfrm>
           <a:prstGeom prst="rect">
             <a:avLst/>
@@ -32188,7 +32188,7 @@
         <p:spPr>
           <a:xfrm>
             <a:off x="518760" y="1412640"/>
-            <a:ext cx="8372520" cy="862920"/>
+            <a:ext cx="8372160" cy="862560"/>
           </a:xfrm>
           <a:prstGeom prst="rect">
             <a:avLst/>
@@ -32209,7 +32209,7 @@
             <a:noAutofit/>
           </a:bodyPr>
           <a:p>
-            <a:pPr marL="343080" indent="-342000">
+            <a:pPr marL="343080" indent="-341640">
               <a:lnSpc>
                 <a:spcPct val="200000"/>
               </a:lnSpc>
@@ -32267,7 +32267,7 @@
         <p:spPr>
           <a:xfrm>
             <a:off x="971640" y="2154600"/>
-            <a:ext cx="7343640" cy="3856320"/>
+            <a:ext cx="7343280" cy="3855960"/>
           </a:xfrm>
           <a:prstGeom prst="rect">
             <a:avLst/>
@@ -32829,7 +32829,7 @@
         <p:spPr>
           <a:xfrm>
             <a:off x="457200" y="485640"/>
-            <a:ext cx="8228520" cy="1141920"/>
+            <a:ext cx="8228160" cy="1141560"/>
           </a:xfrm>
           <a:prstGeom prst="rect">
             <a:avLst/>
@@ -32900,7 +32900,7 @@
         <p:spPr>
           <a:xfrm>
             <a:off x="518760" y="1412640"/>
-            <a:ext cx="8228520" cy="3887280"/>
+            <a:ext cx="8228160" cy="3886920"/>
           </a:xfrm>
           <a:prstGeom prst="rect">
             <a:avLst/>
@@ -32921,7 +32921,7 @@
             <a:noAutofit/>
           </a:bodyPr>
           <a:p>
-            <a:pPr marL="343080" indent="-342000">
+            <a:pPr marL="343080" indent="-341640">
               <a:lnSpc>
                 <a:spcPct val="200000"/>
               </a:lnSpc>
@@ -33009,7 +33009,7 @@
             </a:endParaRPr>
           </a:p>
           <a:p>
-            <a:pPr marL="343080" indent="-342000">
+            <a:pPr marL="343080" indent="-341640">
               <a:lnSpc>
                 <a:spcPct val="200000"/>
               </a:lnSpc>
@@ -33107,7 +33107,7 @@
             </a:endParaRPr>
           </a:p>
           <a:p>
-            <a:pPr marL="343080" indent="-342000">
+            <a:pPr marL="343080" indent="-341640">
               <a:lnSpc>
                 <a:spcPct val="200000"/>
               </a:lnSpc>
@@ -33145,7 +33145,7 @@
         <p:spPr>
           <a:xfrm>
             <a:off x="1403640" y="4397400"/>
-            <a:ext cx="6477120" cy="1915920"/>
+            <a:ext cx="6476760" cy="1915560"/>
           </a:xfrm>
           <a:prstGeom prst="rect">
             <a:avLst/>
